--- a/GADGET_Blueprint_1.pptx
+++ b/GADGET_Blueprint_1.pptx
@@ -4,6 +4,9 @@
   <p:sldMasterIdLst>
     <p:sldMasterId id="2147483648" r:id="rId1"/>
   </p:sldMasterIdLst>
+  <p:notesMasterIdLst>
+    <p:notesMasterId r:id="rId12"/>
+  </p:notesMasterIdLst>
   <p:sldIdLst>
     <p:sldId id="262" r:id="rId2"/>
     <p:sldId id="258" r:id="rId3"/>
@@ -124,7 +127,7 @@
 <file path=ppt/revisionInfo.xml><?xml version="1.0" encoding="utf-8"?>
 <p1510:revInfo xmlns:a="http://schemas.openxmlformats.org/drawingml/2006/main" xmlns:r="http://schemas.openxmlformats.org/officeDocument/2006/relationships" xmlns:p1510="http://schemas.microsoft.com/office/powerpoint/2015/10/main">
   <p1510:revLst>
-    <p1510:client id="{904EA3BE-E951-4442-9925-9ECA9C6DAF99}" v="17" dt="2023-07-17T14:04:28.161"/>
+    <p1510:client id="{904EA3BE-E951-4442-9925-9ECA9C6DAF99}" v="246" dt="2023-07-17T16:42:13.435"/>
   </p1510:revLst>
 </p1510:revInfo>
 </file>
@@ -133,8 +136,8 @@
 <pc:chgInfo xmlns:a="http://schemas.openxmlformats.org/drawingml/2006/main" xmlns:r="http://schemas.openxmlformats.org/officeDocument/2006/relationships" xmlns:ac="http://schemas.microsoft.com/office/drawing/2013/main/command" xmlns:pc="http://schemas.microsoft.com/office/powerpoint/2013/main/command">
   <pc:docChgLst>
     <pc:chgData name="Sheharyar Raza" userId="6296120c-4620-4e6e-b0cf-8bfa191d4497" providerId="ADAL" clId="{904EA3BE-E951-4442-9925-9ECA9C6DAF99}"/>
-    <pc:docChg chg="undo custSel addSld delSld modSld sldOrd">
-      <pc:chgData name="Sheharyar Raza" userId="6296120c-4620-4e6e-b0cf-8bfa191d4497" providerId="ADAL" clId="{904EA3BE-E951-4442-9925-9ECA9C6DAF99}" dt="2023-07-17T14:08:06.979" v="5029" actId="20577"/>
+    <pc:docChg chg="undo custSel addSld delSld modSld sldOrd modShowInfo">
+      <pc:chgData name="Sheharyar Raza" userId="6296120c-4620-4e6e-b0cf-8bfa191d4497" providerId="ADAL" clId="{904EA3BE-E951-4442-9925-9ECA9C6DAF99}" dt="2023-07-17T16:49:43.737" v="5792" actId="20577"/>
       <pc:docMkLst>
         <pc:docMk/>
       </pc:docMkLst>
@@ -145,8 +148,8 @@
           <pc:sldMk cId="2650380005" sldId="256"/>
         </pc:sldMkLst>
       </pc:sldChg>
-      <pc:sldChg chg="delSp modSp add mod ord modAnim">
-        <pc:chgData name="Sheharyar Raza" userId="6296120c-4620-4e6e-b0cf-8bfa191d4497" providerId="ADAL" clId="{904EA3BE-E951-4442-9925-9ECA9C6DAF99}" dt="2023-07-17T14:00:31.230" v="4873" actId="20577"/>
+      <pc:sldChg chg="delSp modSp add mod ord modAnim modNotesTx">
+        <pc:chgData name="Sheharyar Raza" userId="6296120c-4620-4e6e-b0cf-8bfa191d4497" providerId="ADAL" clId="{904EA3BE-E951-4442-9925-9ECA9C6DAF99}" dt="2023-07-17T16:34:29.081" v="5471" actId="20577"/>
         <pc:sldMkLst>
           <pc:docMk/>
           <pc:sldMk cId="3307915255" sldId="257"/>
@@ -176,7 +179,7 @@
           </ac:spMkLst>
         </pc:spChg>
         <pc:spChg chg="mod">
-          <ac:chgData name="Sheharyar Raza" userId="6296120c-4620-4e6e-b0cf-8bfa191d4497" providerId="ADAL" clId="{904EA3BE-E951-4442-9925-9ECA9C6DAF99}" dt="2023-07-17T13:59:38.814" v="4862" actId="20577"/>
+          <ac:chgData name="Sheharyar Raza" userId="6296120c-4620-4e6e-b0cf-8bfa191d4497" providerId="ADAL" clId="{904EA3BE-E951-4442-9925-9ECA9C6DAF99}" dt="2023-07-17T16:34:29.081" v="5471" actId="20577"/>
           <ac:spMkLst>
             <pc:docMk/>
             <pc:sldMk cId="3307915255" sldId="257"/>
@@ -184,8 +187,8 @@
           </ac:spMkLst>
         </pc:spChg>
       </pc:sldChg>
-      <pc:sldChg chg="delSp modSp add mod ord modAnim">
-        <pc:chgData name="Sheharyar Raza" userId="6296120c-4620-4e6e-b0cf-8bfa191d4497" providerId="ADAL" clId="{904EA3BE-E951-4442-9925-9ECA9C6DAF99}" dt="2023-07-17T13:59:54.648" v="4863"/>
+      <pc:sldChg chg="delSp modSp add mod ord modAnim modNotesTx">
+        <pc:chgData name="Sheharyar Raza" userId="6296120c-4620-4e6e-b0cf-8bfa191d4497" providerId="ADAL" clId="{904EA3BE-E951-4442-9925-9ECA9C6DAF99}" dt="2023-07-17T16:21:02.464" v="5254" actId="207"/>
         <pc:sldMkLst>
           <pc:docMk/>
           <pc:sldMk cId="2998437829" sldId="258"/>
@@ -215,7 +218,7 @@
           </ac:spMkLst>
         </pc:spChg>
         <pc:spChg chg="mod">
-          <ac:chgData name="Sheharyar Raza" userId="6296120c-4620-4e6e-b0cf-8bfa191d4497" providerId="ADAL" clId="{904EA3BE-E951-4442-9925-9ECA9C6DAF99}" dt="2023-07-07T14:35:14.084" v="85" actId="1076"/>
+          <ac:chgData name="Sheharyar Raza" userId="6296120c-4620-4e6e-b0cf-8bfa191d4497" providerId="ADAL" clId="{904EA3BE-E951-4442-9925-9ECA9C6DAF99}" dt="2023-07-17T15:58:05.520" v="5043" actId="14100"/>
           <ac:spMkLst>
             <pc:docMk/>
             <pc:sldMk cId="2998437829" sldId="258"/>
@@ -223,7 +226,7 @@
           </ac:spMkLst>
         </pc:spChg>
         <pc:spChg chg="mod">
-          <ac:chgData name="Sheharyar Raza" userId="6296120c-4620-4e6e-b0cf-8bfa191d4497" providerId="ADAL" clId="{904EA3BE-E951-4442-9925-9ECA9C6DAF99}" dt="2023-07-07T14:35:14.084" v="85" actId="1076"/>
+          <ac:chgData name="Sheharyar Raza" userId="6296120c-4620-4e6e-b0cf-8bfa191d4497" providerId="ADAL" clId="{904EA3BE-E951-4442-9925-9ECA9C6DAF99}" dt="2023-07-17T16:21:02.464" v="5254" actId="207"/>
           <ac:spMkLst>
             <pc:docMk/>
             <pc:sldMk cId="2998437829" sldId="258"/>
@@ -231,8 +234,8 @@
           </ac:spMkLst>
         </pc:spChg>
       </pc:sldChg>
-      <pc:sldChg chg="addSp delSp modSp add mod ord modAnim">
-        <pc:chgData name="Sheharyar Raza" userId="6296120c-4620-4e6e-b0cf-8bfa191d4497" providerId="ADAL" clId="{904EA3BE-E951-4442-9925-9ECA9C6DAF99}" dt="2023-07-17T14:04:28.161" v="4943"/>
+      <pc:sldChg chg="addSp delSp modSp add mod ord modAnim modNotesTx">
+        <pc:chgData name="Sheharyar Raza" userId="6296120c-4620-4e6e-b0cf-8bfa191d4497" providerId="ADAL" clId="{904EA3BE-E951-4442-9925-9ECA9C6DAF99}" dt="2023-07-17T16:49:43.737" v="5792" actId="20577"/>
         <pc:sldMkLst>
           <pc:docMk/>
           <pc:sldMk cId="2881327137" sldId="259"/>
@@ -262,7 +265,7 @@
           </ac:spMkLst>
         </pc:spChg>
         <pc:spChg chg="add mod">
-          <ac:chgData name="Sheharyar Raza" userId="6296120c-4620-4e6e-b0cf-8bfa191d4497" providerId="ADAL" clId="{904EA3BE-E951-4442-9925-9ECA9C6DAF99}" dt="2023-07-07T18:03:49.664" v="4706" actId="20577"/>
+          <ac:chgData name="Sheharyar Raza" userId="6296120c-4620-4e6e-b0cf-8bfa191d4497" providerId="ADAL" clId="{904EA3BE-E951-4442-9925-9ECA9C6DAF99}" dt="2023-07-17T16:42:13.435" v="5623" actId="20577"/>
           <ac:spMkLst>
             <pc:docMk/>
             <pc:sldMk cId="2881327137" sldId="259"/>
@@ -554,6 +557,660 @@
     </pc:docChg>
   </pc:docChgLst>
 </pc:chgInfo>
+</file>
+
+<file path=ppt/notesMasters/notesMaster1.xml><?xml version="1.0" encoding="utf-8"?>
+<p:notesMaster xmlns:a="http://schemas.openxmlformats.org/drawingml/2006/main" xmlns:r="http://schemas.openxmlformats.org/officeDocument/2006/relationships" xmlns:p="http://schemas.openxmlformats.org/presentationml/2006/main">
+  <p:cSld>
+    <p:bg>
+      <p:bgRef idx="1001">
+        <a:schemeClr val="bg1"/>
+      </p:bgRef>
+    </p:bg>
+    <p:spTree>
+      <p:nvGrpSpPr>
+        <p:cNvPr id="1" name=""/>
+        <p:cNvGrpSpPr/>
+        <p:nvPr/>
+      </p:nvGrpSpPr>
+      <p:grpSpPr>
+        <a:xfrm>
+          <a:off x="0" y="0"/>
+          <a:ext cx="0" cy="0"/>
+          <a:chOff x="0" y="0"/>
+          <a:chExt cx="0" cy="0"/>
+        </a:xfrm>
+      </p:grpSpPr>
+      <p:sp>
+        <p:nvSpPr>
+          <p:cNvPr id="2" name="Header Placeholder 1"/>
+          <p:cNvSpPr>
+            <a:spLocks noGrp="1"/>
+          </p:cNvSpPr>
+          <p:nvPr>
+            <p:ph type="hdr" sz="quarter"/>
+          </p:nvPr>
+        </p:nvSpPr>
+        <p:spPr>
+          <a:xfrm>
+            <a:off x="0" y="0"/>
+            <a:ext cx="2971800" cy="458788"/>
+          </a:xfrm>
+          <a:prstGeom prst="rect">
+            <a:avLst/>
+          </a:prstGeom>
+        </p:spPr>
+        <p:txBody>
+          <a:bodyPr vert="horz" lIns="91440" tIns="45720" rIns="91440" bIns="45720" rtlCol="0"/>
+          <a:lstStyle>
+            <a:lvl1pPr algn="l">
+              <a:defRPr sz="1200"/>
+            </a:lvl1pPr>
+          </a:lstStyle>
+          <a:p>
+            <a:endParaRPr lang="en-US"/>
+          </a:p>
+        </p:txBody>
+      </p:sp>
+      <p:sp>
+        <p:nvSpPr>
+          <p:cNvPr id="3" name="Date Placeholder 2"/>
+          <p:cNvSpPr>
+            <a:spLocks noGrp="1"/>
+          </p:cNvSpPr>
+          <p:nvPr>
+            <p:ph type="dt" idx="1"/>
+          </p:nvPr>
+        </p:nvSpPr>
+        <p:spPr>
+          <a:xfrm>
+            <a:off x="3884613" y="0"/>
+            <a:ext cx="2971800" cy="458788"/>
+          </a:xfrm>
+          <a:prstGeom prst="rect">
+            <a:avLst/>
+          </a:prstGeom>
+        </p:spPr>
+        <p:txBody>
+          <a:bodyPr vert="horz" lIns="91440" tIns="45720" rIns="91440" bIns="45720" rtlCol="0"/>
+          <a:lstStyle>
+            <a:lvl1pPr algn="r">
+              <a:defRPr sz="1200"/>
+            </a:lvl1pPr>
+          </a:lstStyle>
+          <a:p>
+            <a:fld id="{79942096-D6B4-48E3-A07F-83C36308E102}" type="datetimeFigureOut">
+              <a:rPr lang="en-US" smtClean="0"/>
+              <a:t>2023-07-17</a:t>
+            </a:fld>
+            <a:endParaRPr lang="en-US"/>
+          </a:p>
+        </p:txBody>
+      </p:sp>
+      <p:sp>
+        <p:nvSpPr>
+          <p:cNvPr id="4" name="Slide Image Placeholder 3"/>
+          <p:cNvSpPr>
+            <a:spLocks noGrp="1" noRot="1" noChangeAspect="1"/>
+          </p:cNvSpPr>
+          <p:nvPr>
+            <p:ph type="sldImg" idx="2"/>
+          </p:nvPr>
+        </p:nvSpPr>
+        <p:spPr>
+          <a:xfrm>
+            <a:off x="685800" y="1143000"/>
+            <a:ext cx="5486400" cy="3086100"/>
+          </a:xfrm>
+          <a:prstGeom prst="rect">
+            <a:avLst/>
+          </a:prstGeom>
+          <a:noFill/>
+          <a:ln w="12700">
+            <a:solidFill>
+              <a:prstClr val="black"/>
+            </a:solidFill>
+          </a:ln>
+        </p:spPr>
+        <p:txBody>
+          <a:bodyPr vert="horz" lIns="91440" tIns="45720" rIns="91440" bIns="45720" rtlCol="0" anchor="ctr"/>
+          <a:lstStyle/>
+          <a:p>
+            <a:endParaRPr lang="en-US"/>
+          </a:p>
+        </p:txBody>
+      </p:sp>
+      <p:sp>
+        <p:nvSpPr>
+          <p:cNvPr id="5" name="Notes Placeholder 4"/>
+          <p:cNvSpPr>
+            <a:spLocks noGrp="1"/>
+          </p:cNvSpPr>
+          <p:nvPr>
+            <p:ph type="body" sz="quarter" idx="3"/>
+          </p:nvPr>
+        </p:nvSpPr>
+        <p:spPr>
+          <a:xfrm>
+            <a:off x="685800" y="4400550"/>
+            <a:ext cx="5486400" cy="3600450"/>
+          </a:xfrm>
+          <a:prstGeom prst="rect">
+            <a:avLst/>
+          </a:prstGeom>
+        </p:spPr>
+        <p:txBody>
+          <a:bodyPr vert="horz" lIns="91440" tIns="45720" rIns="91440" bIns="45720" rtlCol="0"/>
+          <a:lstStyle/>
+          <a:p>
+            <a:pPr lvl="0"/>
+            <a:r>
+              <a:rPr lang="en-US"/>
+              <a:t>Click to edit Master text styles</a:t>
+            </a:r>
+          </a:p>
+          <a:p>
+            <a:pPr lvl="1"/>
+            <a:r>
+              <a:rPr lang="en-US"/>
+              <a:t>Second level</a:t>
+            </a:r>
+          </a:p>
+          <a:p>
+            <a:pPr lvl="2"/>
+            <a:r>
+              <a:rPr lang="en-US"/>
+              <a:t>Third level</a:t>
+            </a:r>
+          </a:p>
+          <a:p>
+            <a:pPr lvl="3"/>
+            <a:r>
+              <a:rPr lang="en-US"/>
+              <a:t>Fourth level</a:t>
+            </a:r>
+          </a:p>
+          <a:p>
+            <a:pPr lvl="4"/>
+            <a:r>
+              <a:rPr lang="en-US"/>
+              <a:t>Fifth level</a:t>
+            </a:r>
+          </a:p>
+        </p:txBody>
+      </p:sp>
+      <p:sp>
+        <p:nvSpPr>
+          <p:cNvPr id="6" name="Footer Placeholder 5"/>
+          <p:cNvSpPr>
+            <a:spLocks noGrp="1"/>
+          </p:cNvSpPr>
+          <p:nvPr>
+            <p:ph type="ftr" sz="quarter" idx="4"/>
+          </p:nvPr>
+        </p:nvSpPr>
+        <p:spPr>
+          <a:xfrm>
+            <a:off x="0" y="8685213"/>
+            <a:ext cx="2971800" cy="458787"/>
+          </a:xfrm>
+          <a:prstGeom prst="rect">
+            <a:avLst/>
+          </a:prstGeom>
+        </p:spPr>
+        <p:txBody>
+          <a:bodyPr vert="horz" lIns="91440" tIns="45720" rIns="91440" bIns="45720" rtlCol="0" anchor="b"/>
+          <a:lstStyle>
+            <a:lvl1pPr algn="l">
+              <a:defRPr sz="1200"/>
+            </a:lvl1pPr>
+          </a:lstStyle>
+          <a:p>
+            <a:endParaRPr lang="en-US"/>
+          </a:p>
+        </p:txBody>
+      </p:sp>
+      <p:sp>
+        <p:nvSpPr>
+          <p:cNvPr id="7" name="Slide Number Placeholder 6"/>
+          <p:cNvSpPr>
+            <a:spLocks noGrp="1"/>
+          </p:cNvSpPr>
+          <p:nvPr>
+            <p:ph type="sldNum" sz="quarter" idx="5"/>
+          </p:nvPr>
+        </p:nvSpPr>
+        <p:spPr>
+          <a:xfrm>
+            <a:off x="3884613" y="8685213"/>
+            <a:ext cx="2971800" cy="458787"/>
+          </a:xfrm>
+          <a:prstGeom prst="rect">
+            <a:avLst/>
+          </a:prstGeom>
+        </p:spPr>
+        <p:txBody>
+          <a:bodyPr vert="horz" lIns="91440" tIns="45720" rIns="91440" bIns="45720" rtlCol="0" anchor="b"/>
+          <a:lstStyle>
+            <a:lvl1pPr algn="r">
+              <a:defRPr sz="1200"/>
+            </a:lvl1pPr>
+          </a:lstStyle>
+          <a:p>
+            <a:fld id="{4E3C8D0D-8C50-44EE-9866-8D7C8A5FBCD8}" type="slidenum">
+              <a:rPr lang="en-US" smtClean="0"/>
+              <a:t>‹#›</a:t>
+            </a:fld>
+            <a:endParaRPr lang="en-US"/>
+          </a:p>
+        </p:txBody>
+      </p:sp>
+    </p:spTree>
+    <p:extLst>
+      <p:ext uri="{BB962C8B-B14F-4D97-AF65-F5344CB8AC3E}">
+        <p14:creationId xmlns:p14="http://schemas.microsoft.com/office/powerpoint/2010/main" val="1494209500"/>
+      </p:ext>
+    </p:extLst>
+  </p:cSld>
+  <p:clrMap bg1="lt1" tx1="dk1" bg2="lt2" tx2="dk2" accent1="accent1" accent2="accent2" accent3="accent3" accent4="accent4" accent5="accent5" accent6="accent6" hlink="hlink" folHlink="folHlink"/>
+  <p:notesStyle>
+    <a:lvl1pPr marL="0" algn="l" defTabSz="914400" rtl="0" eaLnBrk="1" latinLnBrk="0" hangingPunct="1">
+      <a:defRPr sz="1200" kern="1200">
+        <a:solidFill>
+          <a:schemeClr val="tx1"/>
+        </a:solidFill>
+        <a:latin typeface="+mn-lt"/>
+        <a:ea typeface="+mn-ea"/>
+        <a:cs typeface="+mn-cs"/>
+      </a:defRPr>
+    </a:lvl1pPr>
+    <a:lvl2pPr marL="457200" algn="l" defTabSz="914400" rtl="0" eaLnBrk="1" latinLnBrk="0" hangingPunct="1">
+      <a:defRPr sz="1200" kern="1200">
+        <a:solidFill>
+          <a:schemeClr val="tx1"/>
+        </a:solidFill>
+        <a:latin typeface="+mn-lt"/>
+        <a:ea typeface="+mn-ea"/>
+        <a:cs typeface="+mn-cs"/>
+      </a:defRPr>
+    </a:lvl2pPr>
+    <a:lvl3pPr marL="914400" algn="l" defTabSz="914400" rtl="0" eaLnBrk="1" latinLnBrk="0" hangingPunct="1">
+      <a:defRPr sz="1200" kern="1200">
+        <a:solidFill>
+          <a:schemeClr val="tx1"/>
+        </a:solidFill>
+        <a:latin typeface="+mn-lt"/>
+        <a:ea typeface="+mn-ea"/>
+        <a:cs typeface="+mn-cs"/>
+      </a:defRPr>
+    </a:lvl3pPr>
+    <a:lvl4pPr marL="1371600" algn="l" defTabSz="914400" rtl="0" eaLnBrk="1" latinLnBrk="0" hangingPunct="1">
+      <a:defRPr sz="1200" kern="1200">
+        <a:solidFill>
+          <a:schemeClr val="tx1"/>
+        </a:solidFill>
+        <a:latin typeface="+mn-lt"/>
+        <a:ea typeface="+mn-ea"/>
+        <a:cs typeface="+mn-cs"/>
+      </a:defRPr>
+    </a:lvl4pPr>
+    <a:lvl5pPr marL="1828800" algn="l" defTabSz="914400" rtl="0" eaLnBrk="1" latinLnBrk="0" hangingPunct="1">
+      <a:defRPr sz="1200" kern="1200">
+        <a:solidFill>
+          <a:schemeClr val="tx1"/>
+        </a:solidFill>
+        <a:latin typeface="+mn-lt"/>
+        <a:ea typeface="+mn-ea"/>
+        <a:cs typeface="+mn-cs"/>
+      </a:defRPr>
+    </a:lvl5pPr>
+    <a:lvl6pPr marL="2286000" algn="l" defTabSz="914400" rtl="0" eaLnBrk="1" latinLnBrk="0" hangingPunct="1">
+      <a:defRPr sz="1200" kern="1200">
+        <a:solidFill>
+          <a:schemeClr val="tx1"/>
+        </a:solidFill>
+        <a:latin typeface="+mn-lt"/>
+        <a:ea typeface="+mn-ea"/>
+        <a:cs typeface="+mn-cs"/>
+      </a:defRPr>
+    </a:lvl6pPr>
+    <a:lvl7pPr marL="2743200" algn="l" defTabSz="914400" rtl="0" eaLnBrk="1" latinLnBrk="0" hangingPunct="1">
+      <a:defRPr sz="1200" kern="1200">
+        <a:solidFill>
+          <a:schemeClr val="tx1"/>
+        </a:solidFill>
+        <a:latin typeface="+mn-lt"/>
+        <a:ea typeface="+mn-ea"/>
+        <a:cs typeface="+mn-cs"/>
+      </a:defRPr>
+    </a:lvl7pPr>
+    <a:lvl8pPr marL="3200400" algn="l" defTabSz="914400" rtl="0" eaLnBrk="1" latinLnBrk="0" hangingPunct="1">
+      <a:defRPr sz="1200" kern="1200">
+        <a:solidFill>
+          <a:schemeClr val="tx1"/>
+        </a:solidFill>
+        <a:latin typeface="+mn-lt"/>
+        <a:ea typeface="+mn-ea"/>
+        <a:cs typeface="+mn-cs"/>
+      </a:defRPr>
+    </a:lvl8pPr>
+    <a:lvl9pPr marL="3657600" algn="l" defTabSz="914400" rtl="0" eaLnBrk="1" latinLnBrk="0" hangingPunct="1">
+      <a:defRPr sz="1200" kern="1200">
+        <a:solidFill>
+          <a:schemeClr val="tx1"/>
+        </a:solidFill>
+        <a:latin typeface="+mn-lt"/>
+        <a:ea typeface="+mn-ea"/>
+        <a:cs typeface="+mn-cs"/>
+      </a:defRPr>
+    </a:lvl9pPr>
+  </p:notesStyle>
+</p:notesMaster>
+</file>
+
+<file path=ppt/notesSlides/notesSlide1.xml><?xml version="1.0" encoding="utf-8"?>
+<p:notes xmlns:a="http://schemas.openxmlformats.org/drawingml/2006/main" xmlns:r="http://schemas.openxmlformats.org/officeDocument/2006/relationships" xmlns:p="http://schemas.openxmlformats.org/presentationml/2006/main">
+  <p:cSld>
+    <p:spTree>
+      <p:nvGrpSpPr>
+        <p:cNvPr id="1" name=""/>
+        <p:cNvGrpSpPr/>
+        <p:nvPr/>
+      </p:nvGrpSpPr>
+      <p:grpSpPr>
+        <a:xfrm>
+          <a:off x="0" y="0"/>
+          <a:ext cx="0" cy="0"/>
+          <a:chOff x="0" y="0"/>
+          <a:chExt cx="0" cy="0"/>
+        </a:xfrm>
+      </p:grpSpPr>
+      <p:sp>
+        <p:nvSpPr>
+          <p:cNvPr id="2" name="Slide Image Placeholder 1"/>
+          <p:cNvSpPr>
+            <a:spLocks noGrp="1" noRot="1" noChangeAspect="1"/>
+          </p:cNvSpPr>
+          <p:nvPr>
+            <p:ph type="sldImg"/>
+          </p:nvPr>
+        </p:nvSpPr>
+        <p:spPr/>
+      </p:sp>
+      <p:sp>
+        <p:nvSpPr>
+          <p:cNvPr id="3" name="Notes Placeholder 2"/>
+          <p:cNvSpPr>
+            <a:spLocks noGrp="1"/>
+          </p:cNvSpPr>
+          <p:nvPr>
+            <p:ph type="body" idx="1"/>
+          </p:nvPr>
+        </p:nvSpPr>
+        <p:spPr/>
+        <p:txBody>
+          <a:bodyPr/>
+          <a:lstStyle/>
+          <a:p>
+            <a:r>
+              <a:rPr lang="en-CA" dirty="0"/>
+              <a:t>Q. are ICU docs included? Do we know setting of practice?</a:t>
+            </a:r>
+          </a:p>
+          <a:p>
+            <a:r>
+              <a:rPr lang="en-CA" dirty="0"/>
+              <a:t>Q. Available physician characteristics</a:t>
+            </a:r>
+          </a:p>
+          <a:p>
+            <a:endParaRPr lang="en-US" dirty="0"/>
+          </a:p>
+        </p:txBody>
+      </p:sp>
+      <p:sp>
+        <p:nvSpPr>
+          <p:cNvPr id="4" name="Slide Number Placeholder 3"/>
+          <p:cNvSpPr>
+            <a:spLocks noGrp="1"/>
+          </p:cNvSpPr>
+          <p:nvPr>
+            <p:ph type="sldNum" sz="quarter" idx="5"/>
+          </p:nvPr>
+        </p:nvSpPr>
+        <p:spPr/>
+        <p:txBody>
+          <a:bodyPr/>
+          <a:lstStyle/>
+          <a:p>
+            <a:fld id="{4E3C8D0D-8C50-44EE-9866-8D7C8A5FBCD8}" type="slidenum">
+              <a:rPr lang="en-US" smtClean="0"/>
+              <a:t>2</a:t>
+            </a:fld>
+            <a:endParaRPr lang="en-US"/>
+          </a:p>
+        </p:txBody>
+      </p:sp>
+    </p:spTree>
+    <p:extLst>
+      <p:ext uri="{BB962C8B-B14F-4D97-AF65-F5344CB8AC3E}">
+        <p14:creationId xmlns:p14="http://schemas.microsoft.com/office/powerpoint/2010/main" val="1069462238"/>
+      </p:ext>
+    </p:extLst>
+  </p:cSld>
+  <p:clrMapOvr>
+    <a:masterClrMapping/>
+  </p:clrMapOvr>
+</p:notes>
+</file>
+
+<file path=ppt/notesSlides/notesSlide2.xml><?xml version="1.0" encoding="utf-8"?>
+<p:notes xmlns:a="http://schemas.openxmlformats.org/drawingml/2006/main" xmlns:r="http://schemas.openxmlformats.org/officeDocument/2006/relationships" xmlns:p="http://schemas.openxmlformats.org/presentationml/2006/main">
+  <p:cSld>
+    <p:spTree>
+      <p:nvGrpSpPr>
+        <p:cNvPr id="1" name=""/>
+        <p:cNvGrpSpPr/>
+        <p:nvPr/>
+      </p:nvGrpSpPr>
+      <p:grpSpPr>
+        <a:xfrm>
+          <a:off x="0" y="0"/>
+          <a:ext cx="0" cy="0"/>
+          <a:chOff x="0" y="0"/>
+          <a:chExt cx="0" cy="0"/>
+        </a:xfrm>
+      </p:grpSpPr>
+      <p:sp>
+        <p:nvSpPr>
+          <p:cNvPr id="2" name="Slide Image Placeholder 1"/>
+          <p:cNvSpPr>
+            <a:spLocks noGrp="1" noRot="1" noChangeAspect="1"/>
+          </p:cNvSpPr>
+          <p:nvPr>
+            <p:ph type="sldImg"/>
+          </p:nvPr>
+        </p:nvSpPr>
+        <p:spPr/>
+      </p:sp>
+      <p:sp>
+        <p:nvSpPr>
+          <p:cNvPr id="3" name="Notes Placeholder 2"/>
+          <p:cNvSpPr>
+            <a:spLocks noGrp="1"/>
+          </p:cNvSpPr>
+          <p:nvPr>
+            <p:ph type="body" idx="1"/>
+          </p:nvPr>
+        </p:nvSpPr>
+        <p:spPr/>
+        <p:txBody>
+          <a:bodyPr/>
+          <a:lstStyle/>
+          <a:p>
+            <a:r>
+              <a:rPr lang="en-CA" dirty="0"/>
+              <a:t>Q. Ask Yang about using Python</a:t>
+            </a:r>
+          </a:p>
+          <a:p>
+            <a:r>
+              <a:rPr lang="en-CA" dirty="0"/>
+              <a:t>Q. Derived scores from GEMINI (e.g. </a:t>
+            </a:r>
+            <a:r>
+              <a:rPr lang="en-CA" dirty="0" err="1"/>
+              <a:t>Charlston</a:t>
+            </a:r>
+            <a:r>
+              <a:rPr lang="en-CA" dirty="0"/>
+              <a:t>) </a:t>
+            </a:r>
+          </a:p>
+          <a:p>
+            <a:endParaRPr lang="en-US" dirty="0"/>
+          </a:p>
+        </p:txBody>
+      </p:sp>
+      <p:sp>
+        <p:nvSpPr>
+          <p:cNvPr id="4" name="Slide Number Placeholder 3"/>
+          <p:cNvSpPr>
+            <a:spLocks noGrp="1"/>
+          </p:cNvSpPr>
+          <p:nvPr>
+            <p:ph type="sldNum" sz="quarter" idx="5"/>
+          </p:nvPr>
+        </p:nvSpPr>
+        <p:spPr/>
+        <p:txBody>
+          <a:bodyPr/>
+          <a:lstStyle/>
+          <a:p>
+            <a:fld id="{4E3C8D0D-8C50-44EE-9866-8D7C8A5FBCD8}" type="slidenum">
+              <a:rPr lang="en-US" smtClean="0"/>
+              <a:t>4</a:t>
+            </a:fld>
+            <a:endParaRPr lang="en-US"/>
+          </a:p>
+        </p:txBody>
+      </p:sp>
+    </p:spTree>
+    <p:extLst>
+      <p:ext uri="{BB962C8B-B14F-4D97-AF65-F5344CB8AC3E}">
+        <p14:creationId xmlns:p14="http://schemas.microsoft.com/office/powerpoint/2010/main" val="3392918897"/>
+      </p:ext>
+    </p:extLst>
+  </p:cSld>
+  <p:clrMapOvr>
+    <a:masterClrMapping/>
+  </p:clrMapOvr>
+</p:notes>
+</file>
+
+<file path=ppt/notesSlides/notesSlide3.xml><?xml version="1.0" encoding="utf-8"?>
+<p:notes xmlns:a="http://schemas.openxmlformats.org/drawingml/2006/main" xmlns:r="http://schemas.openxmlformats.org/officeDocument/2006/relationships" xmlns:p="http://schemas.openxmlformats.org/presentationml/2006/main">
+  <p:cSld>
+    <p:spTree>
+      <p:nvGrpSpPr>
+        <p:cNvPr id="1" name=""/>
+        <p:cNvGrpSpPr/>
+        <p:nvPr/>
+      </p:nvGrpSpPr>
+      <p:grpSpPr>
+        <a:xfrm>
+          <a:off x="0" y="0"/>
+          <a:ext cx="0" cy="0"/>
+          <a:chOff x="0" y="0"/>
+          <a:chExt cx="0" cy="0"/>
+        </a:xfrm>
+      </p:grpSpPr>
+      <p:sp>
+        <p:nvSpPr>
+          <p:cNvPr id="2" name="Slide Image Placeholder 1"/>
+          <p:cNvSpPr>
+            <a:spLocks noGrp="1" noRot="1" noChangeAspect="1"/>
+          </p:cNvSpPr>
+          <p:nvPr>
+            <p:ph type="sldImg"/>
+          </p:nvPr>
+        </p:nvSpPr>
+        <p:spPr/>
+      </p:sp>
+      <p:sp>
+        <p:nvSpPr>
+          <p:cNvPr id="3" name="Notes Placeholder 2"/>
+          <p:cNvSpPr>
+            <a:spLocks noGrp="1"/>
+          </p:cNvSpPr>
+          <p:nvPr>
+            <p:ph type="body" idx="1"/>
+          </p:nvPr>
+        </p:nvSpPr>
+        <p:spPr/>
+        <p:txBody>
+          <a:bodyPr/>
+          <a:lstStyle/>
+          <a:p>
+            <a:r>
+              <a:rPr lang="en-CA" dirty="0"/>
+              <a:t>1. Pilot user study of 5-6 clinicians to see difficulties/complaints/backlash</a:t>
+            </a:r>
+          </a:p>
+          <a:p>
+            <a:r>
+              <a:rPr lang="en-US" dirty="0"/>
+              <a:t>2. Promoting engagement (+physician champions/leads, comm)</a:t>
+            </a:r>
+          </a:p>
+          <a:p>
+            <a:r>
+              <a:rPr lang="en-US" dirty="0"/>
+              <a:t>3. Tracking engagement (clicks, time spent, a/b testing)</a:t>
+            </a:r>
+          </a:p>
+          <a:p>
+            <a:r>
+              <a:rPr lang="en-US" dirty="0"/>
+              <a:t>4. Give feedback button / textbox</a:t>
+            </a:r>
+          </a:p>
+        </p:txBody>
+      </p:sp>
+      <p:sp>
+        <p:nvSpPr>
+          <p:cNvPr id="4" name="Slide Number Placeholder 3"/>
+          <p:cNvSpPr>
+            <a:spLocks noGrp="1"/>
+          </p:cNvSpPr>
+          <p:nvPr>
+            <p:ph type="sldNum" sz="quarter" idx="5"/>
+          </p:nvPr>
+        </p:nvSpPr>
+        <p:spPr/>
+        <p:txBody>
+          <a:bodyPr/>
+          <a:lstStyle/>
+          <a:p>
+            <a:fld id="{4E3C8D0D-8C50-44EE-9866-8D7C8A5FBCD8}" type="slidenum">
+              <a:rPr lang="en-US" smtClean="0"/>
+              <a:t>6</a:t>
+            </a:fld>
+            <a:endParaRPr lang="en-US"/>
+          </a:p>
+        </p:txBody>
+      </p:sp>
+    </p:spTree>
+    <p:extLst>
+      <p:ext uri="{BB962C8B-B14F-4D97-AF65-F5344CB8AC3E}">
+        <p14:creationId xmlns:p14="http://schemas.microsoft.com/office/powerpoint/2010/main" val="1371217674"/>
+      </p:ext>
+    </p:extLst>
+  </p:cSld>
+  <p:clrMapOvr>
+    <a:masterClrMapping/>
+  </p:clrMapOvr>
+</p:notes>
 </file>
 
 <file path=ppt/slideLayouts/slideLayout1.xml><?xml version="1.0" encoding="utf-8"?>
@@ -4753,7 +5410,7 @@
         <p:spPr>
           <a:xfrm>
             <a:off x="228600" y="1178858"/>
-            <a:ext cx="5273040" cy="4647426"/>
+            <a:ext cx="4458810" cy="4647426"/>
           </a:xfrm>
           <a:prstGeom prst="rect">
             <a:avLst/>
@@ -4881,7 +5538,7 @@
                 <a:effectLst/>
                 <a:latin typeface="Calibri" panose="020F0502020204030204" pitchFamily="34" charset="0"/>
               </a:rPr>
-              <a:t>[ ] Missing data</a:t>
+              <a:t>[ ] Missing data?</a:t>
             </a:r>
           </a:p>
           <a:p>
@@ -4950,8 +5607,8 @@
         </p:nvSpPr>
         <p:spPr>
           <a:xfrm>
-            <a:off x="4958061" y="1178858"/>
-            <a:ext cx="7069818" cy="4770537"/>
+            <a:off x="4687410" y="1178858"/>
+            <a:ext cx="7340469" cy="5509200"/>
           </a:xfrm>
           <a:prstGeom prst="rect">
             <a:avLst/>
@@ -5031,7 +5688,34 @@
               <a:rPr lang="en-CA" sz="2800" dirty="0">
                 <a:latin typeface="Calibri" panose="020F0502020204030204" pitchFamily="34" charset="0"/>
               </a:rPr>
-              <a:t>Order MRP</a:t>
+              <a:t>Ordering MRP</a:t>
+            </a:r>
+            <a:r>
+              <a:rPr lang="en-CA" sz="2800" dirty="0">
+                <a:solidFill>
+                  <a:srgbClr val="FF0000"/>
+                </a:solidFill>
+                <a:latin typeface="Calibri" panose="020F0502020204030204" pitchFamily="34" charset="0"/>
+              </a:rPr>
+              <a:t> (+ </a:t>
+            </a:r>
+            <a:r>
+              <a:rPr lang="en-CA" sz="2800" dirty="0" err="1">
+                <a:solidFill>
+                  <a:srgbClr val="FF0000"/>
+                </a:solidFill>
+                <a:latin typeface="Calibri" panose="020F0502020204030204" pitchFamily="34" charset="0"/>
+              </a:rPr>
+              <a:t>physician_table</a:t>
+            </a:r>
+            <a:r>
+              <a:rPr lang="en-CA" sz="2800" dirty="0">
+                <a:solidFill>
+                  <a:srgbClr val="FF0000"/>
+                </a:solidFill>
+                <a:latin typeface="Calibri" panose="020F0502020204030204" pitchFamily="34" charset="0"/>
+              </a:rPr>
+              <a:t>)</a:t>
             </a:r>
           </a:p>
           <a:p>
@@ -5064,6 +5748,33 @@
             </a:pPr>
             <a:r>
               <a:rPr lang="en-CA" sz="2800" dirty="0">
+                <a:solidFill>
+                  <a:srgbClr val="FF0000"/>
+                </a:solidFill>
+                <a:latin typeface="Calibri" panose="020F0502020204030204" pitchFamily="34" charset="0"/>
+              </a:rPr>
+              <a:t>Product and how much</a:t>
+            </a:r>
+            <a:endParaRPr lang="en-CA" sz="2800" dirty="0">
+              <a:solidFill>
+                <a:srgbClr val="FF0000"/>
+              </a:solidFill>
+              <a:effectLst/>
+              <a:latin typeface="Calibri" panose="020F0502020204030204" pitchFamily="34" charset="0"/>
+            </a:endParaRPr>
+          </a:p>
+          <a:p>
+            <a:pPr marL="742950" marR="0" indent="-742950">
+              <a:spcBef>
+                <a:spcPts val="0"/>
+              </a:spcBef>
+              <a:spcAft>
+                <a:spcPts val="0"/>
+              </a:spcAft>
+              <a:buAutoNum type="arabicPeriod"/>
+            </a:pPr>
+            <a:r>
+              <a:rPr lang="en-CA" sz="2800" dirty="0">
                 <a:effectLst/>
                 <a:latin typeface="Calibri" panose="020F0502020204030204" pitchFamily="34" charset="0"/>
               </a:rPr>
@@ -5081,7 +5792,24 @@
                 <a:effectLst/>
                 <a:latin typeface="Calibri" panose="020F0502020204030204" pitchFamily="34" charset="0"/>
               </a:rPr>
-              <a:t>, INR)</a:t>
+              <a:t>, INR, </a:t>
+            </a:r>
+            <a:r>
+              <a:rPr lang="en-CA" sz="2800" dirty="0">
+                <a:solidFill>
+                  <a:srgbClr val="FF0000"/>
+                </a:solidFill>
+                <a:effectLst/>
+                <a:latin typeface="Calibri" panose="020F0502020204030204" pitchFamily="34" charset="0"/>
+              </a:rPr>
+              <a:t>Albumin</a:t>
+            </a:r>
+            <a:r>
+              <a:rPr lang="en-CA" sz="2800" dirty="0">
+                <a:effectLst/>
+                <a:latin typeface="Calibri" panose="020F0502020204030204" pitchFamily="34" charset="0"/>
+              </a:rPr>
+              <a:t>)</a:t>
             </a:r>
           </a:p>
           <a:p>
@@ -5123,15 +5851,29 @@
               </a:rPr>
               <a:t>Optional: place of order</a:t>
             </a:r>
-            <a:endParaRPr lang="en-CA" sz="2400" dirty="0">
-              <a:solidFill>
-                <a:schemeClr val="bg1">
-                  <a:lumMod val="65000"/>
-                </a:schemeClr>
-              </a:solidFill>
-              <a:effectLst/>
-              <a:latin typeface="Calibri" panose="020F0502020204030204" pitchFamily="34" charset="0"/>
-            </a:endParaRPr>
+          </a:p>
+          <a:p>
+            <a:pPr marL="742950" marR="0" indent="-742950">
+              <a:spcBef>
+                <a:spcPts val="0"/>
+              </a:spcBef>
+              <a:spcAft>
+                <a:spcPts val="0"/>
+              </a:spcAft>
+              <a:buAutoNum type="arabicPeriod"/>
+            </a:pPr>
+            <a:r>
+              <a:rPr lang="en-CA" sz="2400" dirty="0">
+                <a:solidFill>
+                  <a:schemeClr val="bg1">
+                    <a:lumMod val="65000"/>
+                  </a:schemeClr>
+                </a:solidFill>
+                <a:effectLst/>
+                <a:latin typeface="Calibri" panose="020F0502020204030204" pitchFamily="34" charset="0"/>
+              </a:rPr>
+              <a:t>Patient outcomes</a:t>
+            </a:r>
           </a:p>
           <a:p>
             <a:pPr marL="0" marR="0">
@@ -5783,7 +6525,7 @@
         <p:spPr>
           <a:xfrm>
             <a:off x="5620872" y="1039929"/>
-            <a:ext cx="5812646" cy="6001643"/>
+            <a:ext cx="5812646" cy="5878532"/>
           </a:xfrm>
           <a:prstGeom prst="rect">
             <a:avLst/>
@@ -5847,10 +6589,19 @@
               <a:buChar char="•"/>
             </a:pPr>
             <a:r>
-              <a:rPr lang="en-CA" sz="3200" dirty="0">
+              <a:rPr lang="en-CA" sz="2800" dirty="0">
                 <a:latin typeface="Calibri" panose="020F0502020204030204" pitchFamily="34" charset="0"/>
               </a:rPr>
               <a:t>R or Python? </a:t>
+            </a:r>
+            <a:r>
+              <a:rPr lang="en-CA" sz="2800" dirty="0">
+                <a:solidFill>
+                  <a:srgbClr val="FF0000"/>
+                </a:solidFill>
+                <a:latin typeface="Calibri" panose="020F0502020204030204" pitchFamily="34" charset="0"/>
+              </a:rPr>
+              <a:t>Python</a:t>
             </a:r>
           </a:p>
           <a:p>
@@ -5862,7 +6613,7 @@
                 <a:spcPts val="0"/>
               </a:spcAft>
             </a:pPr>
-            <a:endParaRPr lang="en-CA" sz="2800" b="1" dirty="0">
+            <a:endParaRPr lang="en-CA" sz="2400" b="1" dirty="0">
               <a:effectLst/>
               <a:latin typeface="Calibri" panose="020F0502020204030204" pitchFamily="34" charset="0"/>
             </a:endParaRPr>
@@ -5879,7 +6630,7 @@
               <a:buChar char="•"/>
             </a:pPr>
             <a:r>
-              <a:rPr lang="en-CA" sz="2800" dirty="0">
+              <a:rPr lang="en-CA" sz="2400" dirty="0">
                 <a:latin typeface="Calibri" panose="020F0502020204030204" pitchFamily="34" charset="0"/>
               </a:rPr>
               <a:t>Algorithm Choices</a:t>
@@ -5891,10 +6642,16 @@
               <a:buChar char="•"/>
             </a:pPr>
             <a:r>
-              <a:rPr lang="en-CA" sz="2800" dirty="0">
-                <a:latin typeface="Calibri" panose="020F0502020204030204" pitchFamily="34" charset="0"/>
-              </a:rPr>
-              <a:t>Defining appropriateness</a:t>
+              <a:rPr lang="en-CA" sz="2400" dirty="0">
+                <a:latin typeface="Calibri" panose="020F0502020204030204" pitchFamily="34" charset="0"/>
+              </a:rPr>
+              <a:t>Defining </a:t>
+            </a:r>
+            <a:r>
+              <a:rPr lang="en-CA" sz="2400" b="1" dirty="0">
+                <a:latin typeface="Calibri" panose="020F0502020204030204" pitchFamily="34" charset="0"/>
+              </a:rPr>
+              <a:t>appropriateness</a:t>
             </a:r>
           </a:p>
           <a:p>
@@ -5903,7 +6660,7 @@
               <a:buChar char="•"/>
             </a:pPr>
             <a:r>
-              <a:rPr lang="en-CA" sz="2800" dirty="0">
+              <a:rPr lang="en-CA" sz="2400" dirty="0">
                 <a:effectLst/>
                 <a:latin typeface="Calibri" panose="020F0502020204030204" pitchFamily="34" charset="0"/>
               </a:rPr>
@@ -5916,7 +6673,7 @@
               <a:buChar char="•"/>
             </a:pPr>
             <a:r>
-              <a:rPr lang="en-CA" sz="2800" dirty="0">
+              <a:rPr lang="en-CA" sz="2400" dirty="0">
                 <a:latin typeface="Calibri" panose="020F0502020204030204" pitchFamily="34" charset="0"/>
               </a:rPr>
               <a:t>Selecting exceptions (dynamic)</a:t>
@@ -5924,7 +6681,7 @@
           </a:p>
           <a:p>
             <a:pPr lvl="1"/>
-            <a:endParaRPr lang="en-CA" sz="2800" dirty="0">
+            <a:endParaRPr lang="en-CA" sz="2400" dirty="0">
               <a:effectLst/>
               <a:latin typeface="Calibri" panose="020F0502020204030204" pitchFamily="34" charset="0"/>
             </a:endParaRPr>
@@ -5941,7 +6698,7 @@
               <a:buChar char="•"/>
             </a:pPr>
             <a:r>
-              <a:rPr lang="en-CA" sz="2800" dirty="0">
+              <a:rPr lang="en-CA" sz="2400" dirty="0">
                 <a:latin typeface="Calibri" panose="020F0502020204030204" pitchFamily="34" charset="0"/>
               </a:rPr>
               <a:t>Data Issues</a:t>
@@ -5953,7 +6710,7 @@
               <a:buChar char="•"/>
             </a:pPr>
             <a:r>
-              <a:rPr lang="en-CA" sz="2800" dirty="0">
+              <a:rPr lang="en-CA" sz="2400" dirty="0">
                 <a:latin typeface="Calibri" panose="020F0502020204030204" pitchFamily="34" charset="0"/>
               </a:rPr>
               <a:t>Sample size cut-offs</a:t>
@@ -5965,24 +6722,29 @@
               <a:buChar char="•"/>
             </a:pPr>
             <a:r>
-              <a:rPr lang="en-CA" sz="2800" dirty="0">
+              <a:rPr lang="en-CA" sz="2400" dirty="0">
                 <a:latin typeface="Calibri" panose="020F0502020204030204" pitchFamily="34" charset="0"/>
               </a:rPr>
               <a:t>Considering data cut-offs</a:t>
             </a:r>
           </a:p>
           <a:p>
-            <a:pPr marR="0">
-              <a:spcBef>
-                <a:spcPts val="0"/>
-              </a:spcBef>
-              <a:spcAft>
-                <a:spcPts val="0"/>
-              </a:spcAft>
-            </a:pPr>
-            <a:endParaRPr lang="en-CA" sz="2800" dirty="0">
+            <a:pPr lvl="1"/>
+            <a:endParaRPr lang="en-CA" sz="2400" dirty="0">
               <a:latin typeface="Calibri" panose="020F0502020204030204" pitchFamily="34" charset="0"/>
             </a:endParaRPr>
+          </a:p>
+          <a:p>
+            <a:pPr lvl="1"/>
+            <a:r>
+              <a:rPr lang="en-CA" sz="2400" b="1" dirty="0">
+                <a:solidFill>
+                  <a:srgbClr val="FF0000"/>
+                </a:solidFill>
+                <a:latin typeface="Calibri" panose="020F0502020204030204" pitchFamily="34" charset="0"/>
+              </a:rPr>
+              <a:t>Analysis of Transfusions Per Days of Service Per Patient</a:t>
+            </a:r>
           </a:p>
         </p:txBody>
       </p:sp>
@@ -6683,7 +7445,7 @@
           <p:nvPr/>
         </p:nvPicPr>
         <p:blipFill>
-          <a:blip r:embed="rId2"/>
+          <a:blip r:embed="rId3"/>
           <a:stretch>
             <a:fillRect/>
           </a:stretch>
@@ -6713,7 +7475,7 @@
           <p:nvPr/>
         </p:nvPicPr>
         <p:blipFill>
-          <a:blip r:embed="rId3"/>
+          <a:blip r:embed="rId4"/>
           <a:stretch>
             <a:fillRect/>
           </a:stretch>
@@ -6742,8 +7504,8 @@
         </p:nvSpPr>
         <p:spPr>
           <a:xfrm>
-            <a:off x="5930154" y="1972358"/>
-            <a:ext cx="6261846" cy="3231654"/>
+            <a:off x="5930155" y="1804228"/>
+            <a:ext cx="6261846" cy="3539430"/>
           </a:xfrm>
           <a:prstGeom prst="rect">
             <a:avLst/>
@@ -6768,7 +7530,22 @@
             </a:r>
           </a:p>
           <a:p>
-            <a:pPr marL="285750" indent="-285750">
+            <a:pPr marL="742950" lvl="1" indent="-285750">
+              <a:buFont typeface="Arial" panose="020B0604020202020204" pitchFamily="34" charset="0"/>
+              <a:buChar char="•"/>
+            </a:pPr>
+            <a:r>
+              <a:rPr lang="en-CA" sz="2000" b="1" dirty="0">
+                <a:solidFill>
+                  <a:srgbClr val="FF0000"/>
+                </a:solidFill>
+                <a:latin typeface="Calibri" panose="020F0502020204030204" pitchFamily="34" charset="0"/>
+              </a:rPr>
+              <a:t>+ Pilot User study</a:t>
+            </a:r>
+          </a:p>
+          <a:p>
+            <a:pPr marL="742950" lvl="1" indent="-285750">
               <a:buFont typeface="Arial" panose="020B0604020202020204" pitchFamily="34" charset="0"/>
               <a:buChar char="•"/>
             </a:pPr>
@@ -8288,4 +9065,299 @@
     </a:ext>
   </a:extLst>
 </a:theme>
+</file>
+
+<file path=ppt/theme/theme2.xml><?xml version="1.0" encoding="utf-8"?>
+<a:theme xmlns:a="http://schemas.openxmlformats.org/drawingml/2006/main" name="Office Theme">
+  <a:themeElements>
+    <a:clrScheme name="Office">
+      <a:dk1>
+        <a:sysClr val="windowText" lastClr="000000"/>
+      </a:dk1>
+      <a:lt1>
+        <a:sysClr val="window" lastClr="FFFFFF"/>
+      </a:lt1>
+      <a:dk2>
+        <a:srgbClr val="44546A"/>
+      </a:dk2>
+      <a:lt2>
+        <a:srgbClr val="E7E6E6"/>
+      </a:lt2>
+      <a:accent1>
+        <a:srgbClr val="4472C4"/>
+      </a:accent1>
+      <a:accent2>
+        <a:srgbClr val="ED7D31"/>
+      </a:accent2>
+      <a:accent3>
+        <a:srgbClr val="A5A5A5"/>
+      </a:accent3>
+      <a:accent4>
+        <a:srgbClr val="FFC000"/>
+      </a:accent4>
+      <a:accent5>
+        <a:srgbClr val="5B9BD5"/>
+      </a:accent5>
+      <a:accent6>
+        <a:srgbClr val="70AD47"/>
+      </a:accent6>
+      <a:hlink>
+        <a:srgbClr val="0563C1"/>
+      </a:hlink>
+      <a:folHlink>
+        <a:srgbClr val="954F72"/>
+      </a:folHlink>
+    </a:clrScheme>
+    <a:fontScheme name="Office">
+      <a:majorFont>
+        <a:latin typeface="Calibri Light" panose="020F0302020204030204"/>
+        <a:ea typeface=""/>
+        <a:cs typeface=""/>
+        <a:font script="Jpan" typeface="游ゴシック Light"/>
+        <a:font script="Hang" typeface="맑은 고딕"/>
+        <a:font script="Hans" typeface="等线 Light"/>
+        <a:font script="Hant" typeface="新細明體"/>
+        <a:font script="Arab" typeface="Times New Roman"/>
+        <a:font script="Hebr" typeface="Times New Roman"/>
+        <a:font script="Thai" typeface="Angsana New"/>
+        <a:font script="Ethi" typeface="Nyala"/>
+        <a:font script="Beng" typeface="Vrinda"/>
+        <a:font script="Gujr" typeface="Shruti"/>
+        <a:font script="Khmr" typeface="MoolBoran"/>
+        <a:font script="Knda" typeface="Tunga"/>
+        <a:font script="Guru" typeface="Raavi"/>
+        <a:font script="Cans" typeface="Euphemia"/>
+        <a:font script="Cher" typeface="Plantagenet Cherokee"/>
+        <a:font script="Yiii" typeface="Microsoft Yi Baiti"/>
+        <a:font script="Tibt" typeface="Microsoft Himalaya"/>
+        <a:font script="Thaa" typeface="MV Boli"/>
+        <a:font script="Deva" typeface="Mangal"/>
+        <a:font script="Telu" typeface="Gautami"/>
+        <a:font script="Taml" typeface="Latha"/>
+        <a:font script="Syrc" typeface="Estrangelo Edessa"/>
+        <a:font script="Orya" typeface="Kalinga"/>
+        <a:font script="Mlym" typeface="Kartika"/>
+        <a:font script="Laoo" typeface="DokChampa"/>
+        <a:font script="Sinh" typeface="Iskoola Pota"/>
+        <a:font script="Mong" typeface="Mongolian Baiti"/>
+        <a:font script="Viet" typeface="Times New Roman"/>
+        <a:font script="Uigh" typeface="Microsoft Uighur"/>
+        <a:font script="Geor" typeface="Sylfaen"/>
+        <a:font script="Armn" typeface="Arial"/>
+        <a:font script="Bugi" typeface="Leelawadee UI"/>
+        <a:font script="Bopo" typeface="Microsoft JhengHei"/>
+        <a:font script="Java" typeface="Javanese Text"/>
+        <a:font script="Lisu" typeface="Segoe UI"/>
+        <a:font script="Mymr" typeface="Myanmar Text"/>
+        <a:font script="Nkoo" typeface="Ebrima"/>
+        <a:font script="Olck" typeface="Nirmala UI"/>
+        <a:font script="Osma" typeface="Ebrima"/>
+        <a:font script="Phag" typeface="Phagspa"/>
+        <a:font script="Syrn" typeface="Estrangelo Edessa"/>
+        <a:font script="Syrj" typeface="Estrangelo Edessa"/>
+        <a:font script="Syre" typeface="Estrangelo Edessa"/>
+        <a:font script="Sora" typeface="Nirmala UI"/>
+        <a:font script="Tale" typeface="Microsoft Tai Le"/>
+        <a:font script="Talu" typeface="Microsoft New Tai Lue"/>
+        <a:font script="Tfng" typeface="Ebrima"/>
+      </a:majorFont>
+      <a:minorFont>
+        <a:latin typeface="Calibri" panose="020F0502020204030204"/>
+        <a:ea typeface=""/>
+        <a:cs typeface=""/>
+        <a:font script="Jpan" typeface="游ゴシック"/>
+        <a:font script="Hang" typeface="맑은 고딕"/>
+        <a:font script="Hans" typeface="等线"/>
+        <a:font script="Hant" typeface="新細明體"/>
+        <a:font script="Arab" typeface="Arial"/>
+        <a:font script="Hebr" typeface="Arial"/>
+        <a:font script="Thai" typeface="Cordia New"/>
+        <a:font script="Ethi" typeface="Nyala"/>
+        <a:font script="Beng" typeface="Vrinda"/>
+        <a:font script="Gujr" typeface="Shruti"/>
+        <a:font script="Khmr" typeface="DaunPenh"/>
+        <a:font script="Knda" typeface="Tunga"/>
+        <a:font script="Guru" typeface="Raavi"/>
+        <a:font script="Cans" typeface="Euphemia"/>
+        <a:font script="Cher" typeface="Plantagenet Cherokee"/>
+        <a:font script="Yiii" typeface="Microsoft Yi Baiti"/>
+        <a:font script="Tibt" typeface="Microsoft Himalaya"/>
+        <a:font script="Thaa" typeface="MV Boli"/>
+        <a:font script="Deva" typeface="Mangal"/>
+        <a:font script="Telu" typeface="Gautami"/>
+        <a:font script="Taml" typeface="Latha"/>
+        <a:font script="Syrc" typeface="Estrangelo Edessa"/>
+        <a:font script="Orya" typeface="Kalinga"/>
+        <a:font script="Mlym" typeface="Kartika"/>
+        <a:font script="Laoo" typeface="DokChampa"/>
+        <a:font script="Sinh" typeface="Iskoola Pota"/>
+        <a:font script="Mong" typeface="Mongolian Baiti"/>
+        <a:font script="Viet" typeface="Arial"/>
+        <a:font script="Uigh" typeface="Microsoft Uighur"/>
+        <a:font script="Geor" typeface="Sylfaen"/>
+        <a:font script="Armn" typeface="Arial"/>
+        <a:font script="Bugi" typeface="Leelawadee UI"/>
+        <a:font script="Bopo" typeface="Microsoft JhengHei"/>
+        <a:font script="Java" typeface="Javanese Text"/>
+        <a:font script="Lisu" typeface="Segoe UI"/>
+        <a:font script="Mymr" typeface="Myanmar Text"/>
+        <a:font script="Nkoo" typeface="Ebrima"/>
+        <a:font script="Olck" typeface="Nirmala UI"/>
+        <a:font script="Osma" typeface="Ebrima"/>
+        <a:font script="Phag" typeface="Phagspa"/>
+        <a:font script="Syrn" typeface="Estrangelo Edessa"/>
+        <a:font script="Syrj" typeface="Estrangelo Edessa"/>
+        <a:font script="Syre" typeface="Estrangelo Edessa"/>
+        <a:font script="Sora" typeface="Nirmala UI"/>
+        <a:font script="Tale" typeface="Microsoft Tai Le"/>
+        <a:font script="Talu" typeface="Microsoft New Tai Lue"/>
+        <a:font script="Tfng" typeface="Ebrima"/>
+      </a:minorFont>
+    </a:fontScheme>
+    <a:fmtScheme name="Office">
+      <a:fillStyleLst>
+        <a:solidFill>
+          <a:schemeClr val="phClr"/>
+        </a:solidFill>
+        <a:gradFill rotWithShape="1">
+          <a:gsLst>
+            <a:gs pos="0">
+              <a:schemeClr val="phClr">
+                <a:lumMod val="110000"/>
+                <a:satMod val="105000"/>
+                <a:tint val="67000"/>
+              </a:schemeClr>
+            </a:gs>
+            <a:gs pos="50000">
+              <a:schemeClr val="phClr">
+                <a:lumMod val="105000"/>
+                <a:satMod val="103000"/>
+                <a:tint val="73000"/>
+              </a:schemeClr>
+            </a:gs>
+            <a:gs pos="100000">
+              <a:schemeClr val="phClr">
+                <a:lumMod val="105000"/>
+                <a:satMod val="109000"/>
+                <a:tint val="81000"/>
+              </a:schemeClr>
+            </a:gs>
+          </a:gsLst>
+          <a:lin ang="5400000" scaled="0"/>
+        </a:gradFill>
+        <a:gradFill rotWithShape="1">
+          <a:gsLst>
+            <a:gs pos="0">
+              <a:schemeClr val="phClr">
+                <a:satMod val="103000"/>
+                <a:lumMod val="102000"/>
+                <a:tint val="94000"/>
+              </a:schemeClr>
+            </a:gs>
+            <a:gs pos="50000">
+              <a:schemeClr val="phClr">
+                <a:satMod val="110000"/>
+                <a:lumMod val="100000"/>
+                <a:shade val="100000"/>
+              </a:schemeClr>
+            </a:gs>
+            <a:gs pos="100000">
+              <a:schemeClr val="phClr">
+                <a:lumMod val="99000"/>
+                <a:satMod val="120000"/>
+                <a:shade val="78000"/>
+              </a:schemeClr>
+            </a:gs>
+          </a:gsLst>
+          <a:lin ang="5400000" scaled="0"/>
+        </a:gradFill>
+      </a:fillStyleLst>
+      <a:lnStyleLst>
+        <a:ln w="6350" cap="flat" cmpd="sng" algn="ctr">
+          <a:solidFill>
+            <a:schemeClr val="phClr"/>
+          </a:solidFill>
+          <a:prstDash val="solid"/>
+          <a:miter lim="800000"/>
+        </a:ln>
+        <a:ln w="12700" cap="flat" cmpd="sng" algn="ctr">
+          <a:solidFill>
+            <a:schemeClr val="phClr"/>
+          </a:solidFill>
+          <a:prstDash val="solid"/>
+          <a:miter lim="800000"/>
+        </a:ln>
+        <a:ln w="19050" cap="flat" cmpd="sng" algn="ctr">
+          <a:solidFill>
+            <a:schemeClr val="phClr"/>
+          </a:solidFill>
+          <a:prstDash val="solid"/>
+          <a:miter lim="800000"/>
+        </a:ln>
+      </a:lnStyleLst>
+      <a:effectStyleLst>
+        <a:effectStyle>
+          <a:effectLst/>
+        </a:effectStyle>
+        <a:effectStyle>
+          <a:effectLst/>
+        </a:effectStyle>
+        <a:effectStyle>
+          <a:effectLst>
+            <a:outerShdw blurRad="57150" dist="19050" dir="5400000" algn="ctr" rotWithShape="0">
+              <a:srgbClr val="000000">
+                <a:alpha val="63000"/>
+              </a:srgbClr>
+            </a:outerShdw>
+          </a:effectLst>
+        </a:effectStyle>
+      </a:effectStyleLst>
+      <a:bgFillStyleLst>
+        <a:solidFill>
+          <a:schemeClr val="phClr"/>
+        </a:solidFill>
+        <a:solidFill>
+          <a:schemeClr val="phClr">
+            <a:tint val="95000"/>
+            <a:satMod val="170000"/>
+          </a:schemeClr>
+        </a:solidFill>
+        <a:gradFill rotWithShape="1">
+          <a:gsLst>
+            <a:gs pos="0">
+              <a:schemeClr val="phClr">
+                <a:tint val="93000"/>
+                <a:satMod val="150000"/>
+                <a:shade val="98000"/>
+                <a:lumMod val="102000"/>
+              </a:schemeClr>
+            </a:gs>
+            <a:gs pos="50000">
+              <a:schemeClr val="phClr">
+                <a:tint val="98000"/>
+                <a:satMod val="130000"/>
+                <a:shade val="90000"/>
+                <a:lumMod val="103000"/>
+              </a:schemeClr>
+            </a:gs>
+            <a:gs pos="100000">
+              <a:schemeClr val="phClr">
+                <a:shade val="63000"/>
+                <a:satMod val="120000"/>
+              </a:schemeClr>
+            </a:gs>
+          </a:gsLst>
+          <a:lin ang="5400000" scaled="0"/>
+        </a:gradFill>
+      </a:bgFillStyleLst>
+    </a:fmtScheme>
+  </a:themeElements>
+  <a:objectDefaults/>
+  <a:extraClrSchemeLst/>
+  <a:extLst>
+    <a:ext uri="{05A4C25C-085E-4340-85A3-A5531E510DB2}">
+      <thm15:themeFamily xmlns:thm15="http://schemas.microsoft.com/office/thememl/2012/main" name="Office Theme" id="{62F939B6-93AF-4DB8-9C6B-D6C7DFDC589F}" vid="{4A3C46E8-61CC-4603-A589-7422A47A8E4A}"/>
+    </a:ext>
+  </a:extLst>
+</a:theme>
 </file>
--- a/GADGET_Blueprint_1.pptx
+++ b/GADGET_Blueprint_1.pptx
@@ -641,7 +641,7 @@
           <a:p>
             <a:fld id="{79942096-D6B4-48E3-A07F-83C36308E102}" type="datetimeFigureOut">
               <a:rPr lang="en-US" smtClean="0"/>
-              <a:t>2023-07-17</a:t>
+              <a:t>2023-08-07</a:t>
             </a:fld>
             <a:endParaRPr lang="en-US"/>
           </a:p>
@@ -1056,15 +1056,7 @@
           <a:p>
             <a:r>
               <a:rPr lang="en-CA" dirty="0"/>
-              <a:t>Q. Derived scores from GEMINI (e.g. </a:t>
-            </a:r>
-            <a:r>
-              <a:rPr lang="en-CA" dirty="0" err="1"/>
-              <a:t>Charlston</a:t>
-            </a:r>
-            <a:r>
-              <a:rPr lang="en-CA" dirty="0"/>
-              <a:t>) </a:t>
+              <a:t>Q. Derived scores from GEMINI (e.g. Charleston) </a:t>
             </a:r>
           </a:p>
           <a:p>
@@ -1360,7 +1352,7 @@
           <a:p>
             <a:fld id="{50A5BB1F-C85A-471F-AE19-8727408F0095}" type="datetimeFigureOut">
               <a:rPr lang="en-US" smtClean="0"/>
-              <a:t>2023-07-17</a:t>
+              <a:t>2023-08-07</a:t>
             </a:fld>
             <a:endParaRPr lang="en-US"/>
           </a:p>
@@ -1558,7 +1550,7 @@
           <a:p>
             <a:fld id="{50A5BB1F-C85A-471F-AE19-8727408F0095}" type="datetimeFigureOut">
               <a:rPr lang="en-US" smtClean="0"/>
-              <a:t>2023-07-17</a:t>
+              <a:t>2023-08-07</a:t>
             </a:fld>
             <a:endParaRPr lang="en-US"/>
           </a:p>
@@ -1766,7 +1758,7 @@
           <a:p>
             <a:fld id="{50A5BB1F-C85A-471F-AE19-8727408F0095}" type="datetimeFigureOut">
               <a:rPr lang="en-US" smtClean="0"/>
-              <a:t>2023-07-17</a:t>
+              <a:t>2023-08-07</a:t>
             </a:fld>
             <a:endParaRPr lang="en-US"/>
           </a:p>
@@ -1964,7 +1956,7 @@
           <a:p>
             <a:fld id="{50A5BB1F-C85A-471F-AE19-8727408F0095}" type="datetimeFigureOut">
               <a:rPr lang="en-US" smtClean="0"/>
-              <a:t>2023-07-17</a:t>
+              <a:t>2023-08-07</a:t>
             </a:fld>
             <a:endParaRPr lang="en-US"/>
           </a:p>
@@ -2239,7 +2231,7 @@
           <a:p>
             <a:fld id="{50A5BB1F-C85A-471F-AE19-8727408F0095}" type="datetimeFigureOut">
               <a:rPr lang="en-US" smtClean="0"/>
-              <a:t>2023-07-17</a:t>
+              <a:t>2023-08-07</a:t>
             </a:fld>
             <a:endParaRPr lang="en-US"/>
           </a:p>
@@ -2504,7 +2496,7 @@
           <a:p>
             <a:fld id="{50A5BB1F-C85A-471F-AE19-8727408F0095}" type="datetimeFigureOut">
               <a:rPr lang="en-US" smtClean="0"/>
-              <a:t>2023-07-17</a:t>
+              <a:t>2023-08-07</a:t>
             </a:fld>
             <a:endParaRPr lang="en-US"/>
           </a:p>
@@ -2916,7 +2908,7 @@
           <a:p>
             <a:fld id="{50A5BB1F-C85A-471F-AE19-8727408F0095}" type="datetimeFigureOut">
               <a:rPr lang="en-US" smtClean="0"/>
-              <a:t>2023-07-17</a:t>
+              <a:t>2023-08-07</a:t>
             </a:fld>
             <a:endParaRPr lang="en-US"/>
           </a:p>
@@ -3057,7 +3049,7 @@
           <a:p>
             <a:fld id="{50A5BB1F-C85A-471F-AE19-8727408F0095}" type="datetimeFigureOut">
               <a:rPr lang="en-US" smtClean="0"/>
-              <a:t>2023-07-17</a:t>
+              <a:t>2023-08-07</a:t>
             </a:fld>
             <a:endParaRPr lang="en-US"/>
           </a:p>
@@ -3170,7 +3162,7 @@
           <a:p>
             <a:fld id="{50A5BB1F-C85A-471F-AE19-8727408F0095}" type="datetimeFigureOut">
               <a:rPr lang="en-US" smtClean="0"/>
-              <a:t>2023-07-17</a:t>
+              <a:t>2023-08-07</a:t>
             </a:fld>
             <a:endParaRPr lang="en-US"/>
           </a:p>
@@ -3481,7 +3473,7 @@
           <a:p>
             <a:fld id="{50A5BB1F-C85A-471F-AE19-8727408F0095}" type="datetimeFigureOut">
               <a:rPr lang="en-US" smtClean="0"/>
-              <a:t>2023-07-17</a:t>
+              <a:t>2023-08-07</a:t>
             </a:fld>
             <a:endParaRPr lang="en-US"/>
           </a:p>
@@ -3769,7 +3761,7 @@
           <a:p>
             <a:fld id="{50A5BB1F-C85A-471F-AE19-8727408F0095}" type="datetimeFigureOut">
               <a:rPr lang="en-US" smtClean="0"/>
-              <a:t>2023-07-17</a:t>
+              <a:t>2023-08-07</a:t>
             </a:fld>
             <a:endParaRPr lang="en-US"/>
           </a:p>
@@ -4010,7 +4002,7 @@
           <a:p>
             <a:fld id="{50A5BB1F-C85A-471F-AE19-8727408F0095}" type="datetimeFigureOut">
               <a:rPr lang="en-US" smtClean="0"/>
-              <a:t>2023-07-17</a:t>
+              <a:t>2023-08-07</a:t>
             </a:fld>
             <a:endParaRPr lang="en-US"/>
           </a:p>

--- a/GADGET_Blueprint_1.pptx
+++ b/GADGET_Blueprint_1.pptx
@@ -128,435 +128,9 @@
 <p1510:revInfo xmlns:a="http://schemas.openxmlformats.org/drawingml/2006/main" xmlns:r="http://schemas.openxmlformats.org/officeDocument/2006/relationships" xmlns:p1510="http://schemas.microsoft.com/office/powerpoint/2015/10/main">
   <p1510:revLst>
     <p1510:client id="{904EA3BE-E951-4442-9925-9ECA9C6DAF99}" v="246" dt="2023-07-17T16:42:13.435"/>
+    <p1510:client id="{DDE15FC7-7C2B-D07D-9447-9DE7973F5AFA}" v="178" dt="2023-08-08T12:27:07.426"/>
   </p1510:revLst>
 </p1510:revInfo>
-</file>
-
-<file path=ppt/changesInfos/changesInfo1.xml><?xml version="1.0" encoding="utf-8"?>
-<pc:chgInfo xmlns:a="http://schemas.openxmlformats.org/drawingml/2006/main" xmlns:r="http://schemas.openxmlformats.org/officeDocument/2006/relationships" xmlns:ac="http://schemas.microsoft.com/office/drawing/2013/main/command" xmlns:pc="http://schemas.microsoft.com/office/powerpoint/2013/main/command">
-  <pc:docChgLst>
-    <pc:chgData name="Sheharyar Raza" userId="6296120c-4620-4e6e-b0cf-8bfa191d4497" providerId="ADAL" clId="{904EA3BE-E951-4442-9925-9ECA9C6DAF99}"/>
-    <pc:docChg chg="undo custSel addSld delSld modSld sldOrd modShowInfo">
-      <pc:chgData name="Sheharyar Raza" userId="6296120c-4620-4e6e-b0cf-8bfa191d4497" providerId="ADAL" clId="{904EA3BE-E951-4442-9925-9ECA9C6DAF99}" dt="2023-07-17T16:49:43.737" v="5792" actId="20577"/>
-      <pc:docMkLst>
-        <pc:docMk/>
-      </pc:docMkLst>
-      <pc:sldChg chg="add del">
-        <pc:chgData name="Sheharyar Raza" userId="6296120c-4620-4e6e-b0cf-8bfa191d4497" providerId="ADAL" clId="{904EA3BE-E951-4442-9925-9ECA9C6DAF99}" dt="2023-07-07T18:03:34.016" v="4695" actId="2696"/>
-        <pc:sldMkLst>
-          <pc:docMk/>
-          <pc:sldMk cId="2650380005" sldId="256"/>
-        </pc:sldMkLst>
-      </pc:sldChg>
-      <pc:sldChg chg="delSp modSp add mod ord modAnim modNotesTx">
-        <pc:chgData name="Sheharyar Raza" userId="6296120c-4620-4e6e-b0cf-8bfa191d4497" providerId="ADAL" clId="{904EA3BE-E951-4442-9925-9ECA9C6DAF99}" dt="2023-07-17T16:34:29.081" v="5471" actId="20577"/>
-        <pc:sldMkLst>
-          <pc:docMk/>
-          <pc:sldMk cId="3307915255" sldId="257"/>
-        </pc:sldMkLst>
-        <pc:spChg chg="mod">
-          <ac:chgData name="Sheharyar Raza" userId="6296120c-4620-4e6e-b0cf-8bfa191d4497" providerId="ADAL" clId="{904EA3BE-E951-4442-9925-9ECA9C6DAF99}" dt="2023-07-07T14:35:20.038" v="88" actId="20577"/>
-          <ac:spMkLst>
-            <pc:docMk/>
-            <pc:sldMk cId="3307915255" sldId="257"/>
-            <ac:spMk id="5" creationId="{5B66FC1D-A38B-1903-D170-294A412091AA}"/>
-          </ac:spMkLst>
-        </pc:spChg>
-        <pc:spChg chg="del">
-          <ac:chgData name="Sheharyar Raza" userId="6296120c-4620-4e6e-b0cf-8bfa191d4497" providerId="ADAL" clId="{904EA3BE-E951-4442-9925-9ECA9C6DAF99}" dt="2023-07-07T14:35:23.053" v="89" actId="478"/>
-          <ac:spMkLst>
-            <pc:docMk/>
-            <pc:sldMk cId="3307915255" sldId="257"/>
-            <ac:spMk id="6" creationId="{FA38E15C-2F72-A97C-3D80-03F4199757B7}"/>
-          </ac:spMkLst>
-        </pc:spChg>
-        <pc:spChg chg="mod">
-          <ac:chgData name="Sheharyar Raza" userId="6296120c-4620-4e6e-b0cf-8bfa191d4497" providerId="ADAL" clId="{904EA3BE-E951-4442-9925-9ECA9C6DAF99}" dt="2023-07-17T14:00:31.230" v="4873" actId="20577"/>
-          <ac:spMkLst>
-            <pc:docMk/>
-            <pc:sldMk cId="3307915255" sldId="257"/>
-            <ac:spMk id="8" creationId="{C1573124-ECB0-A949-8795-03D4F02F5862}"/>
-          </ac:spMkLst>
-        </pc:spChg>
-        <pc:spChg chg="mod">
-          <ac:chgData name="Sheharyar Raza" userId="6296120c-4620-4e6e-b0cf-8bfa191d4497" providerId="ADAL" clId="{904EA3BE-E951-4442-9925-9ECA9C6DAF99}" dt="2023-07-17T16:34:29.081" v="5471" actId="20577"/>
-          <ac:spMkLst>
-            <pc:docMk/>
-            <pc:sldMk cId="3307915255" sldId="257"/>
-            <ac:spMk id="14" creationId="{65E2AE2B-037A-ABD1-CF6E-EA3D29BB2524}"/>
-          </ac:spMkLst>
-        </pc:spChg>
-      </pc:sldChg>
-      <pc:sldChg chg="delSp modSp add mod ord modAnim modNotesTx">
-        <pc:chgData name="Sheharyar Raza" userId="6296120c-4620-4e6e-b0cf-8bfa191d4497" providerId="ADAL" clId="{904EA3BE-E951-4442-9925-9ECA9C6DAF99}" dt="2023-07-17T16:21:02.464" v="5254" actId="207"/>
-        <pc:sldMkLst>
-          <pc:docMk/>
-          <pc:sldMk cId="2998437829" sldId="258"/>
-        </pc:sldMkLst>
-        <pc:spChg chg="mod">
-          <ac:chgData name="Sheharyar Raza" userId="6296120c-4620-4e6e-b0cf-8bfa191d4497" providerId="ADAL" clId="{904EA3BE-E951-4442-9925-9ECA9C6DAF99}" dt="2023-07-07T18:02:58.968" v="4692" actId="207"/>
-          <ac:spMkLst>
-            <pc:docMk/>
-            <pc:sldMk cId="2998437829" sldId="258"/>
-            <ac:spMk id="4" creationId="{D6674259-A86C-3852-658E-9C1583E3CDE0}"/>
-          </ac:spMkLst>
-        </pc:spChg>
-        <pc:spChg chg="mod">
-          <ac:chgData name="Sheharyar Raza" userId="6296120c-4620-4e6e-b0cf-8bfa191d4497" providerId="ADAL" clId="{904EA3BE-E951-4442-9925-9ECA9C6DAF99}" dt="2023-07-07T14:34:53.563" v="82" actId="20577"/>
-          <ac:spMkLst>
-            <pc:docMk/>
-            <pc:sldMk cId="2998437829" sldId="258"/>
-            <ac:spMk id="5" creationId="{5B66FC1D-A38B-1903-D170-294A412091AA}"/>
-          </ac:spMkLst>
-        </pc:spChg>
-        <pc:spChg chg="del mod">
-          <ac:chgData name="Sheharyar Raza" userId="6296120c-4620-4e6e-b0cf-8bfa191d4497" providerId="ADAL" clId="{904EA3BE-E951-4442-9925-9ECA9C6DAF99}" dt="2023-07-07T14:35:08.086" v="84" actId="478"/>
-          <ac:spMkLst>
-            <pc:docMk/>
-            <pc:sldMk cId="2998437829" sldId="258"/>
-            <ac:spMk id="6" creationId="{FA38E15C-2F72-A97C-3D80-03F4199757B7}"/>
-          </ac:spMkLst>
-        </pc:spChg>
-        <pc:spChg chg="mod">
-          <ac:chgData name="Sheharyar Raza" userId="6296120c-4620-4e6e-b0cf-8bfa191d4497" providerId="ADAL" clId="{904EA3BE-E951-4442-9925-9ECA9C6DAF99}" dt="2023-07-17T15:58:05.520" v="5043" actId="14100"/>
-          <ac:spMkLst>
-            <pc:docMk/>
-            <pc:sldMk cId="2998437829" sldId="258"/>
-            <ac:spMk id="8" creationId="{C1573124-ECB0-A949-8795-03D4F02F5862}"/>
-          </ac:spMkLst>
-        </pc:spChg>
-        <pc:spChg chg="mod">
-          <ac:chgData name="Sheharyar Raza" userId="6296120c-4620-4e6e-b0cf-8bfa191d4497" providerId="ADAL" clId="{904EA3BE-E951-4442-9925-9ECA9C6DAF99}" dt="2023-07-17T16:21:02.464" v="5254" actId="207"/>
-          <ac:spMkLst>
-            <pc:docMk/>
-            <pc:sldMk cId="2998437829" sldId="258"/>
-            <ac:spMk id="14" creationId="{65E2AE2B-037A-ABD1-CF6E-EA3D29BB2524}"/>
-          </ac:spMkLst>
-        </pc:spChg>
-      </pc:sldChg>
-      <pc:sldChg chg="addSp delSp modSp add mod ord modAnim modNotesTx">
-        <pc:chgData name="Sheharyar Raza" userId="6296120c-4620-4e6e-b0cf-8bfa191d4497" providerId="ADAL" clId="{904EA3BE-E951-4442-9925-9ECA9C6DAF99}" dt="2023-07-17T16:49:43.737" v="5792" actId="20577"/>
-        <pc:sldMkLst>
-          <pc:docMk/>
-          <pc:sldMk cId="2881327137" sldId="259"/>
-        </pc:sldMkLst>
-        <pc:spChg chg="mod">
-          <ac:chgData name="Sheharyar Raza" userId="6296120c-4620-4e6e-b0cf-8bfa191d4497" providerId="ADAL" clId="{904EA3BE-E951-4442-9925-9ECA9C6DAF99}" dt="2023-07-07T18:04:21.085" v="4709" actId="207"/>
-          <ac:spMkLst>
-            <pc:docMk/>
-            <pc:sldMk cId="2881327137" sldId="259"/>
-            <ac:spMk id="4" creationId="{D6674259-A86C-3852-658E-9C1583E3CDE0}"/>
-          </ac:spMkLst>
-        </pc:spChg>
-        <pc:spChg chg="mod">
-          <ac:chgData name="Sheharyar Raza" userId="6296120c-4620-4e6e-b0cf-8bfa191d4497" providerId="ADAL" clId="{904EA3BE-E951-4442-9925-9ECA9C6DAF99}" dt="2023-07-07T18:04:22.749" v="4710" actId="207"/>
-          <ac:spMkLst>
-            <pc:docMk/>
-            <pc:sldMk cId="2881327137" sldId="259"/>
-            <ac:spMk id="5" creationId="{5B66FC1D-A38B-1903-D170-294A412091AA}"/>
-          </ac:spMkLst>
-        </pc:spChg>
-        <pc:spChg chg="mod">
-          <ac:chgData name="Sheharyar Raza" userId="6296120c-4620-4e6e-b0cf-8bfa191d4497" providerId="ADAL" clId="{904EA3BE-E951-4442-9925-9ECA9C6DAF99}" dt="2023-07-17T14:03:19.570" v="4939" actId="20577"/>
-          <ac:spMkLst>
-            <pc:docMk/>
-            <pc:sldMk cId="2881327137" sldId="259"/>
-            <ac:spMk id="8" creationId="{C1573124-ECB0-A949-8795-03D4F02F5862}"/>
-          </ac:spMkLst>
-        </pc:spChg>
-        <pc:spChg chg="add mod">
-          <ac:chgData name="Sheharyar Raza" userId="6296120c-4620-4e6e-b0cf-8bfa191d4497" providerId="ADAL" clId="{904EA3BE-E951-4442-9925-9ECA9C6DAF99}" dt="2023-07-17T16:42:13.435" v="5623" actId="20577"/>
-          <ac:spMkLst>
-            <pc:docMk/>
-            <pc:sldMk cId="2881327137" sldId="259"/>
-            <ac:spMk id="12" creationId="{EFE37BAF-6A00-002C-F61E-31FC329FD87A}"/>
-          </ac:spMkLst>
-        </pc:spChg>
-        <pc:spChg chg="mod">
-          <ac:chgData name="Sheharyar Raza" userId="6296120c-4620-4e6e-b0cf-8bfa191d4497" providerId="ADAL" clId="{904EA3BE-E951-4442-9925-9ECA9C6DAF99}" dt="2023-07-07T14:52:10.327" v="1461" actId="6549"/>
-          <ac:spMkLst>
-            <pc:docMk/>
-            <pc:sldMk cId="2881327137" sldId="259"/>
-            <ac:spMk id="14" creationId="{65E2AE2B-037A-ABD1-CF6E-EA3D29BB2524}"/>
-          </ac:spMkLst>
-        </pc:spChg>
-        <pc:picChg chg="add del mod">
-          <ac:chgData name="Sheharyar Raza" userId="6296120c-4620-4e6e-b0cf-8bfa191d4497" providerId="ADAL" clId="{904EA3BE-E951-4442-9925-9ECA9C6DAF99}" dt="2023-07-07T14:50:35.824" v="1309" actId="478"/>
-          <ac:picMkLst>
-            <pc:docMk/>
-            <pc:sldMk cId="2881327137" sldId="259"/>
-            <ac:picMk id="3" creationId="{F36E78A3-66FE-D8B2-3948-12C83673E941}"/>
-          </ac:picMkLst>
-        </pc:picChg>
-        <pc:picChg chg="add mod">
-          <ac:chgData name="Sheharyar Raza" userId="6296120c-4620-4e6e-b0cf-8bfa191d4497" providerId="ADAL" clId="{904EA3BE-E951-4442-9925-9ECA9C6DAF99}" dt="2023-07-07T14:56:41.199" v="1996" actId="1076"/>
-          <ac:picMkLst>
-            <pc:docMk/>
-            <pc:sldMk cId="2881327137" sldId="259"/>
-            <ac:picMk id="7" creationId="{58367439-BF4B-6F00-E668-72490E5160CA}"/>
-          </ac:picMkLst>
-        </pc:picChg>
-        <pc:picChg chg="add mod">
-          <ac:chgData name="Sheharyar Raza" userId="6296120c-4620-4e6e-b0cf-8bfa191d4497" providerId="ADAL" clId="{904EA3BE-E951-4442-9925-9ECA9C6DAF99}" dt="2023-07-07T14:56:39.384" v="1995" actId="1076"/>
-          <ac:picMkLst>
-            <pc:docMk/>
-            <pc:sldMk cId="2881327137" sldId="259"/>
-            <ac:picMk id="10" creationId="{581C01D2-58BA-7642-CF82-439110ABD6EB}"/>
-          </ac:picMkLst>
-        </pc:picChg>
-      </pc:sldChg>
-      <pc:sldChg chg="addSp delSp modSp add mod ord">
-        <pc:chgData name="Sheharyar Raza" userId="6296120c-4620-4e6e-b0cf-8bfa191d4497" providerId="ADAL" clId="{904EA3BE-E951-4442-9925-9ECA9C6DAF99}" dt="2023-07-17T14:06:14.837" v="4965" actId="404"/>
-        <pc:sldMkLst>
-          <pc:docMk/>
-          <pc:sldMk cId="2206776033" sldId="260"/>
-        </pc:sldMkLst>
-        <pc:spChg chg="add mod">
-          <ac:chgData name="Sheharyar Raza" userId="6296120c-4620-4e6e-b0cf-8bfa191d4497" providerId="ADAL" clId="{904EA3BE-E951-4442-9925-9ECA9C6DAF99}" dt="2023-07-07T15:04:51.434" v="2364" actId="404"/>
-          <ac:spMkLst>
-            <pc:docMk/>
-            <pc:sldMk cId="2206776033" sldId="260"/>
-            <ac:spMk id="3" creationId="{B33E8331-9E4C-8F2C-B3C4-B8F160674534}"/>
-          </ac:spMkLst>
-        </pc:spChg>
-        <pc:spChg chg="mod">
-          <ac:chgData name="Sheharyar Raza" userId="6296120c-4620-4e6e-b0cf-8bfa191d4497" providerId="ADAL" clId="{904EA3BE-E951-4442-9925-9ECA9C6DAF99}" dt="2023-07-07T18:04:28.143" v="4711" actId="207"/>
-          <ac:spMkLst>
-            <pc:docMk/>
-            <pc:sldMk cId="2206776033" sldId="260"/>
-            <ac:spMk id="4" creationId="{D6674259-A86C-3852-658E-9C1583E3CDE0}"/>
-          </ac:spMkLst>
-        </pc:spChg>
-        <pc:spChg chg="mod">
-          <ac:chgData name="Sheharyar Raza" userId="6296120c-4620-4e6e-b0cf-8bfa191d4497" providerId="ADAL" clId="{904EA3BE-E951-4442-9925-9ECA9C6DAF99}" dt="2023-07-07T18:04:30.024" v="4712" actId="207"/>
-          <ac:spMkLst>
-            <pc:docMk/>
-            <pc:sldMk cId="2206776033" sldId="260"/>
-            <ac:spMk id="5" creationId="{5B66FC1D-A38B-1903-D170-294A412091AA}"/>
-          </ac:spMkLst>
-        </pc:spChg>
-        <pc:spChg chg="add mod">
-          <ac:chgData name="Sheharyar Raza" userId="6296120c-4620-4e6e-b0cf-8bfa191d4497" providerId="ADAL" clId="{904EA3BE-E951-4442-9925-9ECA9C6DAF99}" dt="2023-07-17T14:06:14.837" v="4965" actId="404"/>
-          <ac:spMkLst>
-            <pc:docMk/>
-            <pc:sldMk cId="2206776033" sldId="260"/>
-            <ac:spMk id="6" creationId="{11EC087D-57EF-CE6D-9574-6D8AF6F23B88}"/>
-          </ac:spMkLst>
-        </pc:spChg>
-        <pc:spChg chg="mod">
-          <ac:chgData name="Sheharyar Raza" userId="6296120c-4620-4e6e-b0cf-8bfa191d4497" providerId="ADAL" clId="{904EA3BE-E951-4442-9925-9ECA9C6DAF99}" dt="2023-07-17T14:04:47.584" v="4948" actId="20577"/>
-          <ac:spMkLst>
-            <pc:docMk/>
-            <pc:sldMk cId="2206776033" sldId="260"/>
-            <ac:spMk id="8" creationId="{C1573124-ECB0-A949-8795-03D4F02F5862}"/>
-          </ac:spMkLst>
-        </pc:spChg>
-        <pc:spChg chg="mod">
-          <ac:chgData name="Sheharyar Raza" userId="6296120c-4620-4e6e-b0cf-8bfa191d4497" providerId="ADAL" clId="{904EA3BE-E951-4442-9925-9ECA9C6DAF99}" dt="2023-07-17T14:05:26.721" v="4950" actId="404"/>
-          <ac:spMkLst>
-            <pc:docMk/>
-            <pc:sldMk cId="2206776033" sldId="260"/>
-            <ac:spMk id="12" creationId="{EFE37BAF-6A00-002C-F61E-31FC329FD87A}"/>
-          </ac:spMkLst>
-        </pc:spChg>
-        <pc:spChg chg="mod">
-          <ac:chgData name="Sheharyar Raza" userId="6296120c-4620-4e6e-b0cf-8bfa191d4497" providerId="ADAL" clId="{904EA3BE-E951-4442-9925-9ECA9C6DAF99}" dt="2023-07-07T17:49:01.044" v="3166" actId="20577"/>
-          <ac:spMkLst>
-            <pc:docMk/>
-            <pc:sldMk cId="2206776033" sldId="260"/>
-            <ac:spMk id="14" creationId="{65E2AE2B-037A-ABD1-CF6E-EA3D29BB2524}"/>
-          </ac:spMkLst>
-        </pc:spChg>
-        <pc:picChg chg="del">
-          <ac:chgData name="Sheharyar Raza" userId="6296120c-4620-4e6e-b0cf-8bfa191d4497" providerId="ADAL" clId="{904EA3BE-E951-4442-9925-9ECA9C6DAF99}" dt="2023-07-07T17:49:49.256" v="3232" actId="478"/>
-          <ac:picMkLst>
-            <pc:docMk/>
-            <pc:sldMk cId="2206776033" sldId="260"/>
-            <ac:picMk id="7" creationId="{58367439-BF4B-6F00-E668-72490E5160CA}"/>
-          </ac:picMkLst>
-        </pc:picChg>
-        <pc:picChg chg="del">
-          <ac:chgData name="Sheharyar Raza" userId="6296120c-4620-4e6e-b0cf-8bfa191d4497" providerId="ADAL" clId="{904EA3BE-E951-4442-9925-9ECA9C6DAF99}" dt="2023-07-07T17:49:49.256" v="3232" actId="478"/>
-          <ac:picMkLst>
-            <pc:docMk/>
-            <pc:sldMk cId="2206776033" sldId="260"/>
-            <ac:picMk id="10" creationId="{581C01D2-58BA-7642-CF82-439110ABD6EB}"/>
-          </ac:picMkLst>
-        </pc:picChg>
-      </pc:sldChg>
-      <pc:sldChg chg="modSp add mod ord">
-        <pc:chgData name="Sheharyar Raza" userId="6296120c-4620-4e6e-b0cf-8bfa191d4497" providerId="ADAL" clId="{904EA3BE-E951-4442-9925-9ECA9C6DAF99}" dt="2023-07-17T14:08:06.979" v="5029" actId="20577"/>
-        <pc:sldMkLst>
-          <pc:docMk/>
-          <pc:sldMk cId="4202583680" sldId="261"/>
-        </pc:sldMkLst>
-        <pc:spChg chg="mod">
-          <ac:chgData name="Sheharyar Raza" userId="6296120c-4620-4e6e-b0cf-8bfa191d4497" providerId="ADAL" clId="{904EA3BE-E951-4442-9925-9ECA9C6DAF99}" dt="2023-07-17T14:06:38.063" v="4990" actId="1035"/>
-          <ac:spMkLst>
-            <pc:docMk/>
-            <pc:sldMk cId="4202583680" sldId="261"/>
-            <ac:spMk id="3" creationId="{B33E8331-9E4C-8F2C-B3C4-B8F160674534}"/>
-          </ac:spMkLst>
-        </pc:spChg>
-        <pc:spChg chg="mod">
-          <ac:chgData name="Sheharyar Raza" userId="6296120c-4620-4e6e-b0cf-8bfa191d4497" providerId="ADAL" clId="{904EA3BE-E951-4442-9925-9ECA9C6DAF99}" dt="2023-07-07T18:04:37.810" v="4713" actId="207"/>
-          <ac:spMkLst>
-            <pc:docMk/>
-            <pc:sldMk cId="4202583680" sldId="261"/>
-            <ac:spMk id="4" creationId="{D6674259-A86C-3852-658E-9C1583E3CDE0}"/>
-          </ac:spMkLst>
-        </pc:spChg>
-        <pc:spChg chg="mod">
-          <ac:chgData name="Sheharyar Raza" userId="6296120c-4620-4e6e-b0cf-8bfa191d4497" providerId="ADAL" clId="{904EA3BE-E951-4442-9925-9ECA9C6DAF99}" dt="2023-07-07T18:04:39.790" v="4714" actId="207"/>
-          <ac:spMkLst>
-            <pc:docMk/>
-            <pc:sldMk cId="4202583680" sldId="261"/>
-            <ac:spMk id="5" creationId="{5B66FC1D-A38B-1903-D170-294A412091AA}"/>
-          </ac:spMkLst>
-        </pc:spChg>
-        <pc:spChg chg="mod">
-          <ac:chgData name="Sheharyar Raza" userId="6296120c-4620-4e6e-b0cf-8bfa191d4497" providerId="ADAL" clId="{904EA3BE-E951-4442-9925-9ECA9C6DAF99}" dt="2023-07-17T14:06:50.737" v="4996" actId="14100"/>
-          <ac:spMkLst>
-            <pc:docMk/>
-            <pc:sldMk cId="4202583680" sldId="261"/>
-            <ac:spMk id="6" creationId="{11EC087D-57EF-CE6D-9574-6D8AF6F23B88}"/>
-          </ac:spMkLst>
-        </pc:spChg>
-        <pc:spChg chg="mod">
-          <ac:chgData name="Sheharyar Raza" userId="6296120c-4620-4e6e-b0cf-8bfa191d4497" providerId="ADAL" clId="{904EA3BE-E951-4442-9925-9ECA9C6DAF99}" dt="2023-07-17T14:06:43.906" v="4994" actId="404"/>
-          <ac:spMkLst>
-            <pc:docMk/>
-            <pc:sldMk cId="4202583680" sldId="261"/>
-            <ac:spMk id="8" creationId="{C1573124-ECB0-A949-8795-03D4F02F5862}"/>
-          </ac:spMkLst>
-        </pc:spChg>
-        <pc:spChg chg="mod">
-          <ac:chgData name="Sheharyar Raza" userId="6296120c-4620-4e6e-b0cf-8bfa191d4497" providerId="ADAL" clId="{904EA3BE-E951-4442-9925-9ECA9C6DAF99}" dt="2023-07-17T14:08:06.979" v="5029" actId="20577"/>
-          <ac:spMkLst>
-            <pc:docMk/>
-            <pc:sldMk cId="4202583680" sldId="261"/>
-            <ac:spMk id="12" creationId="{EFE37BAF-6A00-002C-F61E-31FC329FD87A}"/>
-          </ac:spMkLst>
-        </pc:spChg>
-        <pc:spChg chg="mod">
-          <ac:chgData name="Sheharyar Raza" userId="6296120c-4620-4e6e-b0cf-8bfa191d4497" providerId="ADAL" clId="{904EA3BE-E951-4442-9925-9ECA9C6DAF99}" dt="2023-07-07T17:56:16.502" v="4094" actId="20577"/>
-          <ac:spMkLst>
-            <pc:docMk/>
-            <pc:sldMk cId="4202583680" sldId="261"/>
-            <ac:spMk id="14" creationId="{65E2AE2B-037A-ABD1-CF6E-EA3D29BB2524}"/>
-          </ac:spMkLst>
-        </pc:spChg>
-      </pc:sldChg>
-      <pc:sldChg chg="addSp delSp modSp new mod ord">
-        <pc:chgData name="Sheharyar Raza" userId="6296120c-4620-4e6e-b0cf-8bfa191d4497" providerId="ADAL" clId="{904EA3BE-E951-4442-9925-9ECA9C6DAF99}" dt="2023-07-17T13:56:18.096" v="4756" actId="693"/>
-        <pc:sldMkLst>
-          <pc:docMk/>
-          <pc:sldMk cId="4238406430" sldId="262"/>
-        </pc:sldMkLst>
-        <pc:spChg chg="add mod">
-          <ac:chgData name="Sheharyar Raza" userId="6296120c-4620-4e6e-b0cf-8bfa191d4497" providerId="ADAL" clId="{904EA3BE-E951-4442-9925-9ECA9C6DAF99}" dt="2023-07-17T13:55:31.282" v="4750" actId="2711"/>
-          <ac:spMkLst>
-            <pc:docMk/>
-            <pc:sldMk cId="4238406430" sldId="262"/>
-            <ac:spMk id="4" creationId="{AC114FBB-EF41-CDA0-4A2F-CBE7293624B2}"/>
-          </ac:spMkLst>
-        </pc:spChg>
-        <pc:spChg chg="add del">
-          <ac:chgData name="Sheharyar Raza" userId="6296120c-4620-4e6e-b0cf-8bfa191d4497" providerId="ADAL" clId="{904EA3BE-E951-4442-9925-9ECA9C6DAF99}" dt="2023-07-17T13:55:48.692" v="4752" actId="11529"/>
-          <ac:spMkLst>
-            <pc:docMk/>
-            <pc:sldMk cId="4238406430" sldId="262"/>
-            <ac:spMk id="5" creationId="{09F1D8C6-69AA-5384-B301-B507B9676D29}"/>
-          </ac:spMkLst>
-        </pc:spChg>
-        <pc:spChg chg="add mod">
-          <ac:chgData name="Sheharyar Raza" userId="6296120c-4620-4e6e-b0cf-8bfa191d4497" providerId="ADAL" clId="{904EA3BE-E951-4442-9925-9ECA9C6DAF99}" dt="2023-07-17T13:56:18.096" v="4756" actId="693"/>
-          <ac:spMkLst>
-            <pc:docMk/>
-            <pc:sldMk cId="4238406430" sldId="262"/>
-            <ac:spMk id="6" creationId="{96775BD2-BEB9-A2B7-5357-24CAADA00636}"/>
-          </ac:spMkLst>
-        </pc:spChg>
-        <pc:picChg chg="add mod">
-          <ac:chgData name="Sheharyar Raza" userId="6296120c-4620-4e6e-b0cf-8bfa191d4497" providerId="ADAL" clId="{904EA3BE-E951-4442-9925-9ECA9C6DAF99}" dt="2023-07-17T13:54:48.468" v="4723" actId="1076"/>
-          <ac:picMkLst>
-            <pc:docMk/>
-            <pc:sldMk cId="4238406430" sldId="262"/>
-            <ac:picMk id="3" creationId="{6987B105-D69A-C559-9A54-ACA31707B6BA}"/>
-          </ac:picMkLst>
-        </pc:picChg>
-      </pc:sldChg>
-      <pc:sldChg chg="modSp add mod">
-        <pc:chgData name="Sheharyar Raza" userId="6296120c-4620-4e6e-b0cf-8bfa191d4497" providerId="ADAL" clId="{904EA3BE-E951-4442-9925-9ECA9C6DAF99}" dt="2023-07-17T13:56:58.514" v="4766" actId="1076"/>
-        <pc:sldMkLst>
-          <pc:docMk/>
-          <pc:sldMk cId="2040635691" sldId="263"/>
-        </pc:sldMkLst>
-        <pc:spChg chg="mod">
-          <ac:chgData name="Sheharyar Raza" userId="6296120c-4620-4e6e-b0cf-8bfa191d4497" providerId="ADAL" clId="{904EA3BE-E951-4442-9925-9ECA9C6DAF99}" dt="2023-07-17T13:56:58.514" v="4766" actId="1076"/>
-          <ac:spMkLst>
-            <pc:docMk/>
-            <pc:sldMk cId="2040635691" sldId="263"/>
-            <ac:spMk id="6" creationId="{96775BD2-BEB9-A2B7-5357-24CAADA00636}"/>
-          </ac:spMkLst>
-        </pc:spChg>
-        <pc:picChg chg="mod">
-          <ac:chgData name="Sheharyar Raza" userId="6296120c-4620-4e6e-b0cf-8bfa191d4497" providerId="ADAL" clId="{904EA3BE-E951-4442-9925-9ECA9C6DAF99}" dt="2023-07-17T13:56:53.299" v="4765" actId="1076"/>
-          <ac:picMkLst>
-            <pc:docMk/>
-            <pc:sldMk cId="2040635691" sldId="263"/>
-            <ac:picMk id="3" creationId="{6987B105-D69A-C559-9A54-ACA31707B6BA}"/>
-          </ac:picMkLst>
-        </pc:picChg>
-      </pc:sldChg>
-      <pc:sldChg chg="modSp add mod">
-        <pc:chgData name="Sheharyar Raza" userId="6296120c-4620-4e6e-b0cf-8bfa191d4497" providerId="ADAL" clId="{904EA3BE-E951-4442-9925-9ECA9C6DAF99}" dt="2023-07-17T13:56:50.917" v="4763" actId="1076"/>
-        <pc:sldMkLst>
-          <pc:docMk/>
-          <pc:sldMk cId="1419707540" sldId="264"/>
-        </pc:sldMkLst>
-        <pc:spChg chg="mod">
-          <ac:chgData name="Sheharyar Raza" userId="6296120c-4620-4e6e-b0cf-8bfa191d4497" providerId="ADAL" clId="{904EA3BE-E951-4442-9925-9ECA9C6DAF99}" dt="2023-07-17T13:56:50.917" v="4763" actId="1076"/>
-          <ac:spMkLst>
-            <pc:docMk/>
-            <pc:sldMk cId="1419707540" sldId="264"/>
-            <ac:spMk id="6" creationId="{96775BD2-BEB9-A2B7-5357-24CAADA00636}"/>
-          </ac:spMkLst>
-        </pc:spChg>
-      </pc:sldChg>
-      <pc:sldChg chg="modSp add mod">
-        <pc:chgData name="Sheharyar Raza" userId="6296120c-4620-4e6e-b0cf-8bfa191d4497" providerId="ADAL" clId="{904EA3BE-E951-4442-9925-9ECA9C6DAF99}" dt="2023-07-17T13:56:46.417" v="4762" actId="1076"/>
-        <pc:sldMkLst>
-          <pc:docMk/>
-          <pc:sldMk cId="86980882" sldId="265"/>
-        </pc:sldMkLst>
-        <pc:spChg chg="mod">
-          <ac:chgData name="Sheharyar Raza" userId="6296120c-4620-4e6e-b0cf-8bfa191d4497" providerId="ADAL" clId="{904EA3BE-E951-4442-9925-9ECA9C6DAF99}" dt="2023-07-17T13:56:46.417" v="4762" actId="1076"/>
-          <ac:spMkLst>
-            <pc:docMk/>
-            <pc:sldMk cId="86980882" sldId="265"/>
-            <ac:spMk id="6" creationId="{96775BD2-BEB9-A2B7-5357-24CAADA00636}"/>
-          </ac:spMkLst>
-        </pc:spChg>
-      </pc:sldChg>
-      <pc:sldChg chg="modSp add mod">
-        <pc:chgData name="Sheharyar Raza" userId="6296120c-4620-4e6e-b0cf-8bfa191d4497" providerId="ADAL" clId="{904EA3BE-E951-4442-9925-9ECA9C6DAF99}" dt="2023-07-17T13:56:42.157" v="4761" actId="1076"/>
-        <pc:sldMkLst>
-          <pc:docMk/>
-          <pc:sldMk cId="1642043387" sldId="266"/>
-        </pc:sldMkLst>
-        <pc:spChg chg="mod">
-          <ac:chgData name="Sheharyar Raza" userId="6296120c-4620-4e6e-b0cf-8bfa191d4497" providerId="ADAL" clId="{904EA3BE-E951-4442-9925-9ECA9C6DAF99}" dt="2023-07-17T13:56:42.157" v="4761" actId="1076"/>
-          <ac:spMkLst>
-            <pc:docMk/>
-            <pc:sldMk cId="1642043387" sldId="266"/>
-            <ac:spMk id="6" creationId="{96775BD2-BEB9-A2B7-5357-24CAADA00636}"/>
-          </ac:spMkLst>
-        </pc:spChg>
-      </pc:sldChg>
-    </pc:docChg>
-  </pc:docChgLst>
-</pc:chgInfo>
 </file>
 
 <file path=ppt/notesMasters/notesMaster1.xml><?xml version="1.0" encoding="utf-8"?>
@@ -641,7 +215,7 @@
           <a:p>
             <a:fld id="{79942096-D6B4-48E3-A07F-83C36308E102}" type="datetimeFigureOut">
               <a:rPr lang="en-US" smtClean="0"/>
-              <a:t>2023-08-07</a:t>
+              <a:t>2023-08-08</a:t>
             </a:fld>
             <a:endParaRPr lang="en-US"/>
           </a:p>
@@ -1056,7 +630,15 @@
           <a:p>
             <a:r>
               <a:rPr lang="en-CA" dirty="0"/>
-              <a:t>Q. Derived scores from GEMINI (e.g. Charleston) </a:t>
+              <a:t>Q. Derived scores from GEMINI (e.g. </a:t>
+            </a:r>
+            <a:r>
+              <a:rPr lang="en-CA" dirty="0" err="1"/>
+              <a:t>Charlston</a:t>
+            </a:r>
+            <a:r>
+              <a:rPr lang="en-CA" dirty="0"/>
+              <a:t>) </a:t>
             </a:r>
           </a:p>
           <a:p>
@@ -1352,7 +934,7 @@
           <a:p>
             <a:fld id="{50A5BB1F-C85A-471F-AE19-8727408F0095}" type="datetimeFigureOut">
               <a:rPr lang="en-US" smtClean="0"/>
-              <a:t>2023-08-07</a:t>
+              <a:t>2023-08-08</a:t>
             </a:fld>
             <a:endParaRPr lang="en-US"/>
           </a:p>
@@ -1550,7 +1132,7 @@
           <a:p>
             <a:fld id="{50A5BB1F-C85A-471F-AE19-8727408F0095}" type="datetimeFigureOut">
               <a:rPr lang="en-US" smtClean="0"/>
-              <a:t>2023-08-07</a:t>
+              <a:t>2023-08-08</a:t>
             </a:fld>
             <a:endParaRPr lang="en-US"/>
           </a:p>
@@ -1758,7 +1340,7 @@
           <a:p>
             <a:fld id="{50A5BB1F-C85A-471F-AE19-8727408F0095}" type="datetimeFigureOut">
               <a:rPr lang="en-US" smtClean="0"/>
-              <a:t>2023-08-07</a:t>
+              <a:t>2023-08-08</a:t>
             </a:fld>
             <a:endParaRPr lang="en-US"/>
           </a:p>
@@ -1956,7 +1538,7 @@
           <a:p>
             <a:fld id="{50A5BB1F-C85A-471F-AE19-8727408F0095}" type="datetimeFigureOut">
               <a:rPr lang="en-US" smtClean="0"/>
-              <a:t>2023-08-07</a:t>
+              <a:t>2023-08-08</a:t>
             </a:fld>
             <a:endParaRPr lang="en-US"/>
           </a:p>
@@ -2231,7 +1813,7 @@
           <a:p>
             <a:fld id="{50A5BB1F-C85A-471F-AE19-8727408F0095}" type="datetimeFigureOut">
               <a:rPr lang="en-US" smtClean="0"/>
-              <a:t>2023-08-07</a:t>
+              <a:t>2023-08-08</a:t>
             </a:fld>
             <a:endParaRPr lang="en-US"/>
           </a:p>
@@ -2496,7 +2078,7 @@
           <a:p>
             <a:fld id="{50A5BB1F-C85A-471F-AE19-8727408F0095}" type="datetimeFigureOut">
               <a:rPr lang="en-US" smtClean="0"/>
-              <a:t>2023-08-07</a:t>
+              <a:t>2023-08-08</a:t>
             </a:fld>
             <a:endParaRPr lang="en-US"/>
           </a:p>
@@ -2908,7 +2490,7 @@
           <a:p>
             <a:fld id="{50A5BB1F-C85A-471F-AE19-8727408F0095}" type="datetimeFigureOut">
               <a:rPr lang="en-US" smtClean="0"/>
-              <a:t>2023-08-07</a:t>
+              <a:t>2023-08-08</a:t>
             </a:fld>
             <a:endParaRPr lang="en-US"/>
           </a:p>
@@ -3049,7 +2631,7 @@
           <a:p>
             <a:fld id="{50A5BB1F-C85A-471F-AE19-8727408F0095}" type="datetimeFigureOut">
               <a:rPr lang="en-US" smtClean="0"/>
-              <a:t>2023-08-07</a:t>
+              <a:t>2023-08-08</a:t>
             </a:fld>
             <a:endParaRPr lang="en-US"/>
           </a:p>
@@ -3162,7 +2744,7 @@
           <a:p>
             <a:fld id="{50A5BB1F-C85A-471F-AE19-8727408F0095}" type="datetimeFigureOut">
               <a:rPr lang="en-US" smtClean="0"/>
-              <a:t>2023-08-07</a:t>
+              <a:t>2023-08-08</a:t>
             </a:fld>
             <a:endParaRPr lang="en-US"/>
           </a:p>
@@ -3473,7 +3055,7 @@
           <a:p>
             <a:fld id="{50A5BB1F-C85A-471F-AE19-8727408F0095}" type="datetimeFigureOut">
               <a:rPr lang="en-US" smtClean="0"/>
-              <a:t>2023-08-07</a:t>
+              <a:t>2023-08-08</a:t>
             </a:fld>
             <a:endParaRPr lang="en-US"/>
           </a:p>
@@ -3761,7 +3343,7 @@
           <a:p>
             <a:fld id="{50A5BB1F-C85A-471F-AE19-8727408F0095}" type="datetimeFigureOut">
               <a:rPr lang="en-US" smtClean="0"/>
-              <a:t>2023-08-07</a:t>
+              <a:t>2023-08-08</a:t>
             </a:fld>
             <a:endParaRPr lang="en-US"/>
           </a:p>
@@ -4002,7 +3584,7 @@
           <a:p>
             <a:fld id="{50A5BB1F-C85A-471F-AE19-8727408F0095}" type="datetimeFigureOut">
               <a:rPr lang="en-US" smtClean="0"/>
-              <a:t>2023-08-07</a:t>
+              <a:t>2023-08-08</a:t>
             </a:fld>
             <a:endParaRPr lang="en-US"/>
           </a:p>
@@ -4421,10 +4003,10 @@
       </p:grpSpPr>
       <p:pic>
         <p:nvPicPr>
-          <p:cNvPr id="3" name="Picture 2">
-            <a:extLst>
-              <a:ext uri="{FF2B5EF4-FFF2-40B4-BE49-F238E27FC236}">
-                <a16:creationId xmlns:a16="http://schemas.microsoft.com/office/drawing/2014/main" id="{6987B105-D69A-C559-9A54-ACA31707B6BA}"/>
+          <p:cNvPr id="2" name="Picture 4">
+            <a:extLst>
+              <a:ext uri="{FF2B5EF4-FFF2-40B4-BE49-F238E27FC236}">
+                <a16:creationId xmlns:a16="http://schemas.microsoft.com/office/drawing/2014/main" id="{622D6780-AFFF-6B7F-795B-24B1EB03ED57}"/>
               </a:ext>
             </a:extLst>
           </p:cNvPr>
@@ -4441,8 +4023,8 @@
         </p:blipFill>
         <p:spPr>
           <a:xfrm>
-            <a:off x="2072287" y="805323"/>
-            <a:ext cx="8443313" cy="5807393"/>
+            <a:off x="2020867" y="830781"/>
+            <a:ext cx="8578240" cy="5874932"/>
           </a:xfrm>
           <a:prstGeom prst="rect">
             <a:avLst/>
@@ -4708,7 +4290,7 @@
         <p:spPr>
           <a:xfrm>
             <a:off x="228600" y="1039929"/>
-            <a:ext cx="5273040" cy="1815882"/>
+            <a:ext cx="5273040" cy="1692771"/>
           </a:xfrm>
           <a:prstGeom prst="rect">
             <a:avLst/>
@@ -4716,7 +4298,7 @@
           <a:noFill/>
         </p:spPr>
         <p:txBody>
-          <a:bodyPr wrap="square">
+          <a:bodyPr wrap="square" lIns="91440" tIns="45720" rIns="91440" bIns="45720" anchor="t">
             <a:spAutoFit/>
           </a:bodyPr>
           <a:lstStyle/>
@@ -4730,14 +4312,16 @@
               </a:spcAft>
             </a:pPr>
             <a:r>
-              <a:rPr lang="en-CA" sz="3600" b="1" dirty="0">
-                <a:latin typeface="Calibri" panose="020F0502020204030204" pitchFamily="34" charset="0"/>
+              <a:rPr lang="en-CA" sz="3200" b="1" dirty="0">
+                <a:latin typeface="Calibri"/>
+                <a:cs typeface="Calibri"/>
               </a:rPr>
               <a:t>Outcomes Research</a:t>
             </a:r>
-            <a:endParaRPr lang="en-CA" sz="3600" dirty="0">
+            <a:endParaRPr lang="en-CA" sz="3200">
               <a:effectLst/>
-              <a:latin typeface="Calibri" panose="020F0502020204030204" pitchFamily="34" charset="0"/>
+              <a:latin typeface="Calibri"/>
+              <a:cs typeface="Calibri"/>
             </a:endParaRPr>
           </a:p>
           <a:p>
@@ -4786,7 +4370,7 @@
         <p:spPr>
           <a:xfrm>
             <a:off x="5930155" y="1039929"/>
-            <a:ext cx="5812646" cy="646331"/>
+            <a:ext cx="5812646" cy="584775"/>
           </a:xfrm>
           <a:prstGeom prst="rect">
             <a:avLst/>
@@ -4794,7 +4378,7 @@
           <a:noFill/>
         </p:spPr>
         <p:txBody>
-          <a:bodyPr wrap="square">
+          <a:bodyPr wrap="square" lIns="91440" tIns="45720" rIns="91440" bIns="45720" anchor="t">
             <a:spAutoFit/>
           </a:bodyPr>
           <a:lstStyle/>
@@ -4808,14 +4392,16 @@
               </a:spcAft>
             </a:pPr>
             <a:r>
-              <a:rPr lang="en-CA" sz="3600" b="1" dirty="0">
-                <a:latin typeface="Calibri" panose="020F0502020204030204" pitchFamily="34" charset="0"/>
+              <a:rPr lang="en-CA" sz="3200" b="1" dirty="0">
+                <a:latin typeface="Calibri"/>
+                <a:cs typeface="Calibri"/>
               </a:rPr>
               <a:t>Secondary Measures</a:t>
             </a:r>
-            <a:endParaRPr lang="en-CA" sz="2800" dirty="0">
+            <a:endParaRPr lang="en-CA" sz="3200">
               <a:effectLst/>
-              <a:latin typeface="Calibri" panose="020F0502020204030204" pitchFamily="34" charset="0"/>
+              <a:latin typeface="Calibri"/>
+              <a:cs typeface="Calibri"/>
             </a:endParaRPr>
           </a:p>
         </p:txBody>
@@ -4834,8 +4420,8 @@
         </p:nvSpPr>
         <p:spPr>
           <a:xfrm>
-            <a:off x="5683170" y="1972358"/>
-            <a:ext cx="6508830" cy="4708981"/>
+            <a:off x="5683170" y="1714450"/>
+            <a:ext cx="6508830" cy="5078313"/>
           </a:xfrm>
           <a:prstGeom prst="rect">
             <a:avLst/>
@@ -4843,7 +4429,7 @@
           <a:noFill/>
         </p:spPr>
         <p:txBody>
-          <a:bodyPr wrap="square">
+          <a:bodyPr wrap="square" lIns="91440" tIns="45720" rIns="91440" bIns="45720" anchor="t">
             <a:spAutoFit/>
           </a:bodyPr>
           <a:lstStyle/>
@@ -4853,11 +4439,13 @@
               <a:buChar char="•"/>
             </a:pPr>
             <a:r>
-              <a:rPr lang="en-CA" sz="2000" dirty="0">
-                <a:latin typeface="Calibri" panose="020F0502020204030204" pitchFamily="34" charset="0"/>
-              </a:rPr>
-              <a:t>Dashboard related</a:t>
-            </a:r>
+              <a:rPr lang="en-CA" dirty="0">
+                <a:latin typeface="Calibri"/>
+                <a:cs typeface="Calibri"/>
+              </a:rPr>
+              <a:t>Units of Analysis</a:t>
+            </a:r>
+            <a:endParaRPr lang="en-US" dirty="0"/>
           </a:p>
           <a:p>
             <a:pPr marL="742950" lvl="1" indent="-285750">
@@ -4865,10 +4453,11 @@
               <a:buChar char="•"/>
             </a:pPr>
             <a:r>
-              <a:rPr lang="en-CA" sz="2000" dirty="0">
-                <a:latin typeface="Calibri" panose="020F0502020204030204" pitchFamily="34" charset="0"/>
-              </a:rPr>
-              <a:t>“Hits”</a:t>
+              <a:rPr lang="en-CA" dirty="0">
+                <a:latin typeface="Calibri"/>
+                <a:cs typeface="Calibri"/>
+              </a:rPr>
+              <a:t>Analysis of Transfusions Per Days of Physician Service Per Patient</a:t>
             </a:r>
           </a:p>
           <a:p>
@@ -4876,12 +4465,24 @@
               <a:buFont typeface="Arial" panose="020B0604020202020204" pitchFamily="34" charset="0"/>
               <a:buChar char="•"/>
             </a:pPr>
-            <a:r>
-              <a:rPr lang="en-CA" sz="2000" dirty="0">
-                <a:latin typeface="Calibri" panose="020F0502020204030204" pitchFamily="34" charset="0"/>
-              </a:rPr>
-              <a:t>Engagement / time spent (if important)</a:t>
-            </a:r>
+            <a:endParaRPr lang="en-CA" dirty="0">
+              <a:latin typeface="Calibri"/>
+              <a:cs typeface="Calibri"/>
+            </a:endParaRPr>
+          </a:p>
+          <a:p>
+            <a:pPr marL="285750" indent="-285750">
+              <a:buFont typeface="Arial" panose="020B0604020202020204" pitchFamily="34" charset="0"/>
+              <a:buChar char="•"/>
+            </a:pPr>
+            <a:r>
+              <a:rPr lang="en-CA" dirty="0">
+                <a:latin typeface="Calibri"/>
+                <a:cs typeface="Calibri"/>
+              </a:rPr>
+              <a:t>Dashboard related</a:t>
+            </a:r>
+            <a:endParaRPr lang="en-CA" dirty="0"/>
           </a:p>
           <a:p>
             <a:pPr marL="742950" lvl="1" indent="-285750">
@@ -4889,10 +4490,10 @@
               <a:buChar char="•"/>
             </a:pPr>
             <a:r>
-              <a:rPr lang="en-CA" sz="2000" dirty="0">
-                <a:latin typeface="Calibri" panose="020F0502020204030204" pitchFamily="34" charset="0"/>
-              </a:rPr>
-              <a:t>Subjective / narrative feedback</a:t>
+              <a:rPr lang="en-CA" dirty="0">
+                <a:latin typeface="Calibri" panose="020F0502020204030204" pitchFamily="34" charset="0"/>
+              </a:rPr>
+              <a:t>“Hits”</a:t>
             </a:r>
           </a:p>
           <a:p>
@@ -4900,7 +4501,31 @@
               <a:buFont typeface="Arial" panose="020B0604020202020204" pitchFamily="34" charset="0"/>
               <a:buChar char="•"/>
             </a:pPr>
-            <a:endParaRPr lang="en-CA" sz="2000" dirty="0">
+            <a:r>
+              <a:rPr lang="en-CA" dirty="0">
+                <a:latin typeface="Calibri" panose="020F0502020204030204" pitchFamily="34" charset="0"/>
+              </a:rPr>
+              <a:t>Engagement / time spent (if important)</a:t>
+            </a:r>
+          </a:p>
+          <a:p>
+            <a:pPr marL="742950" lvl="1" indent="-285750">
+              <a:buFont typeface="Arial" panose="020B0604020202020204" pitchFamily="34" charset="0"/>
+              <a:buChar char="•"/>
+            </a:pPr>
+            <a:r>
+              <a:rPr lang="en-CA" dirty="0">
+                <a:latin typeface="Calibri" panose="020F0502020204030204" pitchFamily="34" charset="0"/>
+              </a:rPr>
+              <a:t>Subjective / narrative feedback</a:t>
+            </a:r>
+          </a:p>
+          <a:p>
+            <a:pPr marL="742950" lvl="1" indent="-285750">
+              <a:buFont typeface="Arial" panose="020B0604020202020204" pitchFamily="34" charset="0"/>
+              <a:buChar char="•"/>
+            </a:pPr>
+            <a:endParaRPr lang="en-CA" dirty="0">
               <a:latin typeface="Calibri" panose="020F0502020204030204" pitchFamily="34" charset="0"/>
             </a:endParaRPr>
           </a:p>
@@ -4910,7 +4535,7 @@
               <a:buChar char="•"/>
             </a:pPr>
             <a:r>
-              <a:rPr lang="en-CA" sz="2000" dirty="0">
+              <a:rPr lang="en-CA" dirty="0">
                 <a:latin typeface="Calibri" panose="020F0502020204030204" pitchFamily="34" charset="0"/>
               </a:rPr>
               <a:t>Covariates </a:t>
@@ -4922,19 +4547,19 @@
               <a:buChar char="•"/>
             </a:pPr>
             <a:r>
-              <a:rPr lang="en-CA" sz="2000" dirty="0">
+              <a:rPr lang="en-CA" dirty="0">
                 <a:latin typeface="Calibri" panose="020F0502020204030204" pitchFamily="34" charset="0"/>
               </a:rPr>
               <a:t>Physician factors (specialty, gender, </a:t>
             </a:r>
             <a:r>
-              <a:rPr lang="en-CA" sz="2000" dirty="0" err="1">
+              <a:rPr lang="en-CA" dirty="0" err="1">
                 <a:latin typeface="Calibri" panose="020F0502020204030204" pitchFamily="34" charset="0"/>
               </a:rPr>
               <a:t>etc</a:t>
             </a:r>
             <a:r>
-              <a:rPr lang="en-CA" sz="2000" dirty="0">
+              <a:rPr lang="en-CA" dirty="0">
                 <a:latin typeface="Calibri" panose="020F0502020204030204" pitchFamily="34" charset="0"/>
               </a:rPr>
               <a:t>…)</a:t>
@@ -4946,19 +4571,19 @@
               <a:buChar char="•"/>
             </a:pPr>
             <a:r>
-              <a:rPr lang="en-CA" sz="2000" dirty="0">
+              <a:rPr lang="en-CA" dirty="0">
                 <a:latin typeface="Calibri" panose="020F0502020204030204" pitchFamily="34" charset="0"/>
               </a:rPr>
               <a:t>Hospital factors (academic, cancer center, </a:t>
             </a:r>
             <a:r>
-              <a:rPr lang="en-CA" sz="2000" dirty="0" err="1">
+              <a:rPr lang="en-CA" dirty="0" err="1">
                 <a:latin typeface="Calibri" panose="020F0502020204030204" pitchFamily="34" charset="0"/>
               </a:rPr>
               <a:t>etc</a:t>
             </a:r>
             <a:r>
-              <a:rPr lang="en-CA" sz="2000" dirty="0">
+              <a:rPr lang="en-CA" dirty="0">
                 <a:latin typeface="Calibri" panose="020F0502020204030204" pitchFamily="34" charset="0"/>
               </a:rPr>
               <a:t>…)</a:t>
@@ -4970,7 +4595,7 @@
               <a:buChar char="•"/>
             </a:pPr>
             <a:r>
-              <a:rPr lang="en-CA" sz="2000" dirty="0">
+              <a:rPr lang="en-CA" dirty="0">
                 <a:latin typeface="Calibri" panose="020F0502020204030204" pitchFamily="34" charset="0"/>
               </a:rPr>
               <a:t>Patient factors (common diagnoses, setting, starting Hb…)</a:t>
@@ -4981,7 +4606,7 @@
               <a:buFont typeface="Arial" panose="020B0604020202020204" pitchFamily="34" charset="0"/>
               <a:buChar char="•"/>
             </a:pPr>
-            <a:endParaRPr lang="en-CA" sz="2000" dirty="0">
+            <a:endParaRPr lang="en-CA" dirty="0">
               <a:latin typeface="Calibri" panose="020F0502020204030204" pitchFamily="34" charset="0"/>
             </a:endParaRPr>
           </a:p>
@@ -4991,7 +4616,7 @@
               <a:buChar char="•"/>
             </a:pPr>
             <a:r>
-              <a:rPr lang="en-CA" sz="2000" dirty="0">
+              <a:rPr lang="en-CA" dirty="0">
                 <a:latin typeface="Calibri" panose="020F0502020204030204" pitchFamily="34" charset="0"/>
               </a:rPr>
               <a:t>Safety outcomes / “Balancing measures”</a:t>
@@ -5003,7 +4628,7 @@
               <a:buChar char="•"/>
             </a:pPr>
             <a:r>
-              <a:rPr lang="en-CA" sz="2000" dirty="0">
+              <a:rPr lang="en-CA" dirty="0">
                 <a:latin typeface="Calibri" panose="020F0502020204030204" pitchFamily="34" charset="0"/>
               </a:rPr>
               <a:t>Total mortality</a:t>
@@ -5015,7 +4640,7 @@
               <a:buChar char="•"/>
             </a:pPr>
             <a:r>
-              <a:rPr lang="en-CA" sz="2000" dirty="0">
+              <a:rPr lang="en-CA" dirty="0">
                 <a:latin typeface="Calibri" panose="020F0502020204030204" pitchFamily="34" charset="0"/>
               </a:rPr>
               <a:t>Hospital length of stay</a:t>
@@ -5027,7 +4652,7 @@
               <a:buChar char="•"/>
             </a:pPr>
             <a:r>
-              <a:rPr lang="en-CA" sz="2000" dirty="0">
+              <a:rPr lang="en-CA" dirty="0">
                 <a:latin typeface="Calibri" panose="020F0502020204030204" pitchFamily="34" charset="0"/>
               </a:rPr>
               <a:t>Transfusion reactions (?available ?inferred)</a:t>
@@ -5049,8 +4674,8 @@
         </p:nvSpPr>
         <p:spPr>
           <a:xfrm>
-            <a:off x="209202" y="2919817"/>
-            <a:ext cx="6098240" cy="2215991"/>
+            <a:off x="209202" y="2790863"/>
+            <a:ext cx="6098240" cy="1846659"/>
           </a:xfrm>
           <a:prstGeom prst="rect">
             <a:avLst/>
@@ -5058,7 +4683,7 @@
           <a:noFill/>
         </p:spPr>
         <p:txBody>
-          <a:bodyPr wrap="square">
+          <a:bodyPr wrap="square" lIns="91440" tIns="45720" rIns="91440" bIns="45720" anchor="t">
             <a:spAutoFit/>
           </a:bodyPr>
           <a:lstStyle/>
@@ -5163,25 +4788,11 @@
             </a:pPr>
             <a:r>
               <a:rPr lang="en-CA" dirty="0">
-                <a:latin typeface="Calibri" panose="020F0502020204030204" pitchFamily="34" charset="0"/>
+                <a:latin typeface="Calibri"/>
+                <a:cs typeface="Calibri"/>
               </a:rPr>
               <a:t>Respecting sample size</a:t>
             </a:r>
-          </a:p>
-          <a:p>
-            <a:pPr marL="342900" marR="0" indent="-342900">
-              <a:spcBef>
-                <a:spcPts val="0"/>
-              </a:spcBef>
-              <a:spcAft>
-                <a:spcPts val="0"/>
-              </a:spcAft>
-              <a:buFont typeface="Arial" panose="020B0604020202020204" pitchFamily="34" charset="0"/>
-              <a:buChar char="•"/>
-            </a:pPr>
-            <a:endParaRPr lang="en-CA" sz="2400" dirty="0">
-              <a:latin typeface="Calibri" panose="020F0502020204030204" pitchFamily="34" charset="0"/>
-            </a:endParaRPr>
           </a:p>
         </p:txBody>
       </p:sp>
@@ -5199,7 +4810,7 @@
         </p:nvSpPr>
         <p:spPr>
           <a:xfrm>
-            <a:off x="209202" y="5008649"/>
+            <a:off x="209202" y="4809357"/>
             <a:ext cx="5601289" cy="1692771"/>
           </a:xfrm>
           <a:prstGeom prst="rect">
@@ -5410,7 +5021,7 @@
           <a:noFill/>
         </p:spPr>
         <p:txBody>
-          <a:bodyPr wrap="square">
+          <a:bodyPr wrap="square" lIns="91440" tIns="45720" rIns="91440" bIns="45720" anchor="t">
             <a:spAutoFit/>
           </a:bodyPr>
           <a:lstStyle/>
@@ -5444,13 +5055,10 @@
                 <a:spcPts val="0"/>
               </a:spcAft>
             </a:pPr>
-            <a:r>
-              <a:rPr lang="en-CA" sz="3600" dirty="0">
-                <a:effectLst/>
-                <a:latin typeface="Calibri" panose="020F0502020204030204" pitchFamily="34" charset="0"/>
-              </a:rPr>
-              <a:t> </a:t>
-            </a:r>
+            <a:endParaRPr lang="en-CA" sz="3600" dirty="0">
+              <a:effectLst/>
+              <a:latin typeface="Calibri" panose="020F0502020204030204" pitchFamily="34" charset="0"/>
+            </a:endParaRPr>
           </a:p>
           <a:p>
             <a:pPr marL="0" marR="0">
@@ -5479,10 +5087,18 @@
               </a:spcAft>
             </a:pPr>
             <a:r>
-              <a:rPr lang="en-CA" sz="2800" dirty="0">
-                <a:latin typeface="Calibri" panose="020F0502020204030204" pitchFamily="34" charset="0"/>
-              </a:rPr>
-              <a:t>[ ] Physician data requested</a:t>
+              <a:rPr lang="en-CA" sz="2800">
+                <a:latin typeface="Calibri"/>
+                <a:cs typeface="Calibri"/>
+              </a:rPr>
+              <a:t>[ ] Physician data </a:t>
+            </a:r>
+            <a:r>
+              <a:rPr lang="en-CA" sz="2400">
+                <a:latin typeface="Calibri"/>
+                <a:cs typeface="Calibri"/>
+              </a:rPr>
+              <a:t>(requested)</a:t>
             </a:r>
           </a:p>
           <a:p>
@@ -5608,7 +5224,7 @@
           <a:noFill/>
         </p:spPr>
         <p:txBody>
-          <a:bodyPr wrap="square">
+          <a:bodyPr wrap="square" lIns="91440" tIns="45720" rIns="91440" bIns="45720" anchor="t">
             <a:spAutoFit/>
           </a:bodyPr>
           <a:lstStyle/>
@@ -5661,9 +5277,43 @@
             </a:pPr>
             <a:r>
               <a:rPr lang="en-CA" sz="2800" dirty="0">
-                <a:latin typeface="Calibri" panose="020F0502020204030204" pitchFamily="34" charset="0"/>
+                <a:latin typeface="Calibri"/>
+                <a:cs typeface="Calibri"/>
               </a:rPr>
               <a:t>Encounter ID</a:t>
+            </a:r>
+          </a:p>
+          <a:p>
+            <a:pPr marL="742950" indent="-742950">
+              <a:buAutoNum type="arabicPeriod"/>
+            </a:pPr>
+            <a:r>
+              <a:rPr lang="en-CA" sz="2800" dirty="0">
+                <a:latin typeface="Calibri"/>
+                <a:cs typeface="Calibri"/>
+              </a:rPr>
+              <a:t>Ordering MRP </a:t>
+            </a:r>
+            <a:r>
+              <a:rPr lang="en-CA" sz="2400" dirty="0">
+                <a:latin typeface="Calibri"/>
+                <a:cs typeface="Calibri"/>
+              </a:rPr>
+              <a:t>(+ </a:t>
+            </a:r>
+            <a:r>
+              <a:rPr lang="en-CA" sz="2400" err="1">
+                <a:latin typeface="Calibri"/>
+                <a:cs typeface="Calibri"/>
+              </a:rPr>
+              <a:t>physician_table</a:t>
+            </a:r>
+            <a:r>
+              <a:rPr lang="en-CA" sz="2400" dirty="0">
+                <a:latin typeface="Calibri"/>
+                <a:cs typeface="Calibri"/>
+              </a:rPr>
+              <a:t> details)</a:t>
             </a:r>
           </a:p>
           <a:p>
@@ -5678,37 +5328,29 @@
             </a:pPr>
             <a:r>
               <a:rPr lang="en-CA" sz="2800" dirty="0">
-                <a:latin typeface="Calibri" panose="020F0502020204030204" pitchFamily="34" charset="0"/>
-              </a:rPr>
-              <a:t>Ordering MRP</a:t>
-            </a:r>
+                <a:effectLst/>
+                <a:latin typeface="Calibri"/>
+                <a:cs typeface="Calibri"/>
+              </a:rPr>
+              <a:t>Time of order</a:t>
+            </a:r>
+          </a:p>
+          <a:p>
+            <a:pPr marL="742950" indent="-742950">
+              <a:buAutoNum type="arabicPeriod"/>
+            </a:pPr>
             <a:r>
               <a:rPr lang="en-CA" sz="2800" dirty="0">
-                <a:solidFill>
-                  <a:srgbClr val="FF0000"/>
-                </a:solidFill>
-                <a:latin typeface="Calibri" panose="020F0502020204030204" pitchFamily="34" charset="0"/>
-              </a:rPr>
-              <a:t> (+ </a:t>
-            </a:r>
-            <a:r>
-              <a:rPr lang="en-CA" sz="2800" dirty="0" err="1">
-                <a:solidFill>
-                  <a:srgbClr val="FF0000"/>
-                </a:solidFill>
-                <a:latin typeface="Calibri" panose="020F0502020204030204" pitchFamily="34" charset="0"/>
-              </a:rPr>
-              <a:t>physician_table</a:t>
-            </a:r>
-            <a:r>
-              <a:rPr lang="en-CA" sz="2800" dirty="0">
-                <a:solidFill>
-                  <a:srgbClr val="FF0000"/>
-                </a:solidFill>
-                <a:latin typeface="Calibri" panose="020F0502020204030204" pitchFamily="34" charset="0"/>
-              </a:rPr>
-              <a:t>)</a:t>
-            </a:r>
+                <a:latin typeface="Calibri"/>
+                <a:cs typeface="Calibri"/>
+              </a:rPr>
+              <a:t>Product (type and quantity)</a:t>
+            </a:r>
+            <a:endParaRPr lang="en-CA" sz="2800" dirty="0">
+              <a:effectLst/>
+              <a:latin typeface="Calibri"/>
+              <a:cs typeface="Calibri"/>
+            </a:endParaRPr>
           </a:p>
           <a:p>
             <a:pPr marL="742950" marR="0" indent="-742950">
@@ -5723,9 +5365,41 @@
             <a:r>
               <a:rPr lang="en-CA" sz="2800" dirty="0">
                 <a:effectLst/>
-                <a:latin typeface="Calibri" panose="020F0502020204030204" pitchFamily="34" charset="0"/>
-              </a:rPr>
-              <a:t>Time of order</a:t>
+                <a:latin typeface="Calibri"/>
+                <a:cs typeface="Calibri"/>
+              </a:rPr>
+              <a:t>Pre-transfusion </a:t>
+            </a:r>
+            <a:r>
+              <a:rPr lang="en-CA" sz="2800" dirty="0">
+                <a:latin typeface="Calibri"/>
+                <a:cs typeface="Calibri"/>
+              </a:rPr>
+              <a:t>labs</a:t>
+            </a:r>
+            <a:r>
+              <a:rPr lang="en-CA" sz="2800" dirty="0">
+                <a:effectLst/>
+                <a:latin typeface="Calibri"/>
+                <a:cs typeface="Calibri"/>
+              </a:rPr>
+              <a:t> (Hb, </a:t>
+            </a:r>
+            <a:r>
+              <a:rPr lang="en-CA" sz="2800" dirty="0" err="1">
+                <a:effectLst/>
+                <a:latin typeface="Calibri"/>
+                <a:cs typeface="Calibri"/>
+              </a:rPr>
+              <a:t>Plt</a:t>
+            </a:r>
+            <a:r>
+              <a:rPr lang="en-CA" sz="2800" dirty="0">
+                <a:effectLst/>
+                <a:latin typeface="Calibri"/>
+                <a:cs typeface="Calibri"/>
+              </a:rPr>
+              <a:t>, INR, Albumin)</a:t>
             </a:r>
           </a:p>
           <a:p>
@@ -5740,84 +5414,9 @@
             </a:pPr>
             <a:r>
               <a:rPr lang="en-CA" sz="2800" dirty="0">
-                <a:solidFill>
-                  <a:srgbClr val="FF0000"/>
-                </a:solidFill>
-                <a:latin typeface="Calibri" panose="020F0502020204030204" pitchFamily="34" charset="0"/>
-              </a:rPr>
-              <a:t>Product and how much</a:t>
-            </a:r>
-            <a:endParaRPr lang="en-CA" sz="2800" dirty="0">
-              <a:solidFill>
-                <a:srgbClr val="FF0000"/>
-              </a:solidFill>
-              <a:effectLst/>
-              <a:latin typeface="Calibri" panose="020F0502020204030204" pitchFamily="34" charset="0"/>
-            </a:endParaRPr>
-          </a:p>
-          <a:p>
-            <a:pPr marL="742950" marR="0" indent="-742950">
-              <a:spcBef>
-                <a:spcPts val="0"/>
-              </a:spcBef>
-              <a:spcAft>
-                <a:spcPts val="0"/>
-              </a:spcAft>
-              <a:buAutoNum type="arabicPeriod"/>
-            </a:pPr>
-            <a:r>
-              <a:rPr lang="en-CA" sz="2800" dirty="0">
                 <a:effectLst/>
-                <a:latin typeface="Calibri" panose="020F0502020204030204" pitchFamily="34" charset="0"/>
-              </a:rPr>
-              <a:t>Pre-transfusion lab (Hb, </a:t>
-            </a:r>
-            <a:r>
-              <a:rPr lang="en-CA" sz="2800" dirty="0" err="1">
-                <a:effectLst/>
-                <a:latin typeface="Calibri" panose="020F0502020204030204" pitchFamily="34" charset="0"/>
-              </a:rPr>
-              <a:t>Plt</a:t>
-            </a:r>
-            <a:r>
-              <a:rPr lang="en-CA" sz="2800" dirty="0">
-                <a:effectLst/>
-                <a:latin typeface="Calibri" panose="020F0502020204030204" pitchFamily="34" charset="0"/>
-              </a:rPr>
-              <a:t>, INR, </a:t>
-            </a:r>
-            <a:r>
-              <a:rPr lang="en-CA" sz="2800" dirty="0">
-                <a:solidFill>
-                  <a:srgbClr val="FF0000"/>
-                </a:solidFill>
-                <a:effectLst/>
-                <a:latin typeface="Calibri" panose="020F0502020204030204" pitchFamily="34" charset="0"/>
-              </a:rPr>
-              <a:t>Albumin</a:t>
-            </a:r>
-            <a:r>
-              <a:rPr lang="en-CA" sz="2800" dirty="0">
-                <a:effectLst/>
-                <a:latin typeface="Calibri" panose="020F0502020204030204" pitchFamily="34" charset="0"/>
-              </a:rPr>
-              <a:t>)</a:t>
-            </a:r>
-          </a:p>
-          <a:p>
-            <a:pPr marL="742950" marR="0" indent="-742950">
-              <a:spcBef>
-                <a:spcPts val="0"/>
-              </a:spcBef>
-              <a:spcAft>
-                <a:spcPts val="0"/>
-              </a:spcAft>
-              <a:buAutoNum type="arabicPeriod"/>
-            </a:pPr>
-            <a:r>
-              <a:rPr lang="en-CA" sz="2800" dirty="0">
-                <a:effectLst/>
-                <a:latin typeface="Calibri" panose="020F0502020204030204" pitchFamily="34" charset="0"/>
+                <a:latin typeface="Calibri"/>
+                <a:cs typeface="Calibri"/>
               </a:rPr>
               <a:t>Diagnosis</a:t>
             </a:r>
@@ -5991,36 +5590,6 @@
           <a:chExt cx="0" cy="0"/>
         </a:xfrm>
       </p:grpSpPr>
-      <p:pic>
-        <p:nvPicPr>
-          <p:cNvPr id="3" name="Picture 2">
-            <a:extLst>
-              <a:ext uri="{FF2B5EF4-FFF2-40B4-BE49-F238E27FC236}">
-                <a16:creationId xmlns:a16="http://schemas.microsoft.com/office/drawing/2014/main" id="{6987B105-D69A-C559-9A54-ACA31707B6BA}"/>
-              </a:ext>
-            </a:extLst>
-          </p:cNvPr>
-          <p:cNvPicPr>
-            <a:picLocks noChangeAspect="1"/>
-          </p:cNvPicPr>
-          <p:nvPr/>
-        </p:nvPicPr>
-        <p:blipFill>
-          <a:blip r:embed="rId2"/>
-          <a:stretch>
-            <a:fillRect/>
-          </a:stretch>
-        </p:blipFill>
-        <p:spPr>
-          <a:xfrm>
-            <a:off x="2072287" y="805323"/>
-            <a:ext cx="8443313" cy="5807393"/>
-          </a:xfrm>
-          <a:prstGeom prst="rect">
-            <a:avLst/>
-          </a:prstGeom>
-        </p:spPr>
-      </p:pic>
       <p:sp>
         <p:nvSpPr>
           <p:cNvPr id="4" name="Rectangle 3">
@@ -6104,6 +5673,86 @@
         <p:spPr>
           <a:xfrm>
             <a:off x="2072287" y="4389120"/>
+            <a:ext cx="3231233" cy="1026160"/>
+          </a:xfrm>
+          <a:prstGeom prst="rect">
+            <a:avLst/>
+          </a:prstGeom>
+          <a:noFill/>
+          <a:ln w="57150">
+            <a:prstDash val="sysDot"/>
+          </a:ln>
+        </p:spPr>
+        <p:style>
+          <a:lnRef idx="2">
+            <a:schemeClr val="accent1">
+              <a:shade val="50000"/>
+            </a:schemeClr>
+          </a:lnRef>
+          <a:fillRef idx="1">
+            <a:schemeClr val="accent1"/>
+          </a:fillRef>
+          <a:effectRef idx="0">
+            <a:schemeClr val="accent1"/>
+          </a:effectRef>
+          <a:fontRef idx="minor">
+            <a:schemeClr val="lt1"/>
+          </a:fontRef>
+        </p:style>
+        <p:txBody>
+          <a:bodyPr rtlCol="0" anchor="ctr"/>
+          <a:lstStyle/>
+          <a:p>
+            <a:pPr algn="ctr"/>
+            <a:endParaRPr lang="en-US"/>
+          </a:p>
+        </p:txBody>
+      </p:sp>
+      <p:pic>
+        <p:nvPicPr>
+          <p:cNvPr id="5" name="Picture 4">
+            <a:extLst>
+              <a:ext uri="{FF2B5EF4-FFF2-40B4-BE49-F238E27FC236}">
+                <a16:creationId xmlns:a16="http://schemas.microsoft.com/office/drawing/2014/main" id="{4241B189-BF36-ED55-D7F9-1BAED68550FA}"/>
+              </a:ext>
+            </a:extLst>
+          </p:cNvPr>
+          <p:cNvPicPr>
+            <a:picLocks noChangeAspect="1"/>
+          </p:cNvPicPr>
+          <p:nvPr/>
+        </p:nvPicPr>
+        <p:blipFill>
+          <a:blip r:embed="rId2"/>
+          <a:stretch>
+            <a:fillRect/>
+          </a:stretch>
+        </p:blipFill>
+        <p:spPr>
+          <a:xfrm>
+            <a:off x="2020867" y="830781"/>
+            <a:ext cx="8578240" cy="5874932"/>
+          </a:xfrm>
+          <a:prstGeom prst="rect">
+            <a:avLst/>
+          </a:prstGeom>
+        </p:spPr>
+      </p:pic>
+      <p:sp>
+        <p:nvSpPr>
+          <p:cNvPr id="8" name="Rectangle 7">
+            <a:extLst>
+              <a:ext uri="{FF2B5EF4-FFF2-40B4-BE49-F238E27FC236}">
+                <a16:creationId xmlns:a16="http://schemas.microsoft.com/office/drawing/2014/main" id="{0713B5AA-85D4-A323-38E8-FC86A738D330}"/>
+              </a:ext>
+            </a:extLst>
+          </p:cNvPr>
+          <p:cNvSpPr/>
+          <p:nvPr/>
+        </p:nvSpPr>
+        <p:spPr>
+          <a:xfrm>
+            <a:off x="2124479" y="4474715"/>
             <a:ext cx="3231233" cy="1026160"/>
           </a:xfrm>
           <a:prstGeom prst="rect">
@@ -6275,7 +5924,7 @@
         <p:spPr>
           <a:xfrm>
             <a:off x="228600" y="1039929"/>
-            <a:ext cx="5273040" cy="5601533"/>
+            <a:ext cx="5273040" cy="5724644"/>
           </a:xfrm>
           <a:prstGeom prst="rect">
             <a:avLst/>
@@ -6436,6 +6085,42 @@
               </a:rPr>
               <a:t>Optional: by diagnosis</a:t>
             </a:r>
+          </a:p>
+          <a:p>
+            <a:pPr marL="971550" lvl="1" indent="-514350">
+              <a:buFont typeface="+mj-lt"/>
+              <a:buAutoNum type="arabicPeriod"/>
+            </a:pPr>
+            <a:r>
+              <a:rPr lang="en-CA" dirty="0">
+                <a:latin typeface="Calibri" panose="020F0502020204030204" pitchFamily="34" charset="0"/>
+              </a:rPr>
+              <a:t>Optional: by clinical indices (</a:t>
+            </a:r>
+            <a:r>
+              <a:rPr lang="en-CA" dirty="0" err="1">
+                <a:latin typeface="Calibri" panose="020F0502020204030204" pitchFamily="34" charset="0"/>
+              </a:rPr>
+              <a:t>eg</a:t>
+            </a:r>
+            <a:r>
+              <a:rPr lang="en-CA" dirty="0">
+                <a:latin typeface="Calibri" panose="020F0502020204030204" pitchFamily="34" charset="0"/>
+              </a:rPr>
+              <a:t> </a:t>
+            </a:r>
+            <a:r>
+              <a:rPr lang="en-CA" dirty="0" err="1">
+                <a:latin typeface="Calibri" panose="020F0502020204030204" pitchFamily="34" charset="0"/>
+              </a:rPr>
+              <a:t>Charlson</a:t>
+            </a:r>
+            <a:r>
+              <a:rPr lang="en-CA" dirty="0">
+                <a:latin typeface="Calibri" panose="020F0502020204030204" pitchFamily="34" charset="0"/>
+              </a:rPr>
+              <a:t>)</a:t>
+            </a:r>
             <a:br>
               <a:rPr lang="en-CA" dirty="0">
                 <a:effectLst/>
@@ -6456,7 +6141,7 @@
               <a:rPr lang="en-CA" sz="2400" dirty="0">
                 <a:latin typeface="Calibri" panose="020F0502020204030204" pitchFamily="34" charset="0"/>
               </a:rPr>
-              <a:t>Building Exceptions</a:t>
+              <a:t>Building Flexible Exceptions</a:t>
             </a:r>
           </a:p>
           <a:p>
@@ -6517,7 +6202,7 @@
         <p:spPr>
           <a:xfrm>
             <a:off x="5620872" y="1039929"/>
-            <a:ext cx="5812646" cy="5878532"/>
+            <a:ext cx="6397193" cy="5416868"/>
           </a:xfrm>
           <a:prstGeom prst="rect">
             <a:avLst/>
@@ -6525,7 +6210,7 @@
           <a:noFill/>
         </p:spPr>
         <p:txBody>
-          <a:bodyPr wrap="square">
+          <a:bodyPr wrap="square" lIns="91440" tIns="45720" rIns="91440" bIns="45720" anchor="t">
             <a:spAutoFit/>
           </a:bodyPr>
           <a:lstStyle/>
@@ -6570,7 +6255,35 @@
             </a:endParaRPr>
           </a:p>
           <a:p>
-            <a:pPr marL="571500" marR="0" indent="-571500">
+            <a:pPr marL="571500" indent="-571500">
+              <a:buFont typeface="Arial" panose="020B0604020202020204" pitchFamily="34" charset="0"/>
+              <a:buChar char="•"/>
+            </a:pPr>
+            <a:r>
+              <a:rPr lang="en-CA" sz="2200" dirty="0">
+                <a:latin typeface="Calibri"/>
+                <a:cs typeface="Calibri"/>
+              </a:rPr>
+              <a:t>R or Python? Kathryn prefers Python</a:t>
+            </a:r>
+          </a:p>
+          <a:p>
+            <a:pPr marR="0">
+              <a:spcBef>
+                <a:spcPts val="0"/>
+              </a:spcBef>
+              <a:spcAft>
+                <a:spcPts val="0"/>
+              </a:spcAft>
+            </a:pPr>
+            <a:endParaRPr lang="en-CA" sz="2200" b="1" dirty="0">
+              <a:effectLst/>
+              <a:latin typeface="Calibri" panose="020F0502020204030204" pitchFamily="34" charset="0"/>
+              <a:cs typeface="Calibri"/>
+            </a:endParaRPr>
+          </a:p>
+          <a:p>
+            <a:pPr marL="457200" marR="0" indent="-457200">
               <a:spcBef>
                 <a:spcPts val="0"/>
               </a:spcBef>
@@ -6581,33 +6294,66 @@
               <a:buChar char="•"/>
             </a:pPr>
             <a:r>
-              <a:rPr lang="en-CA" sz="2800" dirty="0">
-                <a:latin typeface="Calibri" panose="020F0502020204030204" pitchFamily="34" charset="0"/>
-              </a:rPr>
-              <a:t>R or Python? </a:t>
-            </a:r>
-            <a:r>
-              <a:rPr lang="en-CA" sz="2800" dirty="0">
-                <a:solidFill>
-                  <a:srgbClr val="FF0000"/>
-                </a:solidFill>
-                <a:latin typeface="Calibri" panose="020F0502020204030204" pitchFamily="34" charset="0"/>
-              </a:rPr>
-              <a:t>Python</a:t>
-            </a:r>
-          </a:p>
-          <a:p>
-            <a:pPr marR="0">
-              <a:spcBef>
-                <a:spcPts val="0"/>
-              </a:spcBef>
-              <a:spcAft>
-                <a:spcPts val="0"/>
-              </a:spcAft>
-            </a:pPr>
-            <a:endParaRPr lang="en-CA" sz="2400" b="1" dirty="0">
+              <a:rPr lang="en-CA" sz="2200" dirty="0">
+                <a:latin typeface="Calibri"/>
+                <a:cs typeface="Calibri"/>
+              </a:rPr>
+              <a:t>Algorithm Choices</a:t>
+            </a:r>
+          </a:p>
+          <a:p>
+            <a:pPr marL="914400" lvl="1" indent="-457200">
+              <a:buFont typeface="Arial" panose="020B0604020202020204" pitchFamily="34" charset="0"/>
+              <a:buChar char="•"/>
+            </a:pPr>
+            <a:r>
+              <a:rPr lang="en-CA" sz="2200" dirty="0">
+                <a:latin typeface="Calibri"/>
+                <a:cs typeface="Calibri"/>
+              </a:rPr>
+              <a:t>Defining </a:t>
+            </a:r>
+            <a:r>
+              <a:rPr lang="en-CA" sz="2200" b="1" dirty="0">
+                <a:latin typeface="Calibri"/>
+                <a:cs typeface="Calibri"/>
+              </a:rPr>
+              <a:t>appropriateness</a:t>
+            </a:r>
+          </a:p>
+          <a:p>
+            <a:pPr marL="914400" lvl="1" indent="-457200">
+              <a:buFont typeface="Arial" panose="020B0604020202020204" pitchFamily="34" charset="0"/>
+              <a:buChar char="•"/>
+            </a:pPr>
+            <a:r>
+              <a:rPr lang="en-CA" sz="2200" dirty="0">
+                <a:effectLst/>
+                <a:latin typeface="Calibri"/>
+                <a:cs typeface="Calibri"/>
+              </a:rPr>
+              <a:t>Selecting “Peer Group”</a:t>
+            </a:r>
+          </a:p>
+          <a:p>
+            <a:pPr marL="914400" lvl="1" indent="-457200">
+              <a:buFont typeface="Arial" panose="020B0604020202020204" pitchFamily="34" charset="0"/>
+              <a:buChar char="•"/>
+            </a:pPr>
+            <a:r>
+              <a:rPr lang="en-CA" sz="2200" dirty="0">
+                <a:latin typeface="Calibri"/>
+                <a:cs typeface="Calibri"/>
+              </a:rPr>
+              <a:t>Selecting exceptions (dynamic)</a:t>
+            </a:r>
+          </a:p>
+          <a:p>
+            <a:pPr lvl="1"/>
+            <a:endParaRPr lang="en-CA" sz="2200" dirty="0">
               <a:effectLst/>
               <a:latin typeface="Calibri" panose="020F0502020204030204" pitchFamily="34" charset="0"/>
+              <a:cs typeface="Calibri"/>
             </a:endParaRPr>
           </a:p>
           <a:p>
@@ -6622,10 +6368,11 @@
               <a:buChar char="•"/>
             </a:pPr>
             <a:r>
-              <a:rPr lang="en-CA" sz="2400" dirty="0">
-                <a:latin typeface="Calibri" panose="020F0502020204030204" pitchFamily="34" charset="0"/>
-              </a:rPr>
-              <a:t>Algorithm Choices</a:t>
+              <a:rPr lang="en-CA" sz="2200" dirty="0">
+                <a:latin typeface="Calibri"/>
+                <a:cs typeface="Calibri"/>
+              </a:rPr>
+              <a:t>Data Issues</a:t>
             </a:r>
           </a:p>
           <a:p>
@@ -6634,16 +6381,11 @@
               <a:buChar char="•"/>
             </a:pPr>
             <a:r>
-              <a:rPr lang="en-CA" sz="2400" dirty="0">
-                <a:latin typeface="Calibri" panose="020F0502020204030204" pitchFamily="34" charset="0"/>
-              </a:rPr>
-              <a:t>Defining </a:t>
-            </a:r>
-            <a:r>
-              <a:rPr lang="en-CA" sz="2400" b="1" dirty="0">
-                <a:latin typeface="Calibri" panose="020F0502020204030204" pitchFamily="34" charset="0"/>
-              </a:rPr>
-              <a:t>appropriateness</a:t>
+              <a:rPr lang="en-CA" sz="2200" dirty="0">
+                <a:latin typeface="Calibri"/>
+                <a:cs typeface="Calibri"/>
+              </a:rPr>
+              <a:t>Sample size cut-offs</a:t>
             </a:r>
           </a:p>
           <a:p>
@@ -6652,11 +6394,11 @@
               <a:buChar char="•"/>
             </a:pPr>
             <a:r>
-              <a:rPr lang="en-CA" sz="2400" dirty="0">
-                <a:effectLst/>
-                <a:latin typeface="Calibri" panose="020F0502020204030204" pitchFamily="34" charset="0"/>
-              </a:rPr>
-              <a:t>Selecting “Peer Group”</a:t>
+              <a:rPr lang="en-CA" sz="2200" dirty="0">
+                <a:latin typeface="Calibri"/>
+                <a:cs typeface="Calibri"/>
+              </a:rPr>
+              <a:t>Considering data cut-offs</a:t>
             </a:r>
           </a:p>
           <a:p>
@@ -6664,79 +6406,27 @@
               <a:buFont typeface="Arial" panose="020B0604020202020204" pitchFamily="34" charset="0"/>
               <a:buChar char="•"/>
             </a:pPr>
-            <a:r>
-              <a:rPr lang="en-CA" sz="2400" dirty="0">
-                <a:latin typeface="Calibri" panose="020F0502020204030204" pitchFamily="34" charset="0"/>
-              </a:rPr>
-              <a:t>Selecting exceptions (dynamic)</a:t>
-            </a:r>
-          </a:p>
-          <a:p>
-            <a:pPr lvl="1"/>
-            <a:endParaRPr lang="en-CA" sz="2400" dirty="0">
-              <a:effectLst/>
-              <a:latin typeface="Calibri" panose="020F0502020204030204" pitchFamily="34" charset="0"/>
+            <a:endParaRPr lang="en-CA" sz="2200" dirty="0">
+              <a:latin typeface="Calibri"/>
+              <a:cs typeface="Calibri"/>
             </a:endParaRPr>
           </a:p>
           <a:p>
-            <a:pPr marL="457200" marR="0" indent="-457200">
-              <a:spcBef>
-                <a:spcPts val="0"/>
-              </a:spcBef>
-              <a:spcAft>
-                <a:spcPts val="0"/>
-              </a:spcAft>
+            <a:pPr marL="457200" indent="-457200">
               <a:buFont typeface="Arial" panose="020B0604020202020204" pitchFamily="34" charset="0"/>
               <a:buChar char="•"/>
             </a:pPr>
             <a:r>
-              <a:rPr lang="en-CA" sz="2400" dirty="0">
-                <a:latin typeface="Calibri" panose="020F0502020204030204" pitchFamily="34" charset="0"/>
-              </a:rPr>
-              <a:t>Data Issues</a:t>
-            </a:r>
-          </a:p>
-          <a:p>
-            <a:pPr marL="914400" lvl="1" indent="-457200">
-              <a:buFont typeface="Arial" panose="020B0604020202020204" pitchFamily="34" charset="0"/>
-              <a:buChar char="•"/>
-            </a:pPr>
-            <a:r>
-              <a:rPr lang="en-CA" sz="2400" dirty="0">
-                <a:latin typeface="Calibri" panose="020F0502020204030204" pitchFamily="34" charset="0"/>
-              </a:rPr>
-              <a:t>Sample size cut-offs</a:t>
-            </a:r>
-          </a:p>
-          <a:p>
-            <a:pPr marL="914400" lvl="1" indent="-457200">
-              <a:buFont typeface="Arial" panose="020B0604020202020204" pitchFamily="34" charset="0"/>
-              <a:buChar char="•"/>
-            </a:pPr>
-            <a:r>
-              <a:rPr lang="en-CA" sz="2400" dirty="0">
-                <a:latin typeface="Calibri" panose="020F0502020204030204" pitchFamily="34" charset="0"/>
-              </a:rPr>
-              <a:t>Considering data cut-offs</a:t>
-            </a:r>
-          </a:p>
-          <a:p>
-            <a:pPr lvl="1"/>
-            <a:endParaRPr lang="en-CA" sz="2400" dirty="0">
+              <a:rPr lang="en-CA" sz="2200" dirty="0">
+                <a:latin typeface="Calibri"/>
+                <a:cs typeface="Calibri"/>
+              </a:rPr>
+              <a:t>Analysis of Transfusions Per Days of Physician Service Per Patient</a:t>
+            </a:r>
+            <a:endParaRPr lang="en-CA" sz="2200" dirty="0">
               <a:latin typeface="Calibri" panose="020F0502020204030204" pitchFamily="34" charset="0"/>
+              <a:cs typeface="Calibri" panose="020F0502020204030204" pitchFamily="34" charset="0"/>
             </a:endParaRPr>
-          </a:p>
-          <a:p>
-            <a:pPr lvl="1"/>
-            <a:r>
-              <a:rPr lang="en-CA" sz="2400" b="1" dirty="0">
-                <a:solidFill>
-                  <a:srgbClr val="FF0000"/>
-                </a:solidFill>
-                <a:latin typeface="Calibri" panose="020F0502020204030204" pitchFamily="34" charset="0"/>
-              </a:rPr>
-              <a:t>Analysis of Transfusions Per Days of Service Per Patient</a:t>
-            </a:r>
           </a:p>
         </p:txBody>
       </p:sp>
@@ -6850,10 +6540,10 @@
       </p:grpSpPr>
       <p:pic>
         <p:nvPicPr>
-          <p:cNvPr id="3" name="Picture 2">
-            <a:extLst>
-              <a:ext uri="{FF2B5EF4-FFF2-40B4-BE49-F238E27FC236}">
-                <a16:creationId xmlns:a16="http://schemas.microsoft.com/office/drawing/2014/main" id="{6987B105-D69A-C559-9A54-ACA31707B6BA}"/>
+          <p:cNvPr id="5" name="Picture 4">
+            <a:extLst>
+              <a:ext uri="{FF2B5EF4-FFF2-40B4-BE49-F238E27FC236}">
+                <a16:creationId xmlns:a16="http://schemas.microsoft.com/office/drawing/2014/main" id="{52650C8E-F523-50D2-1F01-3C9612ED2911}"/>
               </a:ext>
             </a:extLst>
           </p:cNvPr>
@@ -6870,8 +6560,8 @@
         </p:blipFill>
         <p:spPr>
           <a:xfrm>
-            <a:off x="2072287" y="805323"/>
-            <a:ext cx="8443313" cy="5807393"/>
+            <a:off x="2073059" y="768151"/>
+            <a:ext cx="8578240" cy="5874932"/>
           </a:xfrm>
           <a:prstGeom prst="rect">
             <a:avLst/>
@@ -7183,7 +6873,7 @@
                 <a:spcPts val="0"/>
               </a:spcAft>
             </a:pPr>
-            <a:endParaRPr lang="en-CA" sz="2800" dirty="0">
+            <a:endParaRPr lang="en-CA" dirty="0">
               <a:latin typeface="Calibri" panose="020F0502020204030204" pitchFamily="34" charset="0"/>
             </a:endParaRPr>
           </a:p>
@@ -7497,7 +7187,7 @@
         <p:spPr>
           <a:xfrm>
             <a:off x="5930155" y="1804228"/>
-            <a:ext cx="6261846" cy="3539430"/>
+            <a:ext cx="6261846" cy="3385542"/>
           </a:xfrm>
           <a:prstGeom prst="rect">
             <a:avLst/>
@@ -7505,7 +7195,7 @@
           <a:noFill/>
         </p:spPr>
         <p:txBody>
-          <a:bodyPr wrap="square">
+          <a:bodyPr wrap="square" lIns="91440" tIns="45720" rIns="91440" bIns="45720" anchor="t">
             <a:spAutoFit/>
           </a:bodyPr>
           <a:lstStyle/>
@@ -7515,7 +7205,7 @@
               <a:buChar char="•"/>
             </a:pPr>
             <a:r>
-              <a:rPr lang="en-CA" sz="2000" dirty="0">
+              <a:rPr lang="en-CA" dirty="0">
                 <a:latin typeface="Calibri" panose="020F0502020204030204" pitchFamily="34" charset="0"/>
               </a:rPr>
               <a:t>Each module needs input from nearly the entire team</a:t>
@@ -7527,13 +7217,11 @@
               <a:buChar char="•"/>
             </a:pPr>
             <a:r>
-              <a:rPr lang="en-CA" sz="2000" b="1" dirty="0">
-                <a:solidFill>
-                  <a:srgbClr val="FF0000"/>
-                </a:solidFill>
-                <a:latin typeface="Calibri" panose="020F0502020204030204" pitchFamily="34" charset="0"/>
-              </a:rPr>
-              <a:t>+ Pilot User study</a:t>
+              <a:rPr lang="en-CA" dirty="0">
+                <a:latin typeface="Calibri"/>
+                <a:cs typeface="Calibri"/>
+              </a:rPr>
+              <a:t>+ Pilot User study (5-10 clinician pilot)</a:t>
             </a:r>
           </a:p>
           <a:p>
@@ -7541,7 +7229,7 @@
               <a:buFont typeface="Arial" panose="020B0604020202020204" pitchFamily="34" charset="0"/>
               <a:buChar char="•"/>
             </a:pPr>
-            <a:endParaRPr lang="en-CA" sz="2000" dirty="0">
+            <a:endParaRPr lang="en-CA" dirty="0">
               <a:latin typeface="Calibri" panose="020F0502020204030204" pitchFamily="34" charset="0"/>
             </a:endParaRPr>
           </a:p>
@@ -7551,7 +7239,7 @@
               <a:buChar char="•"/>
             </a:pPr>
             <a:r>
-              <a:rPr lang="en-CA" sz="2000" dirty="0">
+              <a:rPr lang="en-CA" dirty="0">
                 <a:latin typeface="Calibri" panose="020F0502020204030204" pitchFamily="34" charset="0"/>
               </a:rPr>
               <a:t>We will design more modules than we use</a:t>
@@ -7562,7 +7250,7 @@
               <a:buFont typeface="Arial" panose="020B0604020202020204" pitchFamily="34" charset="0"/>
               <a:buChar char="•"/>
             </a:pPr>
-            <a:endParaRPr lang="en-CA" sz="2000" dirty="0">
+            <a:endParaRPr lang="en-CA" dirty="0">
               <a:latin typeface="Calibri" panose="020F0502020204030204" pitchFamily="34" charset="0"/>
             </a:endParaRPr>
           </a:p>
@@ -7572,7 +7260,7 @@
               <a:buChar char="•"/>
             </a:pPr>
             <a:r>
-              <a:rPr lang="en-CA" sz="2000" dirty="0">
+              <a:rPr lang="en-CA" dirty="0">
                 <a:latin typeface="Calibri" panose="020F0502020204030204" pitchFamily="34" charset="0"/>
               </a:rPr>
               <a:t>Customize modules displayed by </a:t>
@@ -7584,7 +7272,7 @@
               <a:buChar char="•"/>
             </a:pPr>
             <a:r>
-              <a:rPr lang="en-CA" sz="1600" dirty="0">
+              <a:rPr lang="en-CA" sz="1400" dirty="0">
                 <a:latin typeface="Calibri" panose="020F0502020204030204" pitchFamily="34" charset="0"/>
               </a:rPr>
               <a:t>1) study arm </a:t>
@@ -7596,7 +7284,7 @@
               <a:buChar char="•"/>
             </a:pPr>
             <a:r>
-              <a:rPr lang="en-CA" sz="1600" dirty="0">
+              <a:rPr lang="en-CA" sz="1400" dirty="0">
                 <a:latin typeface="Calibri" panose="020F0502020204030204" pitchFamily="34" charset="0"/>
               </a:rPr>
               <a:t>2) user type </a:t>
@@ -7607,7 +7295,7 @@
               <a:buFont typeface="Arial" panose="020B0604020202020204" pitchFamily="34" charset="0"/>
               <a:buChar char="•"/>
             </a:pPr>
-            <a:endParaRPr lang="en-CA" sz="2000" dirty="0">
+            <a:endParaRPr lang="en-CA" dirty="0">
               <a:latin typeface="Calibri" panose="020F0502020204030204" pitchFamily="34" charset="0"/>
             </a:endParaRPr>
           </a:p>
@@ -7617,7 +7305,7 @@
               <a:buChar char="•"/>
             </a:pPr>
             <a:r>
-              <a:rPr lang="en-CA" sz="2000" dirty="0">
+              <a:rPr lang="en-CA" dirty="0">
                 <a:latin typeface="Calibri" panose="020F0502020204030204" pitchFamily="34" charset="0"/>
               </a:rPr>
               <a:t>Iterate over time, swap modules for improved versions</a:t>
@@ -7629,10 +7317,10 @@
               <a:buChar char="•"/>
             </a:pPr>
             <a:r>
-              <a:rPr lang="en-CA" sz="1600" dirty="0">
-                <a:latin typeface="Calibri" panose="020F0502020204030204" pitchFamily="34" charset="0"/>
-              </a:rPr>
-              <a:t>Performance</a:t>
+              <a:rPr lang="en-CA" sz="1400" dirty="0">
+                <a:latin typeface="Calibri" panose="020F0502020204030204" pitchFamily="34" charset="0"/>
+              </a:rPr>
+              <a:t>Performance </a:t>
             </a:r>
           </a:p>
           <a:p>
@@ -7641,12 +7329,24 @@
               <a:buChar char="•"/>
             </a:pPr>
             <a:r>
-              <a:rPr lang="en-CA" sz="1600" dirty="0">
-                <a:latin typeface="Calibri" panose="020F0502020204030204" pitchFamily="34" charset="0"/>
-              </a:rPr>
-              <a:t>Feedback</a:t>
-            </a:r>
-            <a:endParaRPr lang="en-US" sz="1600" dirty="0"/>
+              <a:rPr lang="en-CA" sz="1400" dirty="0">
+                <a:latin typeface="Calibri" panose="020F0502020204030204" pitchFamily="34" charset="0"/>
+              </a:rPr>
+              <a:t>Feedback (feedback button/textbox)</a:t>
+            </a:r>
+          </a:p>
+          <a:p>
+            <a:pPr marL="742950" lvl="1" indent="-285750">
+              <a:buFont typeface="Arial" panose="020B0604020202020204" pitchFamily="34" charset="0"/>
+              <a:buChar char="•"/>
+            </a:pPr>
+            <a:r>
+              <a:rPr lang="en-CA" sz="1400" dirty="0">
+                <a:latin typeface="Calibri" panose="020F0502020204030204" pitchFamily="34" charset="0"/>
+              </a:rPr>
+              <a:t>Engagement (+clicks, time spent, a/b testing)</a:t>
+            </a:r>
+            <a:endParaRPr lang="en-US" sz="1400" dirty="0"/>
           </a:p>
         </p:txBody>
       </p:sp>
@@ -7860,10 +7560,10 @@
       </p:grpSpPr>
       <p:pic>
         <p:nvPicPr>
-          <p:cNvPr id="3" name="Picture 2">
-            <a:extLst>
-              <a:ext uri="{FF2B5EF4-FFF2-40B4-BE49-F238E27FC236}">
-                <a16:creationId xmlns:a16="http://schemas.microsoft.com/office/drawing/2014/main" id="{6987B105-D69A-C559-9A54-ACA31707B6BA}"/>
+          <p:cNvPr id="5" name="Picture 4">
+            <a:extLst>
+              <a:ext uri="{FF2B5EF4-FFF2-40B4-BE49-F238E27FC236}">
+                <a16:creationId xmlns:a16="http://schemas.microsoft.com/office/drawing/2014/main" id="{29FF48B0-CEF2-39CF-34D3-8E5BFEE957BD}"/>
               </a:ext>
             </a:extLst>
           </p:cNvPr>
@@ -7880,8 +7580,8 @@
         </p:blipFill>
         <p:spPr>
           <a:xfrm>
-            <a:off x="2072287" y="805323"/>
-            <a:ext cx="8443313" cy="5807393"/>
+            <a:off x="2073059" y="872534"/>
+            <a:ext cx="8578240" cy="5874932"/>
           </a:xfrm>
           <a:prstGeom prst="rect">
             <a:avLst/>
@@ -8415,7 +8115,7 @@
         </p:nvSpPr>
         <p:spPr>
           <a:xfrm>
-            <a:off x="209202" y="2964812"/>
+            <a:off x="228600" y="2546747"/>
             <a:ext cx="6098240" cy="1200329"/>
           </a:xfrm>
           <a:prstGeom prst="rect">
@@ -8486,7 +8186,7 @@
         </p:nvSpPr>
         <p:spPr>
           <a:xfrm>
-            <a:off x="209202" y="4537040"/>
+            <a:off x="228600" y="3871466"/>
             <a:ext cx="6098240" cy="1938992"/>
           </a:xfrm>
           <a:prstGeom prst="rect">
@@ -8570,6 +8270,65 @@
             <a:endParaRPr lang="en-CA" sz="2400" dirty="0">
               <a:latin typeface="Calibri" panose="020F0502020204030204" pitchFamily="34" charset="0"/>
             </a:endParaRPr>
+          </a:p>
+        </p:txBody>
+      </p:sp>
+      <p:sp>
+        <p:nvSpPr>
+          <p:cNvPr id="2" name="TextBox 1">
+            <a:extLst>
+              <a:ext uri="{FF2B5EF4-FFF2-40B4-BE49-F238E27FC236}">
+                <a16:creationId xmlns:a16="http://schemas.microsoft.com/office/drawing/2014/main" id="{1BA0D566-BA24-6F2B-DCD8-603683112B1B}"/>
+              </a:ext>
+            </a:extLst>
+          </p:cNvPr>
+          <p:cNvSpPr txBox="1"/>
+          <p:nvPr/>
+        </p:nvSpPr>
+        <p:spPr>
+          <a:xfrm>
+            <a:off x="228600" y="5457802"/>
+            <a:ext cx="5273040" cy="830997"/>
+          </a:xfrm>
+          <a:prstGeom prst="rect">
+            <a:avLst/>
+          </a:prstGeom>
+          <a:noFill/>
+        </p:spPr>
+        <p:txBody>
+          <a:bodyPr wrap="square">
+            <a:spAutoFit/>
+          </a:bodyPr>
+          <a:lstStyle/>
+          <a:p>
+            <a:pPr marL="457200" marR="0" indent="-457200">
+              <a:spcBef>
+                <a:spcPts val="0"/>
+              </a:spcBef>
+              <a:spcAft>
+                <a:spcPts val="0"/>
+              </a:spcAft>
+              <a:buFont typeface="Arial" panose="020B0604020202020204" pitchFamily="34" charset="0"/>
+              <a:buChar char="•"/>
+            </a:pPr>
+            <a:r>
+              <a:rPr lang="en-CA" sz="2400" dirty="0">
+                <a:latin typeface="Calibri" panose="020F0502020204030204" pitchFamily="34" charset="0"/>
+              </a:rPr>
+              <a:t>Engagement</a:t>
+            </a:r>
+          </a:p>
+          <a:p>
+            <a:pPr marL="914400" lvl="1" indent="-457200">
+              <a:buFont typeface="Arial" panose="020B0604020202020204" pitchFamily="34" charset="0"/>
+              <a:buChar char="•"/>
+            </a:pPr>
+            <a:r>
+              <a:rPr lang="en-CA" sz="2400" dirty="0">
+                <a:latin typeface="Calibri" panose="020F0502020204030204" pitchFamily="34" charset="0"/>
+              </a:rPr>
+              <a:t>Physician champions/leads</a:t>
+            </a:r>
           </a:p>
         </p:txBody>
       </p:sp>
@@ -8605,10 +8364,10 @@
       </p:grpSpPr>
       <p:pic>
         <p:nvPicPr>
-          <p:cNvPr id="3" name="Picture 2">
-            <a:extLst>
-              <a:ext uri="{FF2B5EF4-FFF2-40B4-BE49-F238E27FC236}">
-                <a16:creationId xmlns:a16="http://schemas.microsoft.com/office/drawing/2014/main" id="{6987B105-D69A-C559-9A54-ACA31707B6BA}"/>
+          <p:cNvPr id="5" name="Picture 4">
+            <a:extLst>
+              <a:ext uri="{FF2B5EF4-FFF2-40B4-BE49-F238E27FC236}">
+                <a16:creationId xmlns:a16="http://schemas.microsoft.com/office/drawing/2014/main" id="{271137D4-2C9E-E5B9-A91D-B0DF16F5E25E}"/>
               </a:ext>
             </a:extLst>
           </p:cNvPr>
@@ -8625,8 +8384,8 @@
         </p:blipFill>
         <p:spPr>
           <a:xfrm>
-            <a:off x="2072287" y="805323"/>
-            <a:ext cx="8443313" cy="5807393"/>
+            <a:off x="2073059" y="768151"/>
+            <a:ext cx="8578240" cy="5874932"/>
           </a:xfrm>
           <a:prstGeom prst="rect">
             <a:avLst/>

--- a/GADGET_Blueprint_1.pptx
+++ b/GADGET_Blueprint_1.pptx
@@ -133,6 +133,681 @@
 </p1510:revInfo>
 </file>
 
+<file path=ppt/changesInfos/changesInfo1.xml><?xml version="1.0" encoding="utf-8"?>
+<pc:chgInfo xmlns:a="http://schemas.openxmlformats.org/drawingml/2006/main" xmlns:r="http://schemas.openxmlformats.org/officeDocument/2006/relationships" xmlns:ac="http://schemas.microsoft.com/office/drawing/2013/main/command" xmlns:pc="http://schemas.microsoft.com/office/powerpoint/2013/main/command">
+  <pc:docChgLst>
+    <pc:chgData name="Sheharyar Raza" userId="S::s.raza@mail.utoronto.ca::6296120c-4620-4e6e-b0cf-8bfa191d4497" providerId="AD" clId="Web-{DDE15FC7-7C2B-D07D-9447-9DE7973F5AFA}"/>
+    <pc:docChg chg="modSld">
+      <pc:chgData name="Sheharyar Raza" userId="S::s.raza@mail.utoronto.ca::6296120c-4620-4e6e-b0cf-8bfa191d4497" providerId="AD" clId="Web-{DDE15FC7-7C2B-D07D-9447-9DE7973F5AFA}" dt="2023-08-08T12:27:07.426" v="117" actId="1076"/>
+      <pc:docMkLst>
+        <pc:docMk/>
+      </pc:docMkLst>
+      <pc:sldChg chg="modSp">
+        <pc:chgData name="Sheharyar Raza" userId="S::s.raza@mail.utoronto.ca::6296120c-4620-4e6e-b0cf-8bfa191d4497" providerId="AD" clId="Web-{DDE15FC7-7C2B-D07D-9447-9DE7973F5AFA}" dt="2023-08-08T12:20:32.560" v="52" actId="20577"/>
+        <pc:sldMkLst>
+          <pc:docMk/>
+          <pc:sldMk cId="3307915255" sldId="257"/>
+        </pc:sldMkLst>
+        <pc:spChg chg="mod">
+          <ac:chgData name="Sheharyar Raza" userId="S::s.raza@mail.utoronto.ca::6296120c-4620-4e6e-b0cf-8bfa191d4497" providerId="AD" clId="Web-{DDE15FC7-7C2B-D07D-9447-9DE7973F5AFA}" dt="2023-08-08T12:20:32.560" v="52" actId="20577"/>
+          <ac:spMkLst>
+            <pc:docMk/>
+            <pc:sldMk cId="3307915255" sldId="257"/>
+            <ac:spMk id="14" creationId="{65E2AE2B-037A-ABD1-CF6E-EA3D29BB2524}"/>
+          </ac:spMkLst>
+        </pc:spChg>
+      </pc:sldChg>
+      <pc:sldChg chg="modSp">
+        <pc:chgData name="Sheharyar Raza" userId="S::s.raza@mail.utoronto.ca::6296120c-4620-4e6e-b0cf-8bfa191d4497" providerId="AD" clId="Web-{DDE15FC7-7C2B-D07D-9447-9DE7973F5AFA}" dt="2023-08-08T12:22:39.344" v="60" actId="20577"/>
+        <pc:sldMkLst>
+          <pc:docMk/>
+          <pc:sldMk cId="2998437829" sldId="258"/>
+        </pc:sldMkLst>
+        <pc:spChg chg="mod">
+          <ac:chgData name="Sheharyar Raza" userId="S::s.raza@mail.utoronto.ca::6296120c-4620-4e6e-b0cf-8bfa191d4497" providerId="AD" clId="Web-{DDE15FC7-7C2B-D07D-9447-9DE7973F5AFA}" dt="2023-08-08T12:21:51.437" v="57" actId="20577"/>
+          <ac:spMkLst>
+            <pc:docMk/>
+            <pc:sldMk cId="2998437829" sldId="258"/>
+            <ac:spMk id="8" creationId="{C1573124-ECB0-A949-8795-03D4F02F5862}"/>
+          </ac:spMkLst>
+        </pc:spChg>
+        <pc:spChg chg="mod">
+          <ac:chgData name="Sheharyar Raza" userId="S::s.raza@mail.utoronto.ca::6296120c-4620-4e6e-b0cf-8bfa191d4497" providerId="AD" clId="Web-{DDE15FC7-7C2B-D07D-9447-9DE7973F5AFA}" dt="2023-08-08T12:22:39.344" v="60" actId="20577"/>
+          <ac:spMkLst>
+            <pc:docMk/>
+            <pc:sldMk cId="2998437829" sldId="258"/>
+            <ac:spMk id="14" creationId="{65E2AE2B-037A-ABD1-CF6E-EA3D29BB2524}"/>
+          </ac:spMkLst>
+        </pc:spChg>
+      </pc:sldChg>
+      <pc:sldChg chg="modSp">
+        <pc:chgData name="Sheharyar Raza" userId="S::s.raza@mail.utoronto.ca::6296120c-4620-4e6e-b0cf-8bfa191d4497" providerId="AD" clId="Web-{DDE15FC7-7C2B-D07D-9447-9DE7973F5AFA}" dt="2023-08-08T12:21:27.624" v="54" actId="20577"/>
+        <pc:sldMkLst>
+          <pc:docMk/>
+          <pc:sldMk cId="2881327137" sldId="259"/>
+        </pc:sldMkLst>
+        <pc:spChg chg="mod">
+          <ac:chgData name="Sheharyar Raza" userId="S::s.raza@mail.utoronto.ca::6296120c-4620-4e6e-b0cf-8bfa191d4497" providerId="AD" clId="Web-{DDE15FC7-7C2B-D07D-9447-9DE7973F5AFA}" dt="2023-08-08T12:21:27.624" v="54" actId="20577"/>
+          <ac:spMkLst>
+            <pc:docMk/>
+            <pc:sldMk cId="2881327137" sldId="259"/>
+            <ac:spMk id="12" creationId="{EFE37BAF-6A00-002C-F61E-31FC329FD87A}"/>
+          </ac:spMkLst>
+        </pc:spChg>
+      </pc:sldChg>
+      <pc:sldChg chg="modSp">
+        <pc:chgData name="Sheharyar Raza" userId="S::s.raza@mail.utoronto.ca::6296120c-4620-4e6e-b0cf-8bfa191d4497" providerId="AD" clId="Web-{DDE15FC7-7C2B-D07D-9447-9DE7973F5AFA}" dt="2023-08-08T12:27:07.426" v="117" actId="1076"/>
+        <pc:sldMkLst>
+          <pc:docMk/>
+          <pc:sldMk cId="4202583680" sldId="261"/>
+        </pc:sldMkLst>
+        <pc:spChg chg="mod">
+          <ac:chgData name="Sheharyar Raza" userId="S::s.raza@mail.utoronto.ca::6296120c-4620-4e6e-b0cf-8bfa191d4497" providerId="AD" clId="Web-{DDE15FC7-7C2B-D07D-9447-9DE7973F5AFA}" dt="2023-08-08T12:27:04.207" v="116" actId="20577"/>
+          <ac:spMkLst>
+            <pc:docMk/>
+            <pc:sldMk cId="4202583680" sldId="261"/>
+            <ac:spMk id="3" creationId="{B33E8331-9E4C-8F2C-B3C4-B8F160674534}"/>
+          </ac:spMkLst>
+        </pc:spChg>
+        <pc:spChg chg="mod">
+          <ac:chgData name="Sheharyar Raza" userId="S::s.raza@mail.utoronto.ca::6296120c-4620-4e6e-b0cf-8bfa191d4497" providerId="AD" clId="Web-{DDE15FC7-7C2B-D07D-9447-9DE7973F5AFA}" dt="2023-08-08T12:27:07.426" v="117" actId="1076"/>
+          <ac:spMkLst>
+            <pc:docMk/>
+            <pc:sldMk cId="4202583680" sldId="261"/>
+            <ac:spMk id="6" creationId="{11EC087D-57EF-CE6D-9574-6D8AF6F23B88}"/>
+          </ac:spMkLst>
+        </pc:spChg>
+        <pc:spChg chg="mod">
+          <ac:chgData name="Sheharyar Raza" userId="S::s.raza@mail.utoronto.ca::6296120c-4620-4e6e-b0cf-8bfa191d4497" providerId="AD" clId="Web-{DDE15FC7-7C2B-D07D-9447-9DE7973F5AFA}" dt="2023-08-08T12:26:50.129" v="110" actId="20577"/>
+          <ac:spMkLst>
+            <pc:docMk/>
+            <pc:sldMk cId="4202583680" sldId="261"/>
+            <ac:spMk id="8" creationId="{C1573124-ECB0-A949-8795-03D4F02F5862}"/>
+          </ac:spMkLst>
+        </pc:spChg>
+        <pc:spChg chg="mod">
+          <ac:chgData name="Sheharyar Raza" userId="S::s.raza@mail.utoronto.ca::6296120c-4620-4e6e-b0cf-8bfa191d4497" providerId="AD" clId="Web-{DDE15FC7-7C2B-D07D-9447-9DE7973F5AFA}" dt="2023-08-08T12:26:39.988" v="108" actId="1076"/>
+          <ac:spMkLst>
+            <pc:docMk/>
+            <pc:sldMk cId="4202583680" sldId="261"/>
+            <ac:spMk id="12" creationId="{EFE37BAF-6A00-002C-F61E-31FC329FD87A}"/>
+          </ac:spMkLst>
+        </pc:spChg>
+        <pc:spChg chg="mod">
+          <ac:chgData name="Sheharyar Raza" userId="S::s.raza@mail.utoronto.ca::6296120c-4620-4e6e-b0cf-8bfa191d4497" providerId="AD" clId="Web-{DDE15FC7-7C2B-D07D-9447-9DE7973F5AFA}" dt="2023-08-08T12:26:54.051" v="112" actId="20577"/>
+          <ac:spMkLst>
+            <pc:docMk/>
+            <pc:sldMk cId="4202583680" sldId="261"/>
+            <ac:spMk id="14" creationId="{65E2AE2B-037A-ABD1-CF6E-EA3D29BB2524}"/>
+          </ac:spMkLst>
+        </pc:spChg>
+      </pc:sldChg>
+      <pc:sldChg chg="addSp delSp modSp">
+        <pc:chgData name="Sheharyar Raza" userId="S::s.raza@mail.utoronto.ca::6296120c-4620-4e6e-b0cf-8bfa191d4497" providerId="AD" clId="Web-{DDE15FC7-7C2B-D07D-9447-9DE7973F5AFA}" dt="2023-08-08T12:24:29.299" v="76" actId="1076"/>
+        <pc:sldMkLst>
+          <pc:docMk/>
+          <pc:sldMk cId="4238406430" sldId="262"/>
+        </pc:sldMkLst>
+        <pc:spChg chg="topLvl">
+          <ac:chgData name="Sheharyar Raza" userId="S::s.raza@mail.utoronto.ca::6296120c-4620-4e6e-b0cf-8bfa191d4497" providerId="AD" clId="Web-{DDE15FC7-7C2B-D07D-9447-9DE7973F5AFA}" dt="2023-08-08T12:24:18.017" v="71"/>
+          <ac:spMkLst>
+            <pc:docMk/>
+            <pc:sldMk cId="4238406430" sldId="262"/>
+            <ac:spMk id="6" creationId="{96775BD2-BEB9-A2B7-5357-24CAADA00636}"/>
+          </ac:spMkLst>
+        </pc:spChg>
+        <pc:grpChg chg="add del">
+          <ac:chgData name="Sheharyar Raza" userId="S::s.raza@mail.utoronto.ca::6296120c-4620-4e6e-b0cf-8bfa191d4497" providerId="AD" clId="Web-{DDE15FC7-7C2B-D07D-9447-9DE7973F5AFA}" dt="2023-08-08T12:24:18.017" v="71"/>
+          <ac:grpSpMkLst>
+            <pc:docMk/>
+            <pc:sldMk cId="4238406430" sldId="262"/>
+            <ac:grpSpMk id="5" creationId="{6698DBCC-FBE9-7604-7E25-17245E343465}"/>
+          </ac:grpSpMkLst>
+        </pc:grpChg>
+        <pc:picChg chg="add mod ord topLvl">
+          <ac:chgData name="Sheharyar Raza" userId="S::s.raza@mail.utoronto.ca::6296120c-4620-4e6e-b0cf-8bfa191d4497" providerId="AD" clId="Web-{DDE15FC7-7C2B-D07D-9447-9DE7973F5AFA}" dt="2023-08-08T12:24:29.299" v="76" actId="1076"/>
+          <ac:picMkLst>
+            <pc:docMk/>
+            <pc:sldMk cId="4238406430" sldId="262"/>
+            <ac:picMk id="2" creationId="{622D6780-AFFF-6B7F-795B-24B1EB03ED57}"/>
+          </ac:picMkLst>
+        </pc:picChg>
+        <pc:picChg chg="del">
+          <ac:chgData name="Sheharyar Raza" userId="S::s.raza@mail.utoronto.ca::6296120c-4620-4e6e-b0cf-8bfa191d4497" providerId="AD" clId="Web-{DDE15FC7-7C2B-D07D-9447-9DE7973F5AFA}" dt="2023-08-08T12:23:42.876" v="61"/>
+          <ac:picMkLst>
+            <pc:docMk/>
+            <pc:sldMk cId="4238406430" sldId="262"/>
+            <ac:picMk id="3" creationId="{6987B105-D69A-C559-9A54-ACA31707B6BA}"/>
+          </ac:picMkLst>
+        </pc:picChg>
+      </pc:sldChg>
+      <pc:sldChg chg="addSp delSp modSp">
+        <pc:chgData name="Sheharyar Raza" userId="S::s.raza@mail.utoronto.ca::6296120c-4620-4e6e-b0cf-8bfa191d4497" providerId="AD" clId="Web-{DDE15FC7-7C2B-D07D-9447-9DE7973F5AFA}" dt="2023-08-08T12:25:30.222" v="92" actId="1076"/>
+        <pc:sldMkLst>
+          <pc:docMk/>
+          <pc:sldMk cId="2040635691" sldId="263"/>
+        </pc:sldMkLst>
+        <pc:picChg chg="del">
+          <ac:chgData name="Sheharyar Raza" userId="S::s.raza@mail.utoronto.ca::6296120c-4620-4e6e-b0cf-8bfa191d4497" providerId="AD" clId="Web-{DDE15FC7-7C2B-D07D-9447-9DE7973F5AFA}" dt="2023-08-08T12:25:22.237" v="89"/>
+          <ac:picMkLst>
+            <pc:docMk/>
+            <pc:sldMk cId="2040635691" sldId="263"/>
+            <ac:picMk id="3" creationId="{6987B105-D69A-C559-9A54-ACA31707B6BA}"/>
+          </ac:picMkLst>
+        </pc:picChg>
+        <pc:picChg chg="add mod ord">
+          <ac:chgData name="Sheharyar Raza" userId="S::s.raza@mail.utoronto.ca::6296120c-4620-4e6e-b0cf-8bfa191d4497" providerId="AD" clId="Web-{DDE15FC7-7C2B-D07D-9447-9DE7973F5AFA}" dt="2023-08-08T12:25:30.222" v="92" actId="1076"/>
+          <ac:picMkLst>
+            <pc:docMk/>
+            <pc:sldMk cId="2040635691" sldId="263"/>
+            <ac:picMk id="5" creationId="{271137D4-2C9E-E5B9-A91D-B0DF16F5E25E}"/>
+          </ac:picMkLst>
+        </pc:picChg>
+      </pc:sldChg>
+      <pc:sldChg chg="addSp delSp modSp">
+        <pc:chgData name="Sheharyar Raza" userId="S::s.raza@mail.utoronto.ca::6296120c-4620-4e6e-b0cf-8bfa191d4497" providerId="AD" clId="Web-{DDE15FC7-7C2B-D07D-9447-9DE7973F5AFA}" dt="2023-08-08T12:25:16.659" v="88" actId="1076"/>
+        <pc:sldMkLst>
+          <pc:docMk/>
+          <pc:sldMk cId="1419707540" sldId="264"/>
+        </pc:sldMkLst>
+        <pc:picChg chg="del">
+          <ac:chgData name="Sheharyar Raza" userId="S::s.raza@mail.utoronto.ca::6296120c-4620-4e6e-b0cf-8bfa191d4497" providerId="AD" clId="Web-{DDE15FC7-7C2B-D07D-9447-9DE7973F5AFA}" dt="2023-08-08T12:25:06.049" v="85"/>
+          <ac:picMkLst>
+            <pc:docMk/>
+            <pc:sldMk cId="1419707540" sldId="264"/>
+            <ac:picMk id="3" creationId="{6987B105-D69A-C559-9A54-ACA31707B6BA}"/>
+          </ac:picMkLst>
+        </pc:picChg>
+        <pc:picChg chg="add mod ord">
+          <ac:chgData name="Sheharyar Raza" userId="S::s.raza@mail.utoronto.ca::6296120c-4620-4e6e-b0cf-8bfa191d4497" providerId="AD" clId="Web-{DDE15FC7-7C2B-D07D-9447-9DE7973F5AFA}" dt="2023-08-08T12:25:16.659" v="88" actId="1076"/>
+          <ac:picMkLst>
+            <pc:docMk/>
+            <pc:sldMk cId="1419707540" sldId="264"/>
+            <ac:picMk id="5" creationId="{29FF48B0-CEF2-39CF-34D3-8E5BFEE957BD}"/>
+          </ac:picMkLst>
+        </pc:picChg>
+      </pc:sldChg>
+      <pc:sldChg chg="addSp delSp modSp">
+        <pc:chgData name="Sheharyar Raza" userId="S::s.raza@mail.utoronto.ca::6296120c-4620-4e6e-b0cf-8bfa191d4497" providerId="AD" clId="Web-{DDE15FC7-7C2B-D07D-9447-9DE7973F5AFA}" dt="2023-08-08T12:25:02.315" v="84" actId="1076"/>
+        <pc:sldMkLst>
+          <pc:docMk/>
+          <pc:sldMk cId="86980882" sldId="265"/>
+        </pc:sldMkLst>
+        <pc:picChg chg="del">
+          <ac:chgData name="Sheharyar Raza" userId="S::s.raza@mail.utoronto.ca::6296120c-4620-4e6e-b0cf-8bfa191d4497" providerId="AD" clId="Web-{DDE15FC7-7C2B-D07D-9447-9DE7973F5AFA}" dt="2023-08-08T12:24:52.346" v="81"/>
+          <ac:picMkLst>
+            <pc:docMk/>
+            <pc:sldMk cId="86980882" sldId="265"/>
+            <ac:picMk id="3" creationId="{6987B105-D69A-C559-9A54-ACA31707B6BA}"/>
+          </ac:picMkLst>
+        </pc:picChg>
+        <pc:picChg chg="add mod ord">
+          <ac:chgData name="Sheharyar Raza" userId="S::s.raza@mail.utoronto.ca::6296120c-4620-4e6e-b0cf-8bfa191d4497" providerId="AD" clId="Web-{DDE15FC7-7C2B-D07D-9447-9DE7973F5AFA}" dt="2023-08-08T12:25:02.315" v="84" actId="1076"/>
+          <ac:picMkLst>
+            <pc:docMk/>
+            <pc:sldMk cId="86980882" sldId="265"/>
+            <ac:picMk id="5" creationId="{52650C8E-F523-50D2-1F01-3C9612ED2911}"/>
+          </ac:picMkLst>
+        </pc:picChg>
+      </pc:sldChg>
+      <pc:sldChg chg="addSp delSp modSp">
+        <pc:chgData name="Sheharyar Raza" userId="S::s.raza@mail.utoronto.ca::6296120c-4620-4e6e-b0cf-8bfa191d4497" providerId="AD" clId="Web-{DDE15FC7-7C2B-D07D-9447-9DE7973F5AFA}" dt="2023-08-08T12:24:47.158" v="80" actId="1076"/>
+        <pc:sldMkLst>
+          <pc:docMk/>
+          <pc:sldMk cId="1642043387" sldId="266"/>
+        </pc:sldMkLst>
+        <pc:spChg chg="add mod">
+          <ac:chgData name="Sheharyar Raza" userId="S::s.raza@mail.utoronto.ca::6296120c-4620-4e6e-b0cf-8bfa191d4497" providerId="AD" clId="Web-{DDE15FC7-7C2B-D07D-9447-9DE7973F5AFA}" dt="2023-08-08T12:24:47.158" v="80" actId="1076"/>
+          <ac:spMkLst>
+            <pc:docMk/>
+            <pc:sldMk cId="1642043387" sldId="266"/>
+            <ac:spMk id="8" creationId="{0713B5AA-85D4-A323-38E8-FC86A738D330}"/>
+          </ac:spMkLst>
+        </pc:spChg>
+        <pc:picChg chg="del">
+          <ac:chgData name="Sheharyar Raza" userId="S::s.raza@mail.utoronto.ca::6296120c-4620-4e6e-b0cf-8bfa191d4497" providerId="AD" clId="Web-{DDE15FC7-7C2B-D07D-9447-9DE7973F5AFA}" dt="2023-08-08T12:24:34.893" v="77"/>
+          <ac:picMkLst>
+            <pc:docMk/>
+            <pc:sldMk cId="1642043387" sldId="266"/>
+            <ac:picMk id="3" creationId="{6987B105-D69A-C559-9A54-ACA31707B6BA}"/>
+          </ac:picMkLst>
+        </pc:picChg>
+        <pc:picChg chg="add">
+          <ac:chgData name="Sheharyar Raza" userId="S::s.raza@mail.utoronto.ca::6296120c-4620-4e6e-b0cf-8bfa191d4497" providerId="AD" clId="Web-{DDE15FC7-7C2B-D07D-9447-9DE7973F5AFA}" dt="2023-08-08T12:24:35.283" v="78"/>
+          <ac:picMkLst>
+            <pc:docMk/>
+            <pc:sldMk cId="1642043387" sldId="266"/>
+            <ac:picMk id="5" creationId="{4241B189-BF36-ED55-D7F9-1BAED68550FA}"/>
+          </ac:picMkLst>
+        </pc:picChg>
+      </pc:sldChg>
+    </pc:docChg>
+  </pc:docChgLst>
+  <pc:docChgLst>
+    <pc:chgData name="Sheharyar Raza" userId="6296120c-4620-4e6e-b0cf-8bfa191d4497" providerId="ADAL" clId="{904EA3BE-E951-4442-9925-9ECA9C6DAF99}"/>
+    <pc:docChg chg="undo custSel addSld delSld modSld sldOrd modShowInfo">
+      <pc:chgData name="Sheharyar Raza" userId="6296120c-4620-4e6e-b0cf-8bfa191d4497" providerId="ADAL" clId="{904EA3BE-E951-4442-9925-9ECA9C6DAF99}" dt="2023-07-17T16:49:43.737" v="5792" actId="20577"/>
+      <pc:docMkLst>
+        <pc:docMk/>
+      </pc:docMkLst>
+      <pc:sldChg chg="add del">
+        <pc:chgData name="Sheharyar Raza" userId="6296120c-4620-4e6e-b0cf-8bfa191d4497" providerId="ADAL" clId="{904EA3BE-E951-4442-9925-9ECA9C6DAF99}" dt="2023-07-07T18:03:34.016" v="4695" actId="2696"/>
+        <pc:sldMkLst>
+          <pc:docMk/>
+          <pc:sldMk cId="2650380005" sldId="256"/>
+        </pc:sldMkLst>
+      </pc:sldChg>
+      <pc:sldChg chg="delSp modSp add mod ord modAnim modNotesTx">
+        <pc:chgData name="Sheharyar Raza" userId="6296120c-4620-4e6e-b0cf-8bfa191d4497" providerId="ADAL" clId="{904EA3BE-E951-4442-9925-9ECA9C6DAF99}" dt="2023-07-17T16:34:29.081" v="5471" actId="20577"/>
+        <pc:sldMkLst>
+          <pc:docMk/>
+          <pc:sldMk cId="3307915255" sldId="257"/>
+        </pc:sldMkLst>
+        <pc:spChg chg="mod">
+          <ac:chgData name="Sheharyar Raza" userId="6296120c-4620-4e6e-b0cf-8bfa191d4497" providerId="ADAL" clId="{904EA3BE-E951-4442-9925-9ECA9C6DAF99}" dt="2023-07-07T14:35:20.038" v="88" actId="20577"/>
+          <ac:spMkLst>
+            <pc:docMk/>
+            <pc:sldMk cId="3307915255" sldId="257"/>
+            <ac:spMk id="5" creationId="{5B66FC1D-A38B-1903-D170-294A412091AA}"/>
+          </ac:spMkLst>
+        </pc:spChg>
+        <pc:spChg chg="del">
+          <ac:chgData name="Sheharyar Raza" userId="6296120c-4620-4e6e-b0cf-8bfa191d4497" providerId="ADAL" clId="{904EA3BE-E951-4442-9925-9ECA9C6DAF99}" dt="2023-07-07T14:35:23.053" v="89" actId="478"/>
+          <ac:spMkLst>
+            <pc:docMk/>
+            <pc:sldMk cId="3307915255" sldId="257"/>
+            <ac:spMk id="6" creationId="{FA38E15C-2F72-A97C-3D80-03F4199757B7}"/>
+          </ac:spMkLst>
+        </pc:spChg>
+        <pc:spChg chg="mod">
+          <ac:chgData name="Sheharyar Raza" userId="6296120c-4620-4e6e-b0cf-8bfa191d4497" providerId="ADAL" clId="{904EA3BE-E951-4442-9925-9ECA9C6DAF99}" dt="2023-07-17T14:00:31.230" v="4873" actId="20577"/>
+          <ac:spMkLst>
+            <pc:docMk/>
+            <pc:sldMk cId="3307915255" sldId="257"/>
+            <ac:spMk id="8" creationId="{C1573124-ECB0-A949-8795-03D4F02F5862}"/>
+          </ac:spMkLst>
+        </pc:spChg>
+        <pc:spChg chg="mod">
+          <ac:chgData name="Sheharyar Raza" userId="6296120c-4620-4e6e-b0cf-8bfa191d4497" providerId="ADAL" clId="{904EA3BE-E951-4442-9925-9ECA9C6DAF99}" dt="2023-07-17T16:34:29.081" v="5471" actId="20577"/>
+          <ac:spMkLst>
+            <pc:docMk/>
+            <pc:sldMk cId="3307915255" sldId="257"/>
+            <ac:spMk id="14" creationId="{65E2AE2B-037A-ABD1-CF6E-EA3D29BB2524}"/>
+          </ac:spMkLst>
+        </pc:spChg>
+      </pc:sldChg>
+      <pc:sldChg chg="delSp modSp add mod ord modAnim modNotesTx">
+        <pc:chgData name="Sheharyar Raza" userId="6296120c-4620-4e6e-b0cf-8bfa191d4497" providerId="ADAL" clId="{904EA3BE-E951-4442-9925-9ECA9C6DAF99}" dt="2023-07-17T16:21:02.464" v="5254" actId="207"/>
+        <pc:sldMkLst>
+          <pc:docMk/>
+          <pc:sldMk cId="2998437829" sldId="258"/>
+        </pc:sldMkLst>
+        <pc:spChg chg="mod">
+          <ac:chgData name="Sheharyar Raza" userId="6296120c-4620-4e6e-b0cf-8bfa191d4497" providerId="ADAL" clId="{904EA3BE-E951-4442-9925-9ECA9C6DAF99}" dt="2023-07-07T18:02:58.968" v="4692" actId="207"/>
+          <ac:spMkLst>
+            <pc:docMk/>
+            <pc:sldMk cId="2998437829" sldId="258"/>
+            <ac:spMk id="4" creationId="{D6674259-A86C-3852-658E-9C1583E3CDE0}"/>
+          </ac:spMkLst>
+        </pc:spChg>
+        <pc:spChg chg="mod">
+          <ac:chgData name="Sheharyar Raza" userId="6296120c-4620-4e6e-b0cf-8bfa191d4497" providerId="ADAL" clId="{904EA3BE-E951-4442-9925-9ECA9C6DAF99}" dt="2023-07-07T14:34:53.563" v="82" actId="20577"/>
+          <ac:spMkLst>
+            <pc:docMk/>
+            <pc:sldMk cId="2998437829" sldId="258"/>
+            <ac:spMk id="5" creationId="{5B66FC1D-A38B-1903-D170-294A412091AA}"/>
+          </ac:spMkLst>
+        </pc:spChg>
+        <pc:spChg chg="del mod">
+          <ac:chgData name="Sheharyar Raza" userId="6296120c-4620-4e6e-b0cf-8bfa191d4497" providerId="ADAL" clId="{904EA3BE-E951-4442-9925-9ECA9C6DAF99}" dt="2023-07-07T14:35:08.086" v="84" actId="478"/>
+          <ac:spMkLst>
+            <pc:docMk/>
+            <pc:sldMk cId="2998437829" sldId="258"/>
+            <ac:spMk id="6" creationId="{FA38E15C-2F72-A97C-3D80-03F4199757B7}"/>
+          </ac:spMkLst>
+        </pc:spChg>
+        <pc:spChg chg="mod">
+          <ac:chgData name="Sheharyar Raza" userId="6296120c-4620-4e6e-b0cf-8bfa191d4497" providerId="ADAL" clId="{904EA3BE-E951-4442-9925-9ECA9C6DAF99}" dt="2023-07-17T15:58:05.520" v="5043" actId="14100"/>
+          <ac:spMkLst>
+            <pc:docMk/>
+            <pc:sldMk cId="2998437829" sldId="258"/>
+            <ac:spMk id="8" creationId="{C1573124-ECB0-A949-8795-03D4F02F5862}"/>
+          </ac:spMkLst>
+        </pc:spChg>
+        <pc:spChg chg="mod">
+          <ac:chgData name="Sheharyar Raza" userId="6296120c-4620-4e6e-b0cf-8bfa191d4497" providerId="ADAL" clId="{904EA3BE-E951-4442-9925-9ECA9C6DAF99}" dt="2023-07-17T16:21:02.464" v="5254" actId="207"/>
+          <ac:spMkLst>
+            <pc:docMk/>
+            <pc:sldMk cId="2998437829" sldId="258"/>
+            <ac:spMk id="14" creationId="{65E2AE2B-037A-ABD1-CF6E-EA3D29BB2524}"/>
+          </ac:spMkLst>
+        </pc:spChg>
+      </pc:sldChg>
+      <pc:sldChg chg="addSp delSp modSp add mod ord modAnim modNotesTx">
+        <pc:chgData name="Sheharyar Raza" userId="6296120c-4620-4e6e-b0cf-8bfa191d4497" providerId="ADAL" clId="{904EA3BE-E951-4442-9925-9ECA9C6DAF99}" dt="2023-07-17T16:49:43.737" v="5792" actId="20577"/>
+        <pc:sldMkLst>
+          <pc:docMk/>
+          <pc:sldMk cId="2881327137" sldId="259"/>
+        </pc:sldMkLst>
+        <pc:spChg chg="mod">
+          <ac:chgData name="Sheharyar Raza" userId="6296120c-4620-4e6e-b0cf-8bfa191d4497" providerId="ADAL" clId="{904EA3BE-E951-4442-9925-9ECA9C6DAF99}" dt="2023-07-07T18:04:21.085" v="4709" actId="207"/>
+          <ac:spMkLst>
+            <pc:docMk/>
+            <pc:sldMk cId="2881327137" sldId="259"/>
+            <ac:spMk id="4" creationId="{D6674259-A86C-3852-658E-9C1583E3CDE0}"/>
+          </ac:spMkLst>
+        </pc:spChg>
+        <pc:spChg chg="mod">
+          <ac:chgData name="Sheharyar Raza" userId="6296120c-4620-4e6e-b0cf-8bfa191d4497" providerId="ADAL" clId="{904EA3BE-E951-4442-9925-9ECA9C6DAF99}" dt="2023-07-07T18:04:22.749" v="4710" actId="207"/>
+          <ac:spMkLst>
+            <pc:docMk/>
+            <pc:sldMk cId="2881327137" sldId="259"/>
+            <ac:spMk id="5" creationId="{5B66FC1D-A38B-1903-D170-294A412091AA}"/>
+          </ac:spMkLst>
+        </pc:spChg>
+        <pc:spChg chg="mod">
+          <ac:chgData name="Sheharyar Raza" userId="6296120c-4620-4e6e-b0cf-8bfa191d4497" providerId="ADAL" clId="{904EA3BE-E951-4442-9925-9ECA9C6DAF99}" dt="2023-07-17T14:03:19.570" v="4939" actId="20577"/>
+          <ac:spMkLst>
+            <pc:docMk/>
+            <pc:sldMk cId="2881327137" sldId="259"/>
+            <ac:spMk id="8" creationId="{C1573124-ECB0-A949-8795-03D4F02F5862}"/>
+          </ac:spMkLst>
+        </pc:spChg>
+        <pc:spChg chg="add mod">
+          <ac:chgData name="Sheharyar Raza" userId="6296120c-4620-4e6e-b0cf-8bfa191d4497" providerId="ADAL" clId="{904EA3BE-E951-4442-9925-9ECA9C6DAF99}" dt="2023-07-17T16:42:13.435" v="5623" actId="20577"/>
+          <ac:spMkLst>
+            <pc:docMk/>
+            <pc:sldMk cId="2881327137" sldId="259"/>
+            <ac:spMk id="12" creationId="{EFE37BAF-6A00-002C-F61E-31FC329FD87A}"/>
+          </ac:spMkLst>
+        </pc:spChg>
+        <pc:spChg chg="mod">
+          <ac:chgData name="Sheharyar Raza" userId="6296120c-4620-4e6e-b0cf-8bfa191d4497" providerId="ADAL" clId="{904EA3BE-E951-4442-9925-9ECA9C6DAF99}" dt="2023-07-07T14:52:10.327" v="1461" actId="6549"/>
+          <ac:spMkLst>
+            <pc:docMk/>
+            <pc:sldMk cId="2881327137" sldId="259"/>
+            <ac:spMk id="14" creationId="{65E2AE2B-037A-ABD1-CF6E-EA3D29BB2524}"/>
+          </ac:spMkLst>
+        </pc:spChg>
+        <pc:picChg chg="add del mod">
+          <ac:chgData name="Sheharyar Raza" userId="6296120c-4620-4e6e-b0cf-8bfa191d4497" providerId="ADAL" clId="{904EA3BE-E951-4442-9925-9ECA9C6DAF99}" dt="2023-07-07T14:50:35.824" v="1309" actId="478"/>
+          <ac:picMkLst>
+            <pc:docMk/>
+            <pc:sldMk cId="2881327137" sldId="259"/>
+            <ac:picMk id="3" creationId="{F36E78A3-66FE-D8B2-3948-12C83673E941}"/>
+          </ac:picMkLst>
+        </pc:picChg>
+        <pc:picChg chg="add mod">
+          <ac:chgData name="Sheharyar Raza" userId="6296120c-4620-4e6e-b0cf-8bfa191d4497" providerId="ADAL" clId="{904EA3BE-E951-4442-9925-9ECA9C6DAF99}" dt="2023-07-07T14:56:41.199" v="1996" actId="1076"/>
+          <ac:picMkLst>
+            <pc:docMk/>
+            <pc:sldMk cId="2881327137" sldId="259"/>
+            <ac:picMk id="7" creationId="{58367439-BF4B-6F00-E668-72490E5160CA}"/>
+          </ac:picMkLst>
+        </pc:picChg>
+        <pc:picChg chg="add mod">
+          <ac:chgData name="Sheharyar Raza" userId="6296120c-4620-4e6e-b0cf-8bfa191d4497" providerId="ADAL" clId="{904EA3BE-E951-4442-9925-9ECA9C6DAF99}" dt="2023-07-07T14:56:39.384" v="1995" actId="1076"/>
+          <ac:picMkLst>
+            <pc:docMk/>
+            <pc:sldMk cId="2881327137" sldId="259"/>
+            <ac:picMk id="10" creationId="{581C01D2-58BA-7642-CF82-439110ABD6EB}"/>
+          </ac:picMkLst>
+        </pc:picChg>
+      </pc:sldChg>
+      <pc:sldChg chg="addSp delSp modSp add mod ord">
+        <pc:chgData name="Sheharyar Raza" userId="6296120c-4620-4e6e-b0cf-8bfa191d4497" providerId="ADAL" clId="{904EA3BE-E951-4442-9925-9ECA9C6DAF99}" dt="2023-07-17T14:06:14.837" v="4965" actId="404"/>
+        <pc:sldMkLst>
+          <pc:docMk/>
+          <pc:sldMk cId="2206776033" sldId="260"/>
+        </pc:sldMkLst>
+        <pc:spChg chg="add mod">
+          <ac:chgData name="Sheharyar Raza" userId="6296120c-4620-4e6e-b0cf-8bfa191d4497" providerId="ADAL" clId="{904EA3BE-E951-4442-9925-9ECA9C6DAF99}" dt="2023-07-07T15:04:51.434" v="2364" actId="404"/>
+          <ac:spMkLst>
+            <pc:docMk/>
+            <pc:sldMk cId="2206776033" sldId="260"/>
+            <ac:spMk id="3" creationId="{B33E8331-9E4C-8F2C-B3C4-B8F160674534}"/>
+          </ac:spMkLst>
+        </pc:spChg>
+        <pc:spChg chg="mod">
+          <ac:chgData name="Sheharyar Raza" userId="6296120c-4620-4e6e-b0cf-8bfa191d4497" providerId="ADAL" clId="{904EA3BE-E951-4442-9925-9ECA9C6DAF99}" dt="2023-07-07T18:04:28.143" v="4711" actId="207"/>
+          <ac:spMkLst>
+            <pc:docMk/>
+            <pc:sldMk cId="2206776033" sldId="260"/>
+            <ac:spMk id="4" creationId="{D6674259-A86C-3852-658E-9C1583E3CDE0}"/>
+          </ac:spMkLst>
+        </pc:spChg>
+        <pc:spChg chg="mod">
+          <ac:chgData name="Sheharyar Raza" userId="6296120c-4620-4e6e-b0cf-8bfa191d4497" providerId="ADAL" clId="{904EA3BE-E951-4442-9925-9ECA9C6DAF99}" dt="2023-07-07T18:04:30.024" v="4712" actId="207"/>
+          <ac:spMkLst>
+            <pc:docMk/>
+            <pc:sldMk cId="2206776033" sldId="260"/>
+            <ac:spMk id="5" creationId="{5B66FC1D-A38B-1903-D170-294A412091AA}"/>
+          </ac:spMkLst>
+        </pc:spChg>
+        <pc:spChg chg="add mod">
+          <ac:chgData name="Sheharyar Raza" userId="6296120c-4620-4e6e-b0cf-8bfa191d4497" providerId="ADAL" clId="{904EA3BE-E951-4442-9925-9ECA9C6DAF99}" dt="2023-07-17T14:06:14.837" v="4965" actId="404"/>
+          <ac:spMkLst>
+            <pc:docMk/>
+            <pc:sldMk cId="2206776033" sldId="260"/>
+            <ac:spMk id="6" creationId="{11EC087D-57EF-CE6D-9574-6D8AF6F23B88}"/>
+          </ac:spMkLst>
+        </pc:spChg>
+        <pc:spChg chg="mod">
+          <ac:chgData name="Sheharyar Raza" userId="6296120c-4620-4e6e-b0cf-8bfa191d4497" providerId="ADAL" clId="{904EA3BE-E951-4442-9925-9ECA9C6DAF99}" dt="2023-07-17T14:04:47.584" v="4948" actId="20577"/>
+          <ac:spMkLst>
+            <pc:docMk/>
+            <pc:sldMk cId="2206776033" sldId="260"/>
+            <ac:spMk id="8" creationId="{C1573124-ECB0-A949-8795-03D4F02F5862}"/>
+          </ac:spMkLst>
+        </pc:spChg>
+        <pc:spChg chg="mod">
+          <ac:chgData name="Sheharyar Raza" userId="6296120c-4620-4e6e-b0cf-8bfa191d4497" providerId="ADAL" clId="{904EA3BE-E951-4442-9925-9ECA9C6DAF99}" dt="2023-07-17T14:05:26.721" v="4950" actId="404"/>
+          <ac:spMkLst>
+            <pc:docMk/>
+            <pc:sldMk cId="2206776033" sldId="260"/>
+            <ac:spMk id="12" creationId="{EFE37BAF-6A00-002C-F61E-31FC329FD87A}"/>
+          </ac:spMkLst>
+        </pc:spChg>
+        <pc:spChg chg="mod">
+          <ac:chgData name="Sheharyar Raza" userId="6296120c-4620-4e6e-b0cf-8bfa191d4497" providerId="ADAL" clId="{904EA3BE-E951-4442-9925-9ECA9C6DAF99}" dt="2023-07-07T17:49:01.044" v="3166" actId="20577"/>
+          <ac:spMkLst>
+            <pc:docMk/>
+            <pc:sldMk cId="2206776033" sldId="260"/>
+            <ac:spMk id="14" creationId="{65E2AE2B-037A-ABD1-CF6E-EA3D29BB2524}"/>
+          </ac:spMkLst>
+        </pc:spChg>
+        <pc:picChg chg="del">
+          <ac:chgData name="Sheharyar Raza" userId="6296120c-4620-4e6e-b0cf-8bfa191d4497" providerId="ADAL" clId="{904EA3BE-E951-4442-9925-9ECA9C6DAF99}" dt="2023-07-07T17:49:49.256" v="3232" actId="478"/>
+          <ac:picMkLst>
+            <pc:docMk/>
+            <pc:sldMk cId="2206776033" sldId="260"/>
+            <ac:picMk id="7" creationId="{58367439-BF4B-6F00-E668-72490E5160CA}"/>
+          </ac:picMkLst>
+        </pc:picChg>
+        <pc:picChg chg="del">
+          <ac:chgData name="Sheharyar Raza" userId="6296120c-4620-4e6e-b0cf-8bfa191d4497" providerId="ADAL" clId="{904EA3BE-E951-4442-9925-9ECA9C6DAF99}" dt="2023-07-07T17:49:49.256" v="3232" actId="478"/>
+          <ac:picMkLst>
+            <pc:docMk/>
+            <pc:sldMk cId="2206776033" sldId="260"/>
+            <ac:picMk id="10" creationId="{581C01D2-58BA-7642-CF82-439110ABD6EB}"/>
+          </ac:picMkLst>
+        </pc:picChg>
+      </pc:sldChg>
+      <pc:sldChg chg="modSp add mod ord">
+        <pc:chgData name="Sheharyar Raza" userId="6296120c-4620-4e6e-b0cf-8bfa191d4497" providerId="ADAL" clId="{904EA3BE-E951-4442-9925-9ECA9C6DAF99}" dt="2023-07-17T14:08:06.979" v="5029" actId="20577"/>
+        <pc:sldMkLst>
+          <pc:docMk/>
+          <pc:sldMk cId="4202583680" sldId="261"/>
+        </pc:sldMkLst>
+        <pc:spChg chg="mod">
+          <ac:chgData name="Sheharyar Raza" userId="6296120c-4620-4e6e-b0cf-8bfa191d4497" providerId="ADAL" clId="{904EA3BE-E951-4442-9925-9ECA9C6DAF99}" dt="2023-07-17T14:06:38.063" v="4990" actId="1035"/>
+          <ac:spMkLst>
+            <pc:docMk/>
+            <pc:sldMk cId="4202583680" sldId="261"/>
+            <ac:spMk id="3" creationId="{B33E8331-9E4C-8F2C-B3C4-B8F160674534}"/>
+          </ac:spMkLst>
+        </pc:spChg>
+        <pc:spChg chg="mod">
+          <ac:chgData name="Sheharyar Raza" userId="6296120c-4620-4e6e-b0cf-8bfa191d4497" providerId="ADAL" clId="{904EA3BE-E951-4442-9925-9ECA9C6DAF99}" dt="2023-07-07T18:04:37.810" v="4713" actId="207"/>
+          <ac:spMkLst>
+            <pc:docMk/>
+            <pc:sldMk cId="4202583680" sldId="261"/>
+            <ac:spMk id="4" creationId="{D6674259-A86C-3852-658E-9C1583E3CDE0}"/>
+          </ac:spMkLst>
+        </pc:spChg>
+        <pc:spChg chg="mod">
+          <ac:chgData name="Sheharyar Raza" userId="6296120c-4620-4e6e-b0cf-8bfa191d4497" providerId="ADAL" clId="{904EA3BE-E951-4442-9925-9ECA9C6DAF99}" dt="2023-07-07T18:04:39.790" v="4714" actId="207"/>
+          <ac:spMkLst>
+            <pc:docMk/>
+            <pc:sldMk cId="4202583680" sldId="261"/>
+            <ac:spMk id="5" creationId="{5B66FC1D-A38B-1903-D170-294A412091AA}"/>
+          </ac:spMkLst>
+        </pc:spChg>
+        <pc:spChg chg="mod">
+          <ac:chgData name="Sheharyar Raza" userId="6296120c-4620-4e6e-b0cf-8bfa191d4497" providerId="ADAL" clId="{904EA3BE-E951-4442-9925-9ECA9C6DAF99}" dt="2023-07-17T14:06:50.737" v="4996" actId="14100"/>
+          <ac:spMkLst>
+            <pc:docMk/>
+            <pc:sldMk cId="4202583680" sldId="261"/>
+            <ac:spMk id="6" creationId="{11EC087D-57EF-CE6D-9574-6D8AF6F23B88}"/>
+          </ac:spMkLst>
+        </pc:spChg>
+        <pc:spChg chg="mod">
+          <ac:chgData name="Sheharyar Raza" userId="6296120c-4620-4e6e-b0cf-8bfa191d4497" providerId="ADAL" clId="{904EA3BE-E951-4442-9925-9ECA9C6DAF99}" dt="2023-07-17T14:06:43.906" v="4994" actId="404"/>
+          <ac:spMkLst>
+            <pc:docMk/>
+            <pc:sldMk cId="4202583680" sldId="261"/>
+            <ac:spMk id="8" creationId="{C1573124-ECB0-A949-8795-03D4F02F5862}"/>
+          </ac:spMkLst>
+        </pc:spChg>
+        <pc:spChg chg="mod">
+          <ac:chgData name="Sheharyar Raza" userId="6296120c-4620-4e6e-b0cf-8bfa191d4497" providerId="ADAL" clId="{904EA3BE-E951-4442-9925-9ECA9C6DAF99}" dt="2023-07-17T14:08:06.979" v="5029" actId="20577"/>
+          <ac:spMkLst>
+            <pc:docMk/>
+            <pc:sldMk cId="4202583680" sldId="261"/>
+            <ac:spMk id="12" creationId="{EFE37BAF-6A00-002C-F61E-31FC329FD87A}"/>
+          </ac:spMkLst>
+        </pc:spChg>
+        <pc:spChg chg="mod">
+          <ac:chgData name="Sheharyar Raza" userId="6296120c-4620-4e6e-b0cf-8bfa191d4497" providerId="ADAL" clId="{904EA3BE-E951-4442-9925-9ECA9C6DAF99}" dt="2023-07-07T17:56:16.502" v="4094" actId="20577"/>
+          <ac:spMkLst>
+            <pc:docMk/>
+            <pc:sldMk cId="4202583680" sldId="261"/>
+            <ac:spMk id="14" creationId="{65E2AE2B-037A-ABD1-CF6E-EA3D29BB2524}"/>
+          </ac:spMkLst>
+        </pc:spChg>
+      </pc:sldChg>
+      <pc:sldChg chg="addSp delSp modSp new mod ord">
+        <pc:chgData name="Sheharyar Raza" userId="6296120c-4620-4e6e-b0cf-8bfa191d4497" providerId="ADAL" clId="{904EA3BE-E951-4442-9925-9ECA9C6DAF99}" dt="2023-07-17T13:56:18.096" v="4756" actId="693"/>
+        <pc:sldMkLst>
+          <pc:docMk/>
+          <pc:sldMk cId="4238406430" sldId="262"/>
+        </pc:sldMkLst>
+        <pc:spChg chg="add mod">
+          <ac:chgData name="Sheharyar Raza" userId="6296120c-4620-4e6e-b0cf-8bfa191d4497" providerId="ADAL" clId="{904EA3BE-E951-4442-9925-9ECA9C6DAF99}" dt="2023-07-17T13:55:31.282" v="4750" actId="2711"/>
+          <ac:spMkLst>
+            <pc:docMk/>
+            <pc:sldMk cId="4238406430" sldId="262"/>
+            <ac:spMk id="4" creationId="{AC114FBB-EF41-CDA0-4A2F-CBE7293624B2}"/>
+          </ac:spMkLst>
+        </pc:spChg>
+        <pc:spChg chg="add del">
+          <ac:chgData name="Sheharyar Raza" userId="6296120c-4620-4e6e-b0cf-8bfa191d4497" providerId="ADAL" clId="{904EA3BE-E951-4442-9925-9ECA9C6DAF99}" dt="2023-07-17T13:55:48.692" v="4752" actId="11529"/>
+          <ac:spMkLst>
+            <pc:docMk/>
+            <pc:sldMk cId="4238406430" sldId="262"/>
+            <ac:spMk id="5" creationId="{09F1D8C6-69AA-5384-B301-B507B9676D29}"/>
+          </ac:spMkLst>
+        </pc:spChg>
+        <pc:spChg chg="add mod">
+          <ac:chgData name="Sheharyar Raza" userId="6296120c-4620-4e6e-b0cf-8bfa191d4497" providerId="ADAL" clId="{904EA3BE-E951-4442-9925-9ECA9C6DAF99}" dt="2023-07-17T13:56:18.096" v="4756" actId="693"/>
+          <ac:spMkLst>
+            <pc:docMk/>
+            <pc:sldMk cId="4238406430" sldId="262"/>
+            <ac:spMk id="6" creationId="{96775BD2-BEB9-A2B7-5357-24CAADA00636}"/>
+          </ac:spMkLst>
+        </pc:spChg>
+        <pc:picChg chg="add mod">
+          <ac:chgData name="Sheharyar Raza" userId="6296120c-4620-4e6e-b0cf-8bfa191d4497" providerId="ADAL" clId="{904EA3BE-E951-4442-9925-9ECA9C6DAF99}" dt="2023-07-17T13:54:48.468" v="4723" actId="1076"/>
+          <ac:picMkLst>
+            <pc:docMk/>
+            <pc:sldMk cId="4238406430" sldId="262"/>
+            <ac:picMk id="3" creationId="{6987B105-D69A-C559-9A54-ACA31707B6BA}"/>
+          </ac:picMkLst>
+        </pc:picChg>
+      </pc:sldChg>
+      <pc:sldChg chg="modSp add mod">
+        <pc:chgData name="Sheharyar Raza" userId="6296120c-4620-4e6e-b0cf-8bfa191d4497" providerId="ADAL" clId="{904EA3BE-E951-4442-9925-9ECA9C6DAF99}" dt="2023-07-17T13:56:58.514" v="4766" actId="1076"/>
+        <pc:sldMkLst>
+          <pc:docMk/>
+          <pc:sldMk cId="2040635691" sldId="263"/>
+        </pc:sldMkLst>
+        <pc:spChg chg="mod">
+          <ac:chgData name="Sheharyar Raza" userId="6296120c-4620-4e6e-b0cf-8bfa191d4497" providerId="ADAL" clId="{904EA3BE-E951-4442-9925-9ECA9C6DAF99}" dt="2023-07-17T13:56:58.514" v="4766" actId="1076"/>
+          <ac:spMkLst>
+            <pc:docMk/>
+            <pc:sldMk cId="2040635691" sldId="263"/>
+            <ac:spMk id="6" creationId="{96775BD2-BEB9-A2B7-5357-24CAADA00636}"/>
+          </ac:spMkLst>
+        </pc:spChg>
+        <pc:picChg chg="mod">
+          <ac:chgData name="Sheharyar Raza" userId="6296120c-4620-4e6e-b0cf-8bfa191d4497" providerId="ADAL" clId="{904EA3BE-E951-4442-9925-9ECA9C6DAF99}" dt="2023-07-17T13:56:53.299" v="4765" actId="1076"/>
+          <ac:picMkLst>
+            <pc:docMk/>
+            <pc:sldMk cId="2040635691" sldId="263"/>
+            <ac:picMk id="3" creationId="{6987B105-D69A-C559-9A54-ACA31707B6BA}"/>
+          </ac:picMkLst>
+        </pc:picChg>
+      </pc:sldChg>
+      <pc:sldChg chg="modSp add mod">
+        <pc:chgData name="Sheharyar Raza" userId="6296120c-4620-4e6e-b0cf-8bfa191d4497" providerId="ADAL" clId="{904EA3BE-E951-4442-9925-9ECA9C6DAF99}" dt="2023-07-17T13:56:50.917" v="4763" actId="1076"/>
+        <pc:sldMkLst>
+          <pc:docMk/>
+          <pc:sldMk cId="1419707540" sldId="264"/>
+        </pc:sldMkLst>
+        <pc:spChg chg="mod">
+          <ac:chgData name="Sheharyar Raza" userId="6296120c-4620-4e6e-b0cf-8bfa191d4497" providerId="ADAL" clId="{904EA3BE-E951-4442-9925-9ECA9C6DAF99}" dt="2023-07-17T13:56:50.917" v="4763" actId="1076"/>
+          <ac:spMkLst>
+            <pc:docMk/>
+            <pc:sldMk cId="1419707540" sldId="264"/>
+            <ac:spMk id="6" creationId="{96775BD2-BEB9-A2B7-5357-24CAADA00636}"/>
+          </ac:spMkLst>
+        </pc:spChg>
+      </pc:sldChg>
+      <pc:sldChg chg="modSp add mod">
+        <pc:chgData name="Sheharyar Raza" userId="6296120c-4620-4e6e-b0cf-8bfa191d4497" providerId="ADAL" clId="{904EA3BE-E951-4442-9925-9ECA9C6DAF99}" dt="2023-07-17T13:56:46.417" v="4762" actId="1076"/>
+        <pc:sldMkLst>
+          <pc:docMk/>
+          <pc:sldMk cId="86980882" sldId="265"/>
+        </pc:sldMkLst>
+        <pc:spChg chg="mod">
+          <ac:chgData name="Sheharyar Raza" userId="6296120c-4620-4e6e-b0cf-8bfa191d4497" providerId="ADAL" clId="{904EA3BE-E951-4442-9925-9ECA9C6DAF99}" dt="2023-07-17T13:56:46.417" v="4762" actId="1076"/>
+          <ac:spMkLst>
+            <pc:docMk/>
+            <pc:sldMk cId="86980882" sldId="265"/>
+            <ac:spMk id="6" creationId="{96775BD2-BEB9-A2B7-5357-24CAADA00636}"/>
+          </ac:spMkLst>
+        </pc:spChg>
+      </pc:sldChg>
+      <pc:sldChg chg="modSp add mod">
+        <pc:chgData name="Sheharyar Raza" userId="6296120c-4620-4e6e-b0cf-8bfa191d4497" providerId="ADAL" clId="{904EA3BE-E951-4442-9925-9ECA9C6DAF99}" dt="2023-07-17T13:56:42.157" v="4761" actId="1076"/>
+        <pc:sldMkLst>
+          <pc:docMk/>
+          <pc:sldMk cId="1642043387" sldId="266"/>
+        </pc:sldMkLst>
+        <pc:spChg chg="mod">
+          <ac:chgData name="Sheharyar Raza" userId="6296120c-4620-4e6e-b0cf-8bfa191d4497" providerId="ADAL" clId="{904EA3BE-E951-4442-9925-9ECA9C6DAF99}" dt="2023-07-17T13:56:42.157" v="4761" actId="1076"/>
+          <ac:spMkLst>
+            <pc:docMk/>
+            <pc:sldMk cId="1642043387" sldId="266"/>
+            <ac:spMk id="6" creationId="{96775BD2-BEB9-A2B7-5357-24CAADA00636}"/>
+          </ac:spMkLst>
+        </pc:spChg>
+      </pc:sldChg>
+    </pc:docChg>
+  </pc:docChgLst>
+</pc:chgInfo>
+</file>
+
 <file path=ppt/notesMasters/notesMaster1.xml><?xml version="1.0" encoding="utf-8"?>
 <p:notesMaster xmlns:a="http://schemas.openxmlformats.org/drawingml/2006/main" xmlns:r="http://schemas.openxmlformats.org/officeDocument/2006/relationships" xmlns:p="http://schemas.openxmlformats.org/presentationml/2006/main">
   <p:cSld>
@@ -215,7 +890,7 @@
           <a:p>
             <a:fld id="{79942096-D6B4-48E3-A07F-83C36308E102}" type="datetimeFigureOut">
               <a:rPr lang="en-US" smtClean="0"/>
-              <a:t>2023-08-08</a:t>
+              <a:t>8/8/2023</a:t>
             </a:fld>
             <a:endParaRPr lang="en-US"/>
           </a:p>
@@ -934,7 +1609,7 @@
           <a:p>
             <a:fld id="{50A5BB1F-C85A-471F-AE19-8727408F0095}" type="datetimeFigureOut">
               <a:rPr lang="en-US" smtClean="0"/>
-              <a:t>2023-08-08</a:t>
+              <a:t>8/8/2023</a:t>
             </a:fld>
             <a:endParaRPr lang="en-US"/>
           </a:p>
@@ -1132,7 +1807,7 @@
           <a:p>
             <a:fld id="{50A5BB1F-C85A-471F-AE19-8727408F0095}" type="datetimeFigureOut">
               <a:rPr lang="en-US" smtClean="0"/>
-              <a:t>2023-08-08</a:t>
+              <a:t>8/8/2023</a:t>
             </a:fld>
             <a:endParaRPr lang="en-US"/>
           </a:p>
@@ -1340,7 +2015,7 @@
           <a:p>
             <a:fld id="{50A5BB1F-C85A-471F-AE19-8727408F0095}" type="datetimeFigureOut">
               <a:rPr lang="en-US" smtClean="0"/>
-              <a:t>2023-08-08</a:t>
+              <a:t>8/8/2023</a:t>
             </a:fld>
             <a:endParaRPr lang="en-US"/>
           </a:p>
@@ -1538,7 +2213,7 @@
           <a:p>
             <a:fld id="{50A5BB1F-C85A-471F-AE19-8727408F0095}" type="datetimeFigureOut">
               <a:rPr lang="en-US" smtClean="0"/>
-              <a:t>2023-08-08</a:t>
+              <a:t>8/8/2023</a:t>
             </a:fld>
             <a:endParaRPr lang="en-US"/>
           </a:p>
@@ -1813,7 +2488,7 @@
           <a:p>
             <a:fld id="{50A5BB1F-C85A-471F-AE19-8727408F0095}" type="datetimeFigureOut">
               <a:rPr lang="en-US" smtClean="0"/>
-              <a:t>2023-08-08</a:t>
+              <a:t>8/8/2023</a:t>
             </a:fld>
             <a:endParaRPr lang="en-US"/>
           </a:p>
@@ -2078,7 +2753,7 @@
           <a:p>
             <a:fld id="{50A5BB1F-C85A-471F-AE19-8727408F0095}" type="datetimeFigureOut">
               <a:rPr lang="en-US" smtClean="0"/>
-              <a:t>2023-08-08</a:t>
+              <a:t>8/8/2023</a:t>
             </a:fld>
             <a:endParaRPr lang="en-US"/>
           </a:p>
@@ -2490,7 +3165,7 @@
           <a:p>
             <a:fld id="{50A5BB1F-C85A-471F-AE19-8727408F0095}" type="datetimeFigureOut">
               <a:rPr lang="en-US" smtClean="0"/>
-              <a:t>2023-08-08</a:t>
+              <a:t>8/8/2023</a:t>
             </a:fld>
             <a:endParaRPr lang="en-US"/>
           </a:p>
@@ -2631,7 +3306,7 @@
           <a:p>
             <a:fld id="{50A5BB1F-C85A-471F-AE19-8727408F0095}" type="datetimeFigureOut">
               <a:rPr lang="en-US" smtClean="0"/>
-              <a:t>2023-08-08</a:t>
+              <a:t>8/8/2023</a:t>
             </a:fld>
             <a:endParaRPr lang="en-US"/>
           </a:p>
@@ -2744,7 +3419,7 @@
           <a:p>
             <a:fld id="{50A5BB1F-C85A-471F-AE19-8727408F0095}" type="datetimeFigureOut">
               <a:rPr lang="en-US" smtClean="0"/>
-              <a:t>2023-08-08</a:t>
+              <a:t>8/8/2023</a:t>
             </a:fld>
             <a:endParaRPr lang="en-US"/>
           </a:p>
@@ -3055,7 +3730,7 @@
           <a:p>
             <a:fld id="{50A5BB1F-C85A-471F-AE19-8727408F0095}" type="datetimeFigureOut">
               <a:rPr lang="en-US" smtClean="0"/>
-              <a:t>2023-08-08</a:t>
+              <a:t>8/8/2023</a:t>
             </a:fld>
             <a:endParaRPr lang="en-US"/>
           </a:p>
@@ -3343,7 +4018,7 @@
           <a:p>
             <a:fld id="{50A5BB1F-C85A-471F-AE19-8727408F0095}" type="datetimeFigureOut">
               <a:rPr lang="en-US" smtClean="0"/>
-              <a:t>2023-08-08</a:t>
+              <a:t>8/8/2023</a:t>
             </a:fld>
             <a:endParaRPr lang="en-US"/>
           </a:p>
@@ -3584,7 +4259,7 @@
           <a:p>
             <a:fld id="{50A5BB1F-C85A-471F-AE19-8727408F0095}" type="datetimeFigureOut">
               <a:rPr lang="en-US" smtClean="0"/>
-              <a:t>2023-08-08</a:t>
+              <a:t>8/8/2023</a:t>
             </a:fld>
             <a:endParaRPr lang="en-US"/>
           </a:p>
@@ -5924,7 +6599,7 @@
         <p:spPr>
           <a:xfrm>
             <a:off x="228600" y="1039929"/>
-            <a:ext cx="5273040" cy="5724644"/>
+            <a:ext cx="5273040" cy="5601533"/>
           </a:xfrm>
           <a:prstGeom prst="rect">
             <a:avLst/>
@@ -6085,42 +6760,6 @@
               </a:rPr>
               <a:t>Optional: by diagnosis</a:t>
             </a:r>
-          </a:p>
-          <a:p>
-            <a:pPr marL="971550" lvl="1" indent="-514350">
-              <a:buFont typeface="+mj-lt"/>
-              <a:buAutoNum type="arabicPeriod"/>
-            </a:pPr>
-            <a:r>
-              <a:rPr lang="en-CA" dirty="0">
-                <a:latin typeface="Calibri" panose="020F0502020204030204" pitchFamily="34" charset="0"/>
-              </a:rPr>
-              <a:t>Optional: by clinical indices (</a:t>
-            </a:r>
-            <a:r>
-              <a:rPr lang="en-CA" dirty="0" err="1">
-                <a:latin typeface="Calibri" panose="020F0502020204030204" pitchFamily="34" charset="0"/>
-              </a:rPr>
-              <a:t>eg</a:t>
-            </a:r>
-            <a:r>
-              <a:rPr lang="en-CA" dirty="0">
-                <a:latin typeface="Calibri" panose="020F0502020204030204" pitchFamily="34" charset="0"/>
-              </a:rPr>
-              <a:t> </a:t>
-            </a:r>
-            <a:r>
-              <a:rPr lang="en-CA" dirty="0" err="1">
-                <a:latin typeface="Calibri" panose="020F0502020204030204" pitchFamily="34" charset="0"/>
-              </a:rPr>
-              <a:t>Charlson</a:t>
-            </a:r>
-            <a:r>
-              <a:rPr lang="en-CA" dirty="0">
-                <a:latin typeface="Calibri" panose="020F0502020204030204" pitchFamily="34" charset="0"/>
-              </a:rPr>
-              <a:t>)</a:t>
-            </a:r>
             <a:br>
               <a:rPr lang="en-CA" dirty="0">
                 <a:effectLst/>
@@ -6141,7 +6780,7 @@
               <a:rPr lang="en-CA" sz="2400" dirty="0">
                 <a:latin typeface="Calibri" panose="020F0502020204030204" pitchFamily="34" charset="0"/>
               </a:rPr>
-              <a:t>Building Flexible Exceptions</a:t>
+              <a:t>Building Exceptions</a:t>
             </a:r>
           </a:p>
           <a:p>
@@ -6873,7 +7512,7 @@
                 <a:spcPts val="0"/>
               </a:spcAft>
             </a:pPr>
-            <a:endParaRPr lang="en-CA" dirty="0">
+            <a:endParaRPr lang="en-CA" sz="2800" dirty="0">
               <a:latin typeface="Calibri" panose="020F0502020204030204" pitchFamily="34" charset="0"/>
             </a:endParaRPr>
           </a:p>
@@ -7187,7 +7826,7 @@
         <p:spPr>
           <a:xfrm>
             <a:off x="5930155" y="1804228"/>
-            <a:ext cx="6261846" cy="3385542"/>
+            <a:ext cx="6261846" cy="3539430"/>
           </a:xfrm>
           <a:prstGeom prst="rect">
             <a:avLst/>
@@ -7205,7 +7844,7 @@
               <a:buChar char="•"/>
             </a:pPr>
             <a:r>
-              <a:rPr lang="en-CA" dirty="0">
+              <a:rPr lang="en-CA" sz="2000" dirty="0">
                 <a:latin typeface="Calibri" panose="020F0502020204030204" pitchFamily="34" charset="0"/>
               </a:rPr>
               <a:t>Each module needs input from nearly the entire team</a:t>
@@ -7217,11 +7856,11 @@
               <a:buChar char="•"/>
             </a:pPr>
             <a:r>
-              <a:rPr lang="en-CA" dirty="0">
+              <a:rPr lang="en-CA" sz="2000" dirty="0">
                 <a:latin typeface="Calibri"/>
                 <a:cs typeface="Calibri"/>
               </a:rPr>
-              <a:t>+ Pilot User study (5-10 clinician pilot)</a:t>
+              <a:t>+ Pilot User study</a:t>
             </a:r>
           </a:p>
           <a:p>
@@ -7229,7 +7868,7 @@
               <a:buFont typeface="Arial" panose="020B0604020202020204" pitchFamily="34" charset="0"/>
               <a:buChar char="•"/>
             </a:pPr>
-            <a:endParaRPr lang="en-CA" dirty="0">
+            <a:endParaRPr lang="en-CA" sz="2000" dirty="0">
               <a:latin typeface="Calibri" panose="020F0502020204030204" pitchFamily="34" charset="0"/>
             </a:endParaRPr>
           </a:p>
@@ -7239,7 +7878,7 @@
               <a:buChar char="•"/>
             </a:pPr>
             <a:r>
-              <a:rPr lang="en-CA" dirty="0">
+              <a:rPr lang="en-CA" sz="2000" dirty="0">
                 <a:latin typeface="Calibri" panose="020F0502020204030204" pitchFamily="34" charset="0"/>
               </a:rPr>
               <a:t>We will design more modules than we use</a:t>
@@ -7250,7 +7889,7 @@
               <a:buFont typeface="Arial" panose="020B0604020202020204" pitchFamily="34" charset="0"/>
               <a:buChar char="•"/>
             </a:pPr>
-            <a:endParaRPr lang="en-CA" dirty="0">
+            <a:endParaRPr lang="en-CA" sz="2000" dirty="0">
               <a:latin typeface="Calibri" panose="020F0502020204030204" pitchFamily="34" charset="0"/>
             </a:endParaRPr>
           </a:p>
@@ -7260,7 +7899,7 @@
               <a:buChar char="•"/>
             </a:pPr>
             <a:r>
-              <a:rPr lang="en-CA" dirty="0">
+              <a:rPr lang="en-CA" sz="2000" dirty="0">
                 <a:latin typeface="Calibri" panose="020F0502020204030204" pitchFamily="34" charset="0"/>
               </a:rPr>
               <a:t>Customize modules displayed by </a:t>
@@ -7272,7 +7911,7 @@
               <a:buChar char="•"/>
             </a:pPr>
             <a:r>
-              <a:rPr lang="en-CA" sz="1400" dirty="0">
+              <a:rPr lang="en-CA" sz="1600" dirty="0">
                 <a:latin typeface="Calibri" panose="020F0502020204030204" pitchFamily="34" charset="0"/>
               </a:rPr>
               <a:t>1) study arm </a:t>
@@ -7284,7 +7923,7 @@
               <a:buChar char="•"/>
             </a:pPr>
             <a:r>
-              <a:rPr lang="en-CA" sz="1400" dirty="0">
+              <a:rPr lang="en-CA" sz="1600" dirty="0">
                 <a:latin typeface="Calibri" panose="020F0502020204030204" pitchFamily="34" charset="0"/>
               </a:rPr>
               <a:t>2) user type </a:t>
@@ -7295,7 +7934,7 @@
               <a:buFont typeface="Arial" panose="020B0604020202020204" pitchFamily="34" charset="0"/>
               <a:buChar char="•"/>
             </a:pPr>
-            <a:endParaRPr lang="en-CA" dirty="0">
+            <a:endParaRPr lang="en-CA" sz="2000" dirty="0">
               <a:latin typeface="Calibri" panose="020F0502020204030204" pitchFamily="34" charset="0"/>
             </a:endParaRPr>
           </a:p>
@@ -7305,7 +7944,7 @@
               <a:buChar char="•"/>
             </a:pPr>
             <a:r>
-              <a:rPr lang="en-CA" dirty="0">
+              <a:rPr lang="en-CA" sz="2000" dirty="0">
                 <a:latin typeface="Calibri" panose="020F0502020204030204" pitchFamily="34" charset="0"/>
               </a:rPr>
               <a:t>Iterate over time, swap modules for improved versions</a:t>
@@ -7317,10 +7956,10 @@
               <a:buChar char="•"/>
             </a:pPr>
             <a:r>
-              <a:rPr lang="en-CA" sz="1400" dirty="0">
+              <a:rPr lang="en-CA" sz="1600" dirty="0">
                 <a:latin typeface="Calibri" panose="020F0502020204030204" pitchFamily="34" charset="0"/>
               </a:rPr>
-              <a:t>Performance </a:t>
+              <a:t>Performance</a:t>
             </a:r>
           </a:p>
           <a:p>
@@ -7329,24 +7968,12 @@
               <a:buChar char="•"/>
             </a:pPr>
             <a:r>
-              <a:rPr lang="en-CA" sz="1400" dirty="0">
+              <a:rPr lang="en-CA" sz="1600" dirty="0">
                 <a:latin typeface="Calibri" panose="020F0502020204030204" pitchFamily="34" charset="0"/>
               </a:rPr>
-              <a:t>Feedback (feedback button/textbox)</a:t>
-            </a:r>
-          </a:p>
-          <a:p>
-            <a:pPr marL="742950" lvl="1" indent="-285750">
-              <a:buFont typeface="Arial" panose="020B0604020202020204" pitchFamily="34" charset="0"/>
-              <a:buChar char="•"/>
-            </a:pPr>
-            <a:r>
-              <a:rPr lang="en-CA" sz="1400" dirty="0">
-                <a:latin typeface="Calibri" panose="020F0502020204030204" pitchFamily="34" charset="0"/>
-              </a:rPr>
-              <a:t>Engagement (+clicks, time spent, a/b testing)</a:t>
-            </a:r>
-            <a:endParaRPr lang="en-US" sz="1400" dirty="0"/>
+              <a:t>Feedback</a:t>
+            </a:r>
+            <a:endParaRPr lang="en-US" sz="1600" dirty="0"/>
           </a:p>
         </p:txBody>
       </p:sp>
@@ -8115,7 +8742,7 @@
         </p:nvSpPr>
         <p:spPr>
           <a:xfrm>
-            <a:off x="228600" y="2546747"/>
+            <a:off x="209202" y="2964812"/>
             <a:ext cx="6098240" cy="1200329"/>
           </a:xfrm>
           <a:prstGeom prst="rect">
@@ -8186,7 +8813,7 @@
         </p:nvSpPr>
         <p:spPr>
           <a:xfrm>
-            <a:off x="228600" y="3871466"/>
+            <a:off x="209202" y="4537040"/>
             <a:ext cx="6098240" cy="1938992"/>
           </a:xfrm>
           <a:prstGeom prst="rect">
@@ -8270,65 +8897,6 @@
             <a:endParaRPr lang="en-CA" sz="2400" dirty="0">
               <a:latin typeface="Calibri" panose="020F0502020204030204" pitchFamily="34" charset="0"/>
             </a:endParaRPr>
-          </a:p>
-        </p:txBody>
-      </p:sp>
-      <p:sp>
-        <p:nvSpPr>
-          <p:cNvPr id="2" name="TextBox 1">
-            <a:extLst>
-              <a:ext uri="{FF2B5EF4-FFF2-40B4-BE49-F238E27FC236}">
-                <a16:creationId xmlns:a16="http://schemas.microsoft.com/office/drawing/2014/main" id="{1BA0D566-BA24-6F2B-DCD8-603683112B1B}"/>
-              </a:ext>
-            </a:extLst>
-          </p:cNvPr>
-          <p:cNvSpPr txBox="1"/>
-          <p:nvPr/>
-        </p:nvSpPr>
-        <p:spPr>
-          <a:xfrm>
-            <a:off x="228600" y="5457802"/>
-            <a:ext cx="5273040" cy="830997"/>
-          </a:xfrm>
-          <a:prstGeom prst="rect">
-            <a:avLst/>
-          </a:prstGeom>
-          <a:noFill/>
-        </p:spPr>
-        <p:txBody>
-          <a:bodyPr wrap="square">
-            <a:spAutoFit/>
-          </a:bodyPr>
-          <a:lstStyle/>
-          <a:p>
-            <a:pPr marL="457200" marR="0" indent="-457200">
-              <a:spcBef>
-                <a:spcPts val="0"/>
-              </a:spcBef>
-              <a:spcAft>
-                <a:spcPts val="0"/>
-              </a:spcAft>
-              <a:buFont typeface="Arial" panose="020B0604020202020204" pitchFamily="34" charset="0"/>
-              <a:buChar char="•"/>
-            </a:pPr>
-            <a:r>
-              <a:rPr lang="en-CA" sz="2400" dirty="0">
-                <a:latin typeface="Calibri" panose="020F0502020204030204" pitchFamily="34" charset="0"/>
-              </a:rPr>
-              <a:t>Engagement</a:t>
-            </a:r>
-          </a:p>
-          <a:p>
-            <a:pPr marL="914400" lvl="1" indent="-457200">
-              <a:buFont typeface="Arial" panose="020B0604020202020204" pitchFamily="34" charset="0"/>
-              <a:buChar char="•"/>
-            </a:pPr>
-            <a:r>
-              <a:rPr lang="en-CA" sz="2400" dirty="0">
-                <a:latin typeface="Calibri" panose="020F0502020204030204" pitchFamily="34" charset="0"/>
-              </a:rPr>
-              <a:t>Physician champions/leads</a:t>
-            </a:r>
           </a:p>
         </p:txBody>
       </p:sp>
